--- a/BP/Q2 2021/BP-ICAM62 30 June 2021.pptx
+++ b/BP/Q2 2021/BP-ICAM62 30 June 2021.pptx
@@ -4,17 +4,20 @@
   <p:sldMasterIdLst>
     <p:sldMasterId id="2147483648" r:id="rId2"/>
     <p:sldMasterId id="2147483661" r:id="rId3"/>
-    <p:sldMasterId id="2147483674" r:id="rId4"/>
   </p:sldMasterIdLst>
   <p:sldIdLst>
-    <p:sldId id="256" r:id="rId5"/>
-    <p:sldId id="257" r:id="rId6"/>
-    <p:sldId id="258" r:id="rId7"/>
-    <p:sldId id="259" r:id="rId8"/>
-    <p:sldId id="260" r:id="rId9"/>
-    <p:sldId id="261" r:id="rId10"/>
-    <p:sldId id="262" r:id="rId11"/>
-    <p:sldId id="263" r:id="rId12"/>
+    <p:sldId id="256" r:id="rId4"/>
+    <p:sldId id="257" r:id="rId5"/>
+    <p:sldId id="258" r:id="rId6"/>
+    <p:sldId id="259" r:id="rId7"/>
+    <p:sldId id="260" r:id="rId8"/>
+    <p:sldId id="261" r:id="rId9"/>
+    <p:sldId id="262" r:id="rId10"/>
+    <p:sldId id="263" r:id="rId11"/>
+    <p:sldId id="264" r:id="rId12"/>
+    <p:sldId id="265" r:id="rId13"/>
+    <p:sldId id="266" r:id="rId14"/>
+    <p:sldId id="267" r:id="rId15"/>
   </p:sldIdLst>
   <p:sldSz cx="12192000" cy="6858000"/>
   <p:notesSz cx="7772400" cy="10058400"/>
@@ -1968,351 +1971,6 @@
 </p:sldLayout>
 </file>
 
-<file path=ppt/slideLayouts/slideLayout25.xml><?xml version="1.0" encoding="utf-8"?>
-<p:sldLayout xmlns:a="http://schemas.openxmlformats.org/drawingml/2006/main" xmlns:p="http://schemas.openxmlformats.org/presentationml/2006/main" xmlns:r="http://schemas.openxmlformats.org/officeDocument/2006/relationships" xmlns:p14="http://schemas.microsoft.com/office/powerpoint/2010/main" xmlns:p15="http://schemas.microsoft.com/office/powerpoint/2012/main" xmlns:mc="http://schemas.openxmlformats.org/markup-compatibility/2006" type="blank" preserve="1">
-  <p:cSld name="Blank Slide">
-    <p:spTree>
-      <p:nvGrpSpPr>
-        <p:cNvPr id="1" name=""/>
-        <p:cNvGrpSpPr/>
-        <p:nvPr/>
-      </p:nvGrpSpPr>
-      <p:grpSpPr>
-        <a:xfrm>
-          <a:off x="0" y="0"/>
-          <a:ext cx="0" cy="0"/>
-          <a:chOff x="0" y="0"/>
-          <a:chExt cx="0" cy="0"/>
-        </a:xfrm>
-      </p:grpSpPr>
-    </p:spTree>
-  </p:cSld>
-</p:sldLayout>
-</file>
-
-<file path=ppt/slideLayouts/slideLayout26.xml><?xml version="1.0" encoding="utf-8"?>
-<p:sldLayout xmlns:a="http://schemas.openxmlformats.org/drawingml/2006/main" xmlns:p="http://schemas.openxmlformats.org/presentationml/2006/main" xmlns:r="http://schemas.openxmlformats.org/officeDocument/2006/relationships" xmlns:p14="http://schemas.microsoft.com/office/powerpoint/2010/main" xmlns:p15="http://schemas.microsoft.com/office/powerpoint/2012/main" xmlns:mc="http://schemas.openxmlformats.org/markup-compatibility/2006" type="tx" preserve="1">
-  <p:cSld name="Title Slide">
-    <p:spTree>
-      <p:nvGrpSpPr>
-        <p:cNvPr id="1" name=""/>
-        <p:cNvGrpSpPr/>
-        <p:nvPr/>
-      </p:nvGrpSpPr>
-      <p:grpSpPr>
-        <a:xfrm>
-          <a:off x="0" y="0"/>
-          <a:ext cx="0" cy="0"/>
-          <a:chOff x="0" y="0"/>
-          <a:chExt cx="0" cy="0"/>
-        </a:xfrm>
-      </p:grpSpPr>
-      <p:sp>
-        <p:nvSpPr>
-          <p:cNvPr id="78" name="PlaceHolder 1"/>
-          <p:cNvSpPr>
-            <a:spLocks noGrp="1"/>
-          </p:cNvSpPr>
-          <p:nvPr>
-            <p:ph type="title"/>
-          </p:nvPr>
-        </p:nvSpPr>
-        <p:spPr>
-          <a:xfrm>
-            <a:off x="609480" y="273600"/>
-            <a:ext cx="10972440" cy="1144800"/>
-          </a:xfrm>
-          <a:prstGeom prst="rect">
-            <a:avLst/>
-          </a:prstGeom>
-        </p:spPr>
-        <p:txBody>
-          <a:bodyPr lIns="0" rIns="0" tIns="0" bIns="0" anchor="ctr"/>
-          <a:p>
-            <a:pPr algn="ctr"/>
-            <a:endParaRPr b="0" lang="en-GB" sz="4400" spc="-1" strike="noStrike">
-              <a:latin typeface="Arial"/>
-            </a:endParaRPr>
-          </a:p>
-        </p:txBody>
-      </p:sp>
-      <p:sp>
-        <p:nvSpPr>
-          <p:cNvPr id="79" name="PlaceHolder 2"/>
-          <p:cNvSpPr>
-            <a:spLocks noGrp="1"/>
-          </p:cNvSpPr>
-          <p:nvPr>
-            <p:ph type="subTitle"/>
-          </p:nvPr>
-        </p:nvSpPr>
-        <p:spPr>
-          <a:xfrm>
-            <a:off x="609480" y="1604520"/>
-            <a:ext cx="10972440" cy="3977280"/>
-          </a:xfrm>
-          <a:prstGeom prst="rect">
-            <a:avLst/>
-          </a:prstGeom>
-        </p:spPr>
-        <p:txBody>
-          <a:bodyPr lIns="0" rIns="0" tIns="0" bIns="0" anchor="ctr"/>
-          <a:p>
-            <a:pPr algn="ctr"/>
-            <a:endParaRPr b="0" lang="en-GB" sz="3200" spc="-1" strike="noStrike">
-              <a:latin typeface="Arial"/>
-            </a:endParaRPr>
-          </a:p>
-        </p:txBody>
-      </p:sp>
-    </p:spTree>
-  </p:cSld>
-</p:sldLayout>
-</file>
-
-<file path=ppt/slideLayouts/slideLayout27.xml><?xml version="1.0" encoding="utf-8"?>
-<p:sldLayout xmlns:a="http://schemas.openxmlformats.org/drawingml/2006/main" xmlns:p="http://schemas.openxmlformats.org/presentationml/2006/main" xmlns:r="http://schemas.openxmlformats.org/officeDocument/2006/relationships" xmlns:p14="http://schemas.microsoft.com/office/powerpoint/2010/main" xmlns:p15="http://schemas.microsoft.com/office/powerpoint/2012/main" xmlns:mc="http://schemas.openxmlformats.org/markup-compatibility/2006" type="obj" preserve="1">
-  <p:cSld name="Title, Content">
-    <p:spTree>
-      <p:nvGrpSpPr>
-        <p:cNvPr id="1" name=""/>
-        <p:cNvGrpSpPr/>
-        <p:nvPr/>
-      </p:nvGrpSpPr>
-      <p:grpSpPr>
-        <a:xfrm>
-          <a:off x="0" y="0"/>
-          <a:ext cx="0" cy="0"/>
-          <a:chOff x="0" y="0"/>
-          <a:chExt cx="0" cy="0"/>
-        </a:xfrm>
-      </p:grpSpPr>
-      <p:sp>
-        <p:nvSpPr>
-          <p:cNvPr id="80" name="PlaceHolder 1"/>
-          <p:cNvSpPr>
-            <a:spLocks noGrp="1"/>
-          </p:cNvSpPr>
-          <p:nvPr>
-            <p:ph type="title"/>
-          </p:nvPr>
-        </p:nvSpPr>
-        <p:spPr>
-          <a:xfrm>
-            <a:off x="609480" y="273600"/>
-            <a:ext cx="10972440" cy="1144800"/>
-          </a:xfrm>
-          <a:prstGeom prst="rect">
-            <a:avLst/>
-          </a:prstGeom>
-        </p:spPr>
-        <p:txBody>
-          <a:bodyPr lIns="0" rIns="0" tIns="0" bIns="0" anchor="ctr"/>
-          <a:p>
-            <a:pPr algn="ctr"/>
-            <a:endParaRPr b="0" lang="en-GB" sz="4400" spc="-1" strike="noStrike">
-              <a:latin typeface="Arial"/>
-            </a:endParaRPr>
-          </a:p>
-        </p:txBody>
-      </p:sp>
-      <p:sp>
-        <p:nvSpPr>
-          <p:cNvPr id="81" name="PlaceHolder 2"/>
-          <p:cNvSpPr>
-            <a:spLocks noGrp="1"/>
-          </p:cNvSpPr>
-          <p:nvPr>
-            <p:ph type="body"/>
-          </p:nvPr>
-        </p:nvSpPr>
-        <p:spPr>
-          <a:xfrm>
-            <a:off x="609480" y="1604520"/>
-            <a:ext cx="10972440" cy="3977280"/>
-          </a:xfrm>
-          <a:prstGeom prst="rect">
-            <a:avLst/>
-          </a:prstGeom>
-        </p:spPr>
-        <p:txBody>
-          <a:bodyPr lIns="0" rIns="0" tIns="0" bIns="0">
-            <a:normAutofit/>
-          </a:bodyPr>
-          <a:p>
-            <a:endParaRPr b="0" lang="en-GB" sz="3200" spc="-1" strike="noStrike">
-              <a:latin typeface="Arial"/>
-            </a:endParaRPr>
-          </a:p>
-        </p:txBody>
-      </p:sp>
-    </p:spTree>
-  </p:cSld>
-</p:sldLayout>
-</file>
-
-<file path=ppt/slideLayouts/slideLayout28.xml><?xml version="1.0" encoding="utf-8"?>
-<p:sldLayout xmlns:a="http://schemas.openxmlformats.org/drawingml/2006/main" xmlns:p="http://schemas.openxmlformats.org/presentationml/2006/main" xmlns:r="http://schemas.openxmlformats.org/officeDocument/2006/relationships" xmlns:p14="http://schemas.microsoft.com/office/powerpoint/2010/main" xmlns:p15="http://schemas.microsoft.com/office/powerpoint/2012/main" xmlns:mc="http://schemas.openxmlformats.org/markup-compatibility/2006" type="twoObj" preserve="1">
-  <p:cSld name="Title, 2 Content">
-    <p:spTree>
-      <p:nvGrpSpPr>
-        <p:cNvPr id="1" name=""/>
-        <p:cNvGrpSpPr/>
-        <p:nvPr/>
-      </p:nvGrpSpPr>
-      <p:grpSpPr>
-        <a:xfrm>
-          <a:off x="0" y="0"/>
-          <a:ext cx="0" cy="0"/>
-          <a:chOff x="0" y="0"/>
-          <a:chExt cx="0" cy="0"/>
-        </a:xfrm>
-      </p:grpSpPr>
-      <p:sp>
-        <p:nvSpPr>
-          <p:cNvPr id="82" name="PlaceHolder 1"/>
-          <p:cNvSpPr>
-            <a:spLocks noGrp="1"/>
-          </p:cNvSpPr>
-          <p:nvPr>
-            <p:ph type="title"/>
-          </p:nvPr>
-        </p:nvSpPr>
-        <p:spPr>
-          <a:xfrm>
-            <a:off x="609480" y="273600"/>
-            <a:ext cx="10972440" cy="1144800"/>
-          </a:xfrm>
-          <a:prstGeom prst="rect">
-            <a:avLst/>
-          </a:prstGeom>
-        </p:spPr>
-        <p:txBody>
-          <a:bodyPr lIns="0" rIns="0" tIns="0" bIns="0" anchor="ctr"/>
-          <a:p>
-            <a:pPr algn="ctr"/>
-            <a:endParaRPr b="0" lang="en-GB" sz="4400" spc="-1" strike="noStrike">
-              <a:latin typeface="Arial"/>
-            </a:endParaRPr>
-          </a:p>
-        </p:txBody>
-      </p:sp>
-      <p:sp>
-        <p:nvSpPr>
-          <p:cNvPr id="83" name="PlaceHolder 2"/>
-          <p:cNvSpPr>
-            <a:spLocks noGrp="1"/>
-          </p:cNvSpPr>
-          <p:nvPr>
-            <p:ph type="body"/>
-          </p:nvPr>
-        </p:nvSpPr>
-        <p:spPr>
-          <a:xfrm>
-            <a:off x="609480" y="1604520"/>
-            <a:ext cx="5354280" cy="3977280"/>
-          </a:xfrm>
-          <a:prstGeom prst="rect">
-            <a:avLst/>
-          </a:prstGeom>
-        </p:spPr>
-        <p:txBody>
-          <a:bodyPr lIns="0" rIns="0" tIns="0" bIns="0">
-            <a:normAutofit/>
-          </a:bodyPr>
-          <a:p>
-            <a:endParaRPr b="0" lang="en-GB" sz="3200" spc="-1" strike="noStrike">
-              <a:latin typeface="Arial"/>
-            </a:endParaRPr>
-          </a:p>
-        </p:txBody>
-      </p:sp>
-      <p:sp>
-        <p:nvSpPr>
-          <p:cNvPr id="84" name="PlaceHolder 3"/>
-          <p:cNvSpPr>
-            <a:spLocks noGrp="1"/>
-          </p:cNvSpPr>
-          <p:nvPr>
-            <p:ph type="body"/>
-          </p:nvPr>
-        </p:nvSpPr>
-        <p:spPr>
-          <a:xfrm>
-            <a:off x="6231960" y="1604520"/>
-            <a:ext cx="5354280" cy="3977280"/>
-          </a:xfrm>
-          <a:prstGeom prst="rect">
-            <a:avLst/>
-          </a:prstGeom>
-        </p:spPr>
-        <p:txBody>
-          <a:bodyPr lIns="0" rIns="0" tIns="0" bIns="0">
-            <a:normAutofit/>
-          </a:bodyPr>
-          <a:p>
-            <a:endParaRPr b="0" lang="en-GB" sz="3200" spc="-1" strike="noStrike">
-              <a:latin typeface="Arial"/>
-            </a:endParaRPr>
-          </a:p>
-        </p:txBody>
-      </p:sp>
-    </p:spTree>
-  </p:cSld>
-</p:sldLayout>
-</file>
-
-<file path=ppt/slideLayouts/slideLayout29.xml><?xml version="1.0" encoding="utf-8"?>
-<p:sldLayout xmlns:a="http://schemas.openxmlformats.org/drawingml/2006/main" xmlns:p="http://schemas.openxmlformats.org/presentationml/2006/main" xmlns:r="http://schemas.openxmlformats.org/officeDocument/2006/relationships" xmlns:p14="http://schemas.microsoft.com/office/powerpoint/2010/main" xmlns:p15="http://schemas.microsoft.com/office/powerpoint/2012/main" xmlns:mc="http://schemas.openxmlformats.org/markup-compatibility/2006" type="titleOnly" preserve="1">
-  <p:cSld name="Title Only">
-    <p:spTree>
-      <p:nvGrpSpPr>
-        <p:cNvPr id="1" name=""/>
-        <p:cNvGrpSpPr/>
-        <p:nvPr/>
-      </p:nvGrpSpPr>
-      <p:grpSpPr>
-        <a:xfrm>
-          <a:off x="0" y="0"/>
-          <a:ext cx="0" cy="0"/>
-          <a:chOff x="0" y="0"/>
-          <a:chExt cx="0" cy="0"/>
-        </a:xfrm>
-      </p:grpSpPr>
-      <p:sp>
-        <p:nvSpPr>
-          <p:cNvPr id="85" name="PlaceHolder 1"/>
-          <p:cNvSpPr>
-            <a:spLocks noGrp="1"/>
-          </p:cNvSpPr>
-          <p:nvPr>
-            <p:ph type="title"/>
-          </p:nvPr>
-        </p:nvSpPr>
-        <p:spPr>
-          <a:xfrm>
-            <a:off x="609480" y="273600"/>
-            <a:ext cx="10972440" cy="1144800"/>
-          </a:xfrm>
-          <a:prstGeom prst="rect">
-            <a:avLst/>
-          </a:prstGeom>
-        </p:spPr>
-        <p:txBody>
-          <a:bodyPr lIns="0" rIns="0" tIns="0" bIns="0" anchor="ctr"/>
-          <a:p>
-            <a:pPr algn="ctr"/>
-            <a:endParaRPr b="0" lang="en-GB" sz="4400" spc="-1" strike="noStrike">
-              <a:latin typeface="Arial"/>
-            </a:endParaRPr>
-          </a:p>
-        </p:txBody>
-      </p:sp>
-    </p:spTree>
-  </p:cSld>
-</p:sldLayout>
-</file>
-
 <file path=ppt/slideLayouts/slideLayout3.xml><?xml version="1.0" encoding="utf-8"?>
 <p:sldLayout xmlns:a="http://schemas.openxmlformats.org/drawingml/2006/main" xmlns:p="http://schemas.openxmlformats.org/presentationml/2006/main" xmlns:r="http://schemas.openxmlformats.org/officeDocument/2006/relationships" xmlns:p14="http://schemas.microsoft.com/office/powerpoint/2010/main" xmlns:p15="http://schemas.microsoft.com/office/powerpoint/2012/main" xmlns:mc="http://schemas.openxmlformats.org/markup-compatibility/2006" type="obj" preserve="1">
   <p:cSld name="Title, Content">
@@ -2373,993 +2031,6 @@
           <a:xfrm>
             <a:off x="609480" y="1604520"/>
             <a:ext cx="10972440" cy="3977280"/>
-          </a:xfrm>
-          <a:prstGeom prst="rect">
-            <a:avLst/>
-          </a:prstGeom>
-        </p:spPr>
-        <p:txBody>
-          <a:bodyPr lIns="0" rIns="0" tIns="0" bIns="0">
-            <a:normAutofit/>
-          </a:bodyPr>
-          <a:p>
-            <a:endParaRPr b="0" lang="en-GB" sz="3200" spc="-1" strike="noStrike">
-              <a:latin typeface="Arial"/>
-            </a:endParaRPr>
-          </a:p>
-        </p:txBody>
-      </p:sp>
-    </p:spTree>
-  </p:cSld>
-</p:sldLayout>
-</file>
-
-<file path=ppt/slideLayouts/slideLayout30.xml><?xml version="1.0" encoding="utf-8"?>
-<p:sldLayout xmlns:a="http://schemas.openxmlformats.org/drawingml/2006/main" xmlns:p="http://schemas.openxmlformats.org/presentationml/2006/main" xmlns:r="http://schemas.openxmlformats.org/officeDocument/2006/relationships" xmlns:p14="http://schemas.microsoft.com/office/powerpoint/2010/main" xmlns:p15="http://schemas.microsoft.com/office/powerpoint/2012/main" xmlns:mc="http://schemas.openxmlformats.org/markup-compatibility/2006" type="objOnly" preserve="1">
-  <p:cSld name="Centered Text">
-    <p:spTree>
-      <p:nvGrpSpPr>
-        <p:cNvPr id="1" name=""/>
-        <p:cNvGrpSpPr/>
-        <p:nvPr/>
-      </p:nvGrpSpPr>
-      <p:grpSpPr>
-        <a:xfrm>
-          <a:off x="0" y="0"/>
-          <a:ext cx="0" cy="0"/>
-          <a:chOff x="0" y="0"/>
-          <a:chExt cx="0" cy="0"/>
-        </a:xfrm>
-      </p:grpSpPr>
-      <p:sp>
-        <p:nvSpPr>
-          <p:cNvPr id="86" name="PlaceHolder 1"/>
-          <p:cNvSpPr>
-            <a:spLocks noGrp="1"/>
-          </p:cNvSpPr>
-          <p:nvPr>
-            <p:ph type="subTitle"/>
-          </p:nvPr>
-        </p:nvSpPr>
-        <p:spPr>
-          <a:xfrm>
-            <a:off x="609480" y="273600"/>
-            <a:ext cx="10972440" cy="5307840"/>
-          </a:xfrm>
-          <a:prstGeom prst="rect">
-            <a:avLst/>
-          </a:prstGeom>
-        </p:spPr>
-        <p:txBody>
-          <a:bodyPr lIns="0" rIns="0" tIns="0" bIns="0" anchor="ctr"/>
-          <a:p>
-            <a:pPr algn="ctr"/>
-            <a:endParaRPr b="0" lang="en-GB" sz="3200" spc="-1" strike="noStrike">
-              <a:latin typeface="Arial"/>
-            </a:endParaRPr>
-          </a:p>
-        </p:txBody>
-      </p:sp>
-    </p:spTree>
-  </p:cSld>
-</p:sldLayout>
-</file>
-
-<file path=ppt/slideLayouts/slideLayout31.xml><?xml version="1.0" encoding="utf-8"?>
-<p:sldLayout xmlns:a="http://schemas.openxmlformats.org/drawingml/2006/main" xmlns:p="http://schemas.openxmlformats.org/presentationml/2006/main" xmlns:r="http://schemas.openxmlformats.org/officeDocument/2006/relationships" xmlns:p14="http://schemas.microsoft.com/office/powerpoint/2010/main" xmlns:p15="http://schemas.microsoft.com/office/powerpoint/2012/main" xmlns:mc="http://schemas.openxmlformats.org/markup-compatibility/2006" type="twoObjAndObj" preserve="1">
-  <p:cSld name="Title, 2 Content and Content">
-    <p:spTree>
-      <p:nvGrpSpPr>
-        <p:cNvPr id="1" name=""/>
-        <p:cNvGrpSpPr/>
-        <p:nvPr/>
-      </p:nvGrpSpPr>
-      <p:grpSpPr>
-        <a:xfrm>
-          <a:off x="0" y="0"/>
-          <a:ext cx="0" cy="0"/>
-          <a:chOff x="0" y="0"/>
-          <a:chExt cx="0" cy="0"/>
-        </a:xfrm>
-      </p:grpSpPr>
-      <p:sp>
-        <p:nvSpPr>
-          <p:cNvPr id="87" name="PlaceHolder 1"/>
-          <p:cNvSpPr>
-            <a:spLocks noGrp="1"/>
-          </p:cNvSpPr>
-          <p:nvPr>
-            <p:ph type="title"/>
-          </p:nvPr>
-        </p:nvSpPr>
-        <p:spPr>
-          <a:xfrm>
-            <a:off x="609480" y="273600"/>
-            <a:ext cx="10972440" cy="1144800"/>
-          </a:xfrm>
-          <a:prstGeom prst="rect">
-            <a:avLst/>
-          </a:prstGeom>
-        </p:spPr>
-        <p:txBody>
-          <a:bodyPr lIns="0" rIns="0" tIns="0" bIns="0" anchor="ctr"/>
-          <a:p>
-            <a:pPr algn="ctr"/>
-            <a:endParaRPr b="0" lang="en-GB" sz="4400" spc="-1" strike="noStrike">
-              <a:latin typeface="Arial"/>
-            </a:endParaRPr>
-          </a:p>
-        </p:txBody>
-      </p:sp>
-      <p:sp>
-        <p:nvSpPr>
-          <p:cNvPr id="88" name="PlaceHolder 2"/>
-          <p:cNvSpPr>
-            <a:spLocks noGrp="1"/>
-          </p:cNvSpPr>
-          <p:nvPr>
-            <p:ph type="body"/>
-          </p:nvPr>
-        </p:nvSpPr>
-        <p:spPr>
-          <a:xfrm>
-            <a:off x="609480" y="1604520"/>
-            <a:ext cx="5354280" cy="1896840"/>
-          </a:xfrm>
-          <a:prstGeom prst="rect">
-            <a:avLst/>
-          </a:prstGeom>
-        </p:spPr>
-        <p:txBody>
-          <a:bodyPr lIns="0" rIns="0" tIns="0" bIns="0">
-            <a:normAutofit/>
-          </a:bodyPr>
-          <a:p>
-            <a:endParaRPr b="0" lang="en-GB" sz="3200" spc="-1" strike="noStrike">
-              <a:latin typeface="Arial"/>
-            </a:endParaRPr>
-          </a:p>
-        </p:txBody>
-      </p:sp>
-      <p:sp>
-        <p:nvSpPr>
-          <p:cNvPr id="89" name="PlaceHolder 3"/>
-          <p:cNvSpPr>
-            <a:spLocks noGrp="1"/>
-          </p:cNvSpPr>
-          <p:nvPr>
-            <p:ph type="body"/>
-          </p:nvPr>
-        </p:nvSpPr>
-        <p:spPr>
-          <a:xfrm>
-            <a:off x="6231960" y="1604520"/>
-            <a:ext cx="5354280" cy="3977280"/>
-          </a:xfrm>
-          <a:prstGeom prst="rect">
-            <a:avLst/>
-          </a:prstGeom>
-        </p:spPr>
-        <p:txBody>
-          <a:bodyPr lIns="0" rIns="0" tIns="0" bIns="0">
-            <a:normAutofit/>
-          </a:bodyPr>
-          <a:p>
-            <a:endParaRPr b="0" lang="en-GB" sz="3200" spc="-1" strike="noStrike">
-              <a:latin typeface="Arial"/>
-            </a:endParaRPr>
-          </a:p>
-        </p:txBody>
-      </p:sp>
-      <p:sp>
-        <p:nvSpPr>
-          <p:cNvPr id="90" name="PlaceHolder 4"/>
-          <p:cNvSpPr>
-            <a:spLocks noGrp="1"/>
-          </p:cNvSpPr>
-          <p:nvPr>
-            <p:ph type="body"/>
-          </p:nvPr>
-        </p:nvSpPr>
-        <p:spPr>
-          <a:xfrm>
-            <a:off x="609480" y="3682080"/>
-            <a:ext cx="5354280" cy="1896840"/>
-          </a:xfrm>
-          <a:prstGeom prst="rect">
-            <a:avLst/>
-          </a:prstGeom>
-        </p:spPr>
-        <p:txBody>
-          <a:bodyPr lIns="0" rIns="0" tIns="0" bIns="0">
-            <a:normAutofit/>
-          </a:bodyPr>
-          <a:p>
-            <a:endParaRPr b="0" lang="en-GB" sz="3200" spc="-1" strike="noStrike">
-              <a:latin typeface="Arial"/>
-            </a:endParaRPr>
-          </a:p>
-        </p:txBody>
-      </p:sp>
-    </p:spTree>
-  </p:cSld>
-</p:sldLayout>
-</file>
-
-<file path=ppt/slideLayouts/slideLayout32.xml><?xml version="1.0" encoding="utf-8"?>
-<p:sldLayout xmlns:a="http://schemas.openxmlformats.org/drawingml/2006/main" xmlns:p="http://schemas.openxmlformats.org/presentationml/2006/main" xmlns:r="http://schemas.openxmlformats.org/officeDocument/2006/relationships" xmlns:p14="http://schemas.microsoft.com/office/powerpoint/2010/main" xmlns:p15="http://schemas.microsoft.com/office/powerpoint/2012/main" xmlns:mc="http://schemas.openxmlformats.org/markup-compatibility/2006" type="objAndTwoObj" preserve="1">
-  <p:cSld name="Title Content and 2 Content">
-    <p:spTree>
-      <p:nvGrpSpPr>
-        <p:cNvPr id="1" name=""/>
-        <p:cNvGrpSpPr/>
-        <p:nvPr/>
-      </p:nvGrpSpPr>
-      <p:grpSpPr>
-        <a:xfrm>
-          <a:off x="0" y="0"/>
-          <a:ext cx="0" cy="0"/>
-          <a:chOff x="0" y="0"/>
-          <a:chExt cx="0" cy="0"/>
-        </a:xfrm>
-      </p:grpSpPr>
-      <p:sp>
-        <p:nvSpPr>
-          <p:cNvPr id="91" name="PlaceHolder 1"/>
-          <p:cNvSpPr>
-            <a:spLocks noGrp="1"/>
-          </p:cNvSpPr>
-          <p:nvPr>
-            <p:ph type="title"/>
-          </p:nvPr>
-        </p:nvSpPr>
-        <p:spPr>
-          <a:xfrm>
-            <a:off x="609480" y="273600"/>
-            <a:ext cx="10972440" cy="1144800"/>
-          </a:xfrm>
-          <a:prstGeom prst="rect">
-            <a:avLst/>
-          </a:prstGeom>
-        </p:spPr>
-        <p:txBody>
-          <a:bodyPr lIns="0" rIns="0" tIns="0" bIns="0" anchor="ctr"/>
-          <a:p>
-            <a:pPr algn="ctr"/>
-            <a:endParaRPr b="0" lang="en-GB" sz="4400" spc="-1" strike="noStrike">
-              <a:latin typeface="Arial"/>
-            </a:endParaRPr>
-          </a:p>
-        </p:txBody>
-      </p:sp>
-      <p:sp>
-        <p:nvSpPr>
-          <p:cNvPr id="92" name="PlaceHolder 2"/>
-          <p:cNvSpPr>
-            <a:spLocks noGrp="1"/>
-          </p:cNvSpPr>
-          <p:nvPr>
-            <p:ph type="body"/>
-          </p:nvPr>
-        </p:nvSpPr>
-        <p:spPr>
-          <a:xfrm>
-            <a:off x="609480" y="1604520"/>
-            <a:ext cx="5354280" cy="3977280"/>
-          </a:xfrm>
-          <a:prstGeom prst="rect">
-            <a:avLst/>
-          </a:prstGeom>
-        </p:spPr>
-        <p:txBody>
-          <a:bodyPr lIns="0" rIns="0" tIns="0" bIns="0">
-            <a:normAutofit/>
-          </a:bodyPr>
-          <a:p>
-            <a:endParaRPr b="0" lang="en-GB" sz="3200" spc="-1" strike="noStrike">
-              <a:latin typeface="Arial"/>
-            </a:endParaRPr>
-          </a:p>
-        </p:txBody>
-      </p:sp>
-      <p:sp>
-        <p:nvSpPr>
-          <p:cNvPr id="93" name="PlaceHolder 3"/>
-          <p:cNvSpPr>
-            <a:spLocks noGrp="1"/>
-          </p:cNvSpPr>
-          <p:nvPr>
-            <p:ph type="body"/>
-          </p:nvPr>
-        </p:nvSpPr>
-        <p:spPr>
-          <a:xfrm>
-            <a:off x="6231960" y="1604520"/>
-            <a:ext cx="5354280" cy="1896840"/>
-          </a:xfrm>
-          <a:prstGeom prst="rect">
-            <a:avLst/>
-          </a:prstGeom>
-        </p:spPr>
-        <p:txBody>
-          <a:bodyPr lIns="0" rIns="0" tIns="0" bIns="0">
-            <a:normAutofit/>
-          </a:bodyPr>
-          <a:p>
-            <a:endParaRPr b="0" lang="en-GB" sz="3200" spc="-1" strike="noStrike">
-              <a:latin typeface="Arial"/>
-            </a:endParaRPr>
-          </a:p>
-        </p:txBody>
-      </p:sp>
-      <p:sp>
-        <p:nvSpPr>
-          <p:cNvPr id="94" name="PlaceHolder 4"/>
-          <p:cNvSpPr>
-            <a:spLocks noGrp="1"/>
-          </p:cNvSpPr>
-          <p:nvPr>
-            <p:ph type="body"/>
-          </p:nvPr>
-        </p:nvSpPr>
-        <p:spPr>
-          <a:xfrm>
-            <a:off x="6231960" y="3682080"/>
-            <a:ext cx="5354280" cy="1896840"/>
-          </a:xfrm>
-          <a:prstGeom prst="rect">
-            <a:avLst/>
-          </a:prstGeom>
-        </p:spPr>
-        <p:txBody>
-          <a:bodyPr lIns="0" rIns="0" tIns="0" bIns="0">
-            <a:normAutofit/>
-          </a:bodyPr>
-          <a:p>
-            <a:endParaRPr b="0" lang="en-GB" sz="3200" spc="-1" strike="noStrike">
-              <a:latin typeface="Arial"/>
-            </a:endParaRPr>
-          </a:p>
-        </p:txBody>
-      </p:sp>
-    </p:spTree>
-  </p:cSld>
-</p:sldLayout>
-</file>
-
-<file path=ppt/slideLayouts/slideLayout33.xml><?xml version="1.0" encoding="utf-8"?>
-<p:sldLayout xmlns:a="http://schemas.openxmlformats.org/drawingml/2006/main" xmlns:p="http://schemas.openxmlformats.org/presentationml/2006/main" xmlns:r="http://schemas.openxmlformats.org/officeDocument/2006/relationships" xmlns:p14="http://schemas.microsoft.com/office/powerpoint/2010/main" xmlns:p15="http://schemas.microsoft.com/office/powerpoint/2012/main" xmlns:mc="http://schemas.openxmlformats.org/markup-compatibility/2006" type="twoObjOverTx" preserve="1">
-  <p:cSld name="Title, 2 Content over Content">
-    <p:spTree>
-      <p:nvGrpSpPr>
-        <p:cNvPr id="1" name=""/>
-        <p:cNvGrpSpPr/>
-        <p:nvPr/>
-      </p:nvGrpSpPr>
-      <p:grpSpPr>
-        <a:xfrm>
-          <a:off x="0" y="0"/>
-          <a:ext cx="0" cy="0"/>
-          <a:chOff x="0" y="0"/>
-          <a:chExt cx="0" cy="0"/>
-        </a:xfrm>
-      </p:grpSpPr>
-      <p:sp>
-        <p:nvSpPr>
-          <p:cNvPr id="95" name="PlaceHolder 1"/>
-          <p:cNvSpPr>
-            <a:spLocks noGrp="1"/>
-          </p:cNvSpPr>
-          <p:nvPr>
-            <p:ph type="title"/>
-          </p:nvPr>
-        </p:nvSpPr>
-        <p:spPr>
-          <a:xfrm>
-            <a:off x="609480" y="273600"/>
-            <a:ext cx="10972440" cy="1144800"/>
-          </a:xfrm>
-          <a:prstGeom prst="rect">
-            <a:avLst/>
-          </a:prstGeom>
-        </p:spPr>
-        <p:txBody>
-          <a:bodyPr lIns="0" rIns="0" tIns="0" bIns="0" anchor="ctr"/>
-          <a:p>
-            <a:pPr algn="ctr"/>
-            <a:endParaRPr b="0" lang="en-GB" sz="4400" spc="-1" strike="noStrike">
-              <a:latin typeface="Arial"/>
-            </a:endParaRPr>
-          </a:p>
-        </p:txBody>
-      </p:sp>
-      <p:sp>
-        <p:nvSpPr>
-          <p:cNvPr id="96" name="PlaceHolder 2"/>
-          <p:cNvSpPr>
-            <a:spLocks noGrp="1"/>
-          </p:cNvSpPr>
-          <p:nvPr>
-            <p:ph type="body"/>
-          </p:nvPr>
-        </p:nvSpPr>
-        <p:spPr>
-          <a:xfrm>
-            <a:off x="609480" y="1604520"/>
-            <a:ext cx="5354280" cy="1896840"/>
-          </a:xfrm>
-          <a:prstGeom prst="rect">
-            <a:avLst/>
-          </a:prstGeom>
-        </p:spPr>
-        <p:txBody>
-          <a:bodyPr lIns="0" rIns="0" tIns="0" bIns="0">
-            <a:normAutofit/>
-          </a:bodyPr>
-          <a:p>
-            <a:endParaRPr b="0" lang="en-GB" sz="3200" spc="-1" strike="noStrike">
-              <a:latin typeface="Arial"/>
-            </a:endParaRPr>
-          </a:p>
-        </p:txBody>
-      </p:sp>
-      <p:sp>
-        <p:nvSpPr>
-          <p:cNvPr id="97" name="PlaceHolder 3"/>
-          <p:cNvSpPr>
-            <a:spLocks noGrp="1"/>
-          </p:cNvSpPr>
-          <p:nvPr>
-            <p:ph type="body"/>
-          </p:nvPr>
-        </p:nvSpPr>
-        <p:spPr>
-          <a:xfrm>
-            <a:off x="6231960" y="1604520"/>
-            <a:ext cx="5354280" cy="1896840"/>
-          </a:xfrm>
-          <a:prstGeom prst="rect">
-            <a:avLst/>
-          </a:prstGeom>
-        </p:spPr>
-        <p:txBody>
-          <a:bodyPr lIns="0" rIns="0" tIns="0" bIns="0">
-            <a:normAutofit/>
-          </a:bodyPr>
-          <a:p>
-            <a:endParaRPr b="0" lang="en-GB" sz="3200" spc="-1" strike="noStrike">
-              <a:latin typeface="Arial"/>
-            </a:endParaRPr>
-          </a:p>
-        </p:txBody>
-      </p:sp>
-      <p:sp>
-        <p:nvSpPr>
-          <p:cNvPr id="98" name="PlaceHolder 4"/>
-          <p:cNvSpPr>
-            <a:spLocks noGrp="1"/>
-          </p:cNvSpPr>
-          <p:nvPr>
-            <p:ph type="body"/>
-          </p:nvPr>
-        </p:nvSpPr>
-        <p:spPr>
-          <a:xfrm>
-            <a:off x="609480" y="3682080"/>
-            <a:ext cx="10972440" cy="1896840"/>
-          </a:xfrm>
-          <a:prstGeom prst="rect">
-            <a:avLst/>
-          </a:prstGeom>
-        </p:spPr>
-        <p:txBody>
-          <a:bodyPr lIns="0" rIns="0" tIns="0" bIns="0">
-            <a:normAutofit/>
-          </a:bodyPr>
-          <a:p>
-            <a:endParaRPr b="0" lang="en-GB" sz="3200" spc="-1" strike="noStrike">
-              <a:latin typeface="Arial"/>
-            </a:endParaRPr>
-          </a:p>
-        </p:txBody>
-      </p:sp>
-    </p:spTree>
-  </p:cSld>
-</p:sldLayout>
-</file>
-
-<file path=ppt/slideLayouts/slideLayout34.xml><?xml version="1.0" encoding="utf-8"?>
-<p:sldLayout xmlns:a="http://schemas.openxmlformats.org/drawingml/2006/main" xmlns:p="http://schemas.openxmlformats.org/presentationml/2006/main" xmlns:r="http://schemas.openxmlformats.org/officeDocument/2006/relationships" xmlns:p14="http://schemas.microsoft.com/office/powerpoint/2010/main" xmlns:p15="http://schemas.microsoft.com/office/powerpoint/2012/main" xmlns:mc="http://schemas.openxmlformats.org/markup-compatibility/2006" type="objOverTx" preserve="1">
-  <p:cSld name="Title, Content over Content">
-    <p:spTree>
-      <p:nvGrpSpPr>
-        <p:cNvPr id="1" name=""/>
-        <p:cNvGrpSpPr/>
-        <p:nvPr/>
-      </p:nvGrpSpPr>
-      <p:grpSpPr>
-        <a:xfrm>
-          <a:off x="0" y="0"/>
-          <a:ext cx="0" cy="0"/>
-          <a:chOff x="0" y="0"/>
-          <a:chExt cx="0" cy="0"/>
-        </a:xfrm>
-      </p:grpSpPr>
-      <p:sp>
-        <p:nvSpPr>
-          <p:cNvPr id="99" name="PlaceHolder 1"/>
-          <p:cNvSpPr>
-            <a:spLocks noGrp="1"/>
-          </p:cNvSpPr>
-          <p:nvPr>
-            <p:ph type="title"/>
-          </p:nvPr>
-        </p:nvSpPr>
-        <p:spPr>
-          <a:xfrm>
-            <a:off x="609480" y="273600"/>
-            <a:ext cx="10972440" cy="1144800"/>
-          </a:xfrm>
-          <a:prstGeom prst="rect">
-            <a:avLst/>
-          </a:prstGeom>
-        </p:spPr>
-        <p:txBody>
-          <a:bodyPr lIns="0" rIns="0" tIns="0" bIns="0" anchor="ctr"/>
-          <a:p>
-            <a:pPr algn="ctr"/>
-            <a:endParaRPr b="0" lang="en-GB" sz="4400" spc="-1" strike="noStrike">
-              <a:latin typeface="Arial"/>
-            </a:endParaRPr>
-          </a:p>
-        </p:txBody>
-      </p:sp>
-      <p:sp>
-        <p:nvSpPr>
-          <p:cNvPr id="100" name="PlaceHolder 2"/>
-          <p:cNvSpPr>
-            <a:spLocks noGrp="1"/>
-          </p:cNvSpPr>
-          <p:nvPr>
-            <p:ph type="body"/>
-          </p:nvPr>
-        </p:nvSpPr>
-        <p:spPr>
-          <a:xfrm>
-            <a:off x="609480" y="1604520"/>
-            <a:ext cx="10972440" cy="1896840"/>
-          </a:xfrm>
-          <a:prstGeom prst="rect">
-            <a:avLst/>
-          </a:prstGeom>
-        </p:spPr>
-        <p:txBody>
-          <a:bodyPr lIns="0" rIns="0" tIns="0" bIns="0">
-            <a:normAutofit/>
-          </a:bodyPr>
-          <a:p>
-            <a:endParaRPr b="0" lang="en-GB" sz="3200" spc="-1" strike="noStrike">
-              <a:latin typeface="Arial"/>
-            </a:endParaRPr>
-          </a:p>
-        </p:txBody>
-      </p:sp>
-      <p:sp>
-        <p:nvSpPr>
-          <p:cNvPr id="101" name="PlaceHolder 3"/>
-          <p:cNvSpPr>
-            <a:spLocks noGrp="1"/>
-          </p:cNvSpPr>
-          <p:nvPr>
-            <p:ph type="body"/>
-          </p:nvPr>
-        </p:nvSpPr>
-        <p:spPr>
-          <a:xfrm>
-            <a:off x="609480" y="3682080"/>
-            <a:ext cx="10972440" cy="1896840"/>
-          </a:xfrm>
-          <a:prstGeom prst="rect">
-            <a:avLst/>
-          </a:prstGeom>
-        </p:spPr>
-        <p:txBody>
-          <a:bodyPr lIns="0" rIns="0" tIns="0" bIns="0">
-            <a:normAutofit/>
-          </a:bodyPr>
-          <a:p>
-            <a:endParaRPr b="0" lang="en-GB" sz="3200" spc="-1" strike="noStrike">
-              <a:latin typeface="Arial"/>
-            </a:endParaRPr>
-          </a:p>
-        </p:txBody>
-      </p:sp>
-    </p:spTree>
-  </p:cSld>
-</p:sldLayout>
-</file>
-
-<file path=ppt/slideLayouts/slideLayout35.xml><?xml version="1.0" encoding="utf-8"?>
-<p:sldLayout xmlns:a="http://schemas.openxmlformats.org/drawingml/2006/main" xmlns:p="http://schemas.openxmlformats.org/presentationml/2006/main" xmlns:r="http://schemas.openxmlformats.org/officeDocument/2006/relationships" xmlns:p14="http://schemas.microsoft.com/office/powerpoint/2010/main" xmlns:p15="http://schemas.microsoft.com/office/powerpoint/2012/main" xmlns:mc="http://schemas.openxmlformats.org/markup-compatibility/2006" type="fourObj" preserve="1">
-  <p:cSld name="Title, 4 Content">
-    <p:spTree>
-      <p:nvGrpSpPr>
-        <p:cNvPr id="1" name=""/>
-        <p:cNvGrpSpPr/>
-        <p:nvPr/>
-      </p:nvGrpSpPr>
-      <p:grpSpPr>
-        <a:xfrm>
-          <a:off x="0" y="0"/>
-          <a:ext cx="0" cy="0"/>
-          <a:chOff x="0" y="0"/>
-          <a:chExt cx="0" cy="0"/>
-        </a:xfrm>
-      </p:grpSpPr>
-      <p:sp>
-        <p:nvSpPr>
-          <p:cNvPr id="102" name="PlaceHolder 1"/>
-          <p:cNvSpPr>
-            <a:spLocks noGrp="1"/>
-          </p:cNvSpPr>
-          <p:nvPr>
-            <p:ph type="title"/>
-          </p:nvPr>
-        </p:nvSpPr>
-        <p:spPr>
-          <a:xfrm>
-            <a:off x="609480" y="273600"/>
-            <a:ext cx="10972440" cy="1144800"/>
-          </a:xfrm>
-          <a:prstGeom prst="rect">
-            <a:avLst/>
-          </a:prstGeom>
-        </p:spPr>
-        <p:txBody>
-          <a:bodyPr lIns="0" rIns="0" tIns="0" bIns="0" anchor="ctr"/>
-          <a:p>
-            <a:pPr algn="ctr"/>
-            <a:endParaRPr b="0" lang="en-GB" sz="4400" spc="-1" strike="noStrike">
-              <a:latin typeface="Arial"/>
-            </a:endParaRPr>
-          </a:p>
-        </p:txBody>
-      </p:sp>
-      <p:sp>
-        <p:nvSpPr>
-          <p:cNvPr id="103" name="PlaceHolder 2"/>
-          <p:cNvSpPr>
-            <a:spLocks noGrp="1"/>
-          </p:cNvSpPr>
-          <p:nvPr>
-            <p:ph type="body"/>
-          </p:nvPr>
-        </p:nvSpPr>
-        <p:spPr>
-          <a:xfrm>
-            <a:off x="609480" y="1604520"/>
-            <a:ext cx="5354280" cy="1896840"/>
-          </a:xfrm>
-          <a:prstGeom prst="rect">
-            <a:avLst/>
-          </a:prstGeom>
-        </p:spPr>
-        <p:txBody>
-          <a:bodyPr lIns="0" rIns="0" tIns="0" bIns="0">
-            <a:normAutofit/>
-          </a:bodyPr>
-          <a:p>
-            <a:endParaRPr b="0" lang="en-GB" sz="3200" spc="-1" strike="noStrike">
-              <a:latin typeface="Arial"/>
-            </a:endParaRPr>
-          </a:p>
-        </p:txBody>
-      </p:sp>
-      <p:sp>
-        <p:nvSpPr>
-          <p:cNvPr id="104" name="PlaceHolder 3"/>
-          <p:cNvSpPr>
-            <a:spLocks noGrp="1"/>
-          </p:cNvSpPr>
-          <p:nvPr>
-            <p:ph type="body"/>
-          </p:nvPr>
-        </p:nvSpPr>
-        <p:spPr>
-          <a:xfrm>
-            <a:off x="6231960" y="1604520"/>
-            <a:ext cx="5354280" cy="1896840"/>
-          </a:xfrm>
-          <a:prstGeom prst="rect">
-            <a:avLst/>
-          </a:prstGeom>
-        </p:spPr>
-        <p:txBody>
-          <a:bodyPr lIns="0" rIns="0" tIns="0" bIns="0">
-            <a:normAutofit/>
-          </a:bodyPr>
-          <a:p>
-            <a:endParaRPr b="0" lang="en-GB" sz="3200" spc="-1" strike="noStrike">
-              <a:latin typeface="Arial"/>
-            </a:endParaRPr>
-          </a:p>
-        </p:txBody>
-      </p:sp>
-      <p:sp>
-        <p:nvSpPr>
-          <p:cNvPr id="105" name="PlaceHolder 4"/>
-          <p:cNvSpPr>
-            <a:spLocks noGrp="1"/>
-          </p:cNvSpPr>
-          <p:nvPr>
-            <p:ph type="body"/>
-          </p:nvPr>
-        </p:nvSpPr>
-        <p:spPr>
-          <a:xfrm>
-            <a:off x="609480" y="3682080"/>
-            <a:ext cx="5354280" cy="1896840"/>
-          </a:xfrm>
-          <a:prstGeom prst="rect">
-            <a:avLst/>
-          </a:prstGeom>
-        </p:spPr>
-        <p:txBody>
-          <a:bodyPr lIns="0" rIns="0" tIns="0" bIns="0">
-            <a:normAutofit/>
-          </a:bodyPr>
-          <a:p>
-            <a:endParaRPr b="0" lang="en-GB" sz="3200" spc="-1" strike="noStrike">
-              <a:latin typeface="Arial"/>
-            </a:endParaRPr>
-          </a:p>
-        </p:txBody>
-      </p:sp>
-      <p:sp>
-        <p:nvSpPr>
-          <p:cNvPr id="106" name="PlaceHolder 5"/>
-          <p:cNvSpPr>
-            <a:spLocks noGrp="1"/>
-          </p:cNvSpPr>
-          <p:nvPr>
-            <p:ph type="body"/>
-          </p:nvPr>
-        </p:nvSpPr>
-        <p:spPr>
-          <a:xfrm>
-            <a:off x="6231960" y="3682080"/>
-            <a:ext cx="5354280" cy="1896840"/>
-          </a:xfrm>
-          <a:prstGeom prst="rect">
-            <a:avLst/>
-          </a:prstGeom>
-        </p:spPr>
-        <p:txBody>
-          <a:bodyPr lIns="0" rIns="0" tIns="0" bIns="0">
-            <a:normAutofit/>
-          </a:bodyPr>
-          <a:p>
-            <a:endParaRPr b="0" lang="en-GB" sz="3200" spc="-1" strike="noStrike">
-              <a:latin typeface="Arial"/>
-            </a:endParaRPr>
-          </a:p>
-        </p:txBody>
-      </p:sp>
-    </p:spTree>
-  </p:cSld>
-</p:sldLayout>
-</file>
-
-<file path=ppt/slideLayouts/slideLayout36.xml><?xml version="1.0" encoding="utf-8"?>
-<p:sldLayout xmlns:a="http://schemas.openxmlformats.org/drawingml/2006/main" xmlns:p="http://schemas.openxmlformats.org/presentationml/2006/main" xmlns:r="http://schemas.openxmlformats.org/officeDocument/2006/relationships" xmlns:p14="http://schemas.microsoft.com/office/powerpoint/2010/main" xmlns:p15="http://schemas.microsoft.com/office/powerpoint/2012/main" xmlns:mc="http://schemas.openxmlformats.org/markup-compatibility/2006" type="blank" preserve="1">
-  <p:cSld name="Title, 6 Content">
-    <p:spTree>
-      <p:nvGrpSpPr>
-        <p:cNvPr id="1" name=""/>
-        <p:cNvGrpSpPr/>
-        <p:nvPr/>
-      </p:nvGrpSpPr>
-      <p:grpSpPr>
-        <a:xfrm>
-          <a:off x="0" y="0"/>
-          <a:ext cx="0" cy="0"/>
-          <a:chOff x="0" y="0"/>
-          <a:chExt cx="0" cy="0"/>
-        </a:xfrm>
-      </p:grpSpPr>
-      <p:sp>
-        <p:nvSpPr>
-          <p:cNvPr id="107" name="PlaceHolder 1"/>
-          <p:cNvSpPr>
-            <a:spLocks noGrp="1"/>
-          </p:cNvSpPr>
-          <p:nvPr>
-            <p:ph type="title"/>
-          </p:nvPr>
-        </p:nvSpPr>
-        <p:spPr>
-          <a:xfrm>
-            <a:off x="609480" y="273600"/>
-            <a:ext cx="10972440" cy="1144800"/>
-          </a:xfrm>
-          <a:prstGeom prst="rect">
-            <a:avLst/>
-          </a:prstGeom>
-        </p:spPr>
-        <p:txBody>
-          <a:bodyPr lIns="0" rIns="0" tIns="0" bIns="0" anchor="ctr"/>
-          <a:p>
-            <a:pPr algn="ctr"/>
-            <a:endParaRPr b="0" lang="en-GB" sz="4400" spc="-1" strike="noStrike">
-              <a:latin typeface="Arial"/>
-            </a:endParaRPr>
-          </a:p>
-        </p:txBody>
-      </p:sp>
-      <p:sp>
-        <p:nvSpPr>
-          <p:cNvPr id="108" name="PlaceHolder 2"/>
-          <p:cNvSpPr>
-            <a:spLocks noGrp="1"/>
-          </p:cNvSpPr>
-          <p:nvPr>
-            <p:ph type="body"/>
-          </p:nvPr>
-        </p:nvSpPr>
-        <p:spPr>
-          <a:xfrm>
-            <a:off x="609480" y="1604520"/>
-            <a:ext cx="3533040" cy="1896840"/>
-          </a:xfrm>
-          <a:prstGeom prst="rect">
-            <a:avLst/>
-          </a:prstGeom>
-        </p:spPr>
-        <p:txBody>
-          <a:bodyPr lIns="0" rIns="0" tIns="0" bIns="0">
-            <a:normAutofit/>
-          </a:bodyPr>
-          <a:p>
-            <a:endParaRPr b="0" lang="en-GB" sz="3200" spc="-1" strike="noStrike">
-              <a:latin typeface="Arial"/>
-            </a:endParaRPr>
-          </a:p>
-        </p:txBody>
-      </p:sp>
-      <p:sp>
-        <p:nvSpPr>
-          <p:cNvPr id="109" name="PlaceHolder 3"/>
-          <p:cNvSpPr>
-            <a:spLocks noGrp="1"/>
-          </p:cNvSpPr>
-          <p:nvPr>
-            <p:ph type="body"/>
-          </p:nvPr>
-        </p:nvSpPr>
-        <p:spPr>
-          <a:xfrm>
-            <a:off x="4319640" y="1604520"/>
-            <a:ext cx="3533040" cy="1896840"/>
-          </a:xfrm>
-          <a:prstGeom prst="rect">
-            <a:avLst/>
-          </a:prstGeom>
-        </p:spPr>
-        <p:txBody>
-          <a:bodyPr lIns="0" rIns="0" tIns="0" bIns="0">
-            <a:normAutofit/>
-          </a:bodyPr>
-          <a:p>
-            <a:endParaRPr b="0" lang="en-GB" sz="3200" spc="-1" strike="noStrike">
-              <a:latin typeface="Arial"/>
-            </a:endParaRPr>
-          </a:p>
-        </p:txBody>
-      </p:sp>
-      <p:sp>
-        <p:nvSpPr>
-          <p:cNvPr id="110" name="PlaceHolder 4"/>
-          <p:cNvSpPr>
-            <a:spLocks noGrp="1"/>
-          </p:cNvSpPr>
-          <p:nvPr>
-            <p:ph type="body"/>
-          </p:nvPr>
-        </p:nvSpPr>
-        <p:spPr>
-          <a:xfrm>
-            <a:off x="8029800" y="1604520"/>
-            <a:ext cx="3533040" cy="1896840"/>
-          </a:xfrm>
-          <a:prstGeom prst="rect">
-            <a:avLst/>
-          </a:prstGeom>
-        </p:spPr>
-        <p:txBody>
-          <a:bodyPr lIns="0" rIns="0" tIns="0" bIns="0">
-            <a:normAutofit/>
-          </a:bodyPr>
-          <a:p>
-            <a:endParaRPr b="0" lang="en-GB" sz="3200" spc="-1" strike="noStrike">
-              <a:latin typeface="Arial"/>
-            </a:endParaRPr>
-          </a:p>
-        </p:txBody>
-      </p:sp>
-      <p:sp>
-        <p:nvSpPr>
-          <p:cNvPr id="111" name="PlaceHolder 5"/>
-          <p:cNvSpPr>
-            <a:spLocks noGrp="1"/>
-          </p:cNvSpPr>
-          <p:nvPr>
-            <p:ph type="body"/>
-          </p:nvPr>
-        </p:nvSpPr>
-        <p:spPr>
-          <a:xfrm>
-            <a:off x="609480" y="3682080"/>
-            <a:ext cx="3533040" cy="1896840"/>
-          </a:xfrm>
-          <a:prstGeom prst="rect">
-            <a:avLst/>
-          </a:prstGeom>
-        </p:spPr>
-        <p:txBody>
-          <a:bodyPr lIns="0" rIns="0" tIns="0" bIns="0">
-            <a:normAutofit/>
-          </a:bodyPr>
-          <a:p>
-            <a:endParaRPr b="0" lang="en-GB" sz="3200" spc="-1" strike="noStrike">
-              <a:latin typeface="Arial"/>
-            </a:endParaRPr>
-          </a:p>
-        </p:txBody>
-      </p:sp>
-      <p:sp>
-        <p:nvSpPr>
-          <p:cNvPr id="112" name="PlaceHolder 6"/>
-          <p:cNvSpPr>
-            <a:spLocks noGrp="1"/>
-          </p:cNvSpPr>
-          <p:nvPr>
-            <p:ph type="body"/>
-          </p:nvPr>
-        </p:nvSpPr>
-        <p:spPr>
-          <a:xfrm>
-            <a:off x="4319640" y="3682080"/>
-            <a:ext cx="3533040" cy="1896840"/>
-          </a:xfrm>
-          <a:prstGeom prst="rect">
-            <a:avLst/>
-          </a:prstGeom>
-        </p:spPr>
-        <p:txBody>
-          <a:bodyPr lIns="0" rIns="0" tIns="0" bIns="0">
-            <a:normAutofit/>
-          </a:bodyPr>
-          <a:p>
-            <a:endParaRPr b="0" lang="en-GB" sz="3200" spc="-1" strike="noStrike">
-              <a:latin typeface="Arial"/>
-            </a:endParaRPr>
-          </a:p>
-        </p:txBody>
-      </p:sp>
-      <p:sp>
-        <p:nvSpPr>
-          <p:cNvPr id="113" name="PlaceHolder 7"/>
-          <p:cNvSpPr>
-            <a:spLocks noGrp="1"/>
-          </p:cNvSpPr>
-          <p:nvPr>
-            <p:ph type="body"/>
-          </p:nvPr>
-        </p:nvSpPr>
-        <p:spPr>
-          <a:xfrm>
-            <a:off x="8029800" y="3682080"/>
-            <a:ext cx="3533040" cy="1896840"/>
           </a:xfrm>
           <a:prstGeom prst="rect">
             <a:avLst/>
@@ -4326,7 +2997,25 @@
               <a:rPr b="0" lang="en-GB" sz="4400" spc="-1" strike="noStrike">
                 <a:latin typeface="Arial"/>
               </a:rPr>
-              <a:t>Click to edit the title text format</a:t>
+              <a:t>Click to </a:t>
+            </a:r>
+            <a:r>
+              <a:rPr b="0" lang="en-GB" sz="4400" spc="-1" strike="noStrike">
+                <a:latin typeface="Arial"/>
+              </a:rPr>
+              <a:t>edit the </a:t>
+            </a:r>
+            <a:r>
+              <a:rPr b="0" lang="en-GB" sz="4400" spc="-1" strike="noStrike">
+                <a:latin typeface="Arial"/>
+              </a:rPr>
+              <a:t>title text </a:t>
+            </a:r>
+            <a:r>
+              <a:rPr b="0" lang="en-GB" sz="4400" spc="-1" strike="noStrike">
+                <a:latin typeface="Arial"/>
+              </a:rPr>
+              <a:t>format</a:t>
             </a:r>
             <a:endParaRPr b="0" lang="en-GB" sz="4400" spc="-1" strike="noStrike">
               <a:latin typeface="Arial"/>
@@ -4529,264 +3218,6 @@
     <p:sldLayoutId id="2147483671" r:id="rId11"/>
     <p:sldLayoutId id="2147483672" r:id="rId12"/>
     <p:sldLayoutId id="2147483673" r:id="rId13"/>
-  </p:sldLayoutIdLst>
-</p:sldMaster>
-</file>
-
-<file path=ppt/slideMasters/slideMaster3.xml><?xml version="1.0" encoding="utf-8"?>
-<p:sldMaster xmlns:a="http://schemas.openxmlformats.org/drawingml/2006/main" xmlns:p="http://schemas.openxmlformats.org/presentationml/2006/main" xmlns:r="http://schemas.openxmlformats.org/officeDocument/2006/relationships" xmlns:p14="http://schemas.microsoft.com/office/powerpoint/2010/main" xmlns:p15="http://schemas.microsoft.com/office/powerpoint/2012/main" xmlns:mc="http://schemas.openxmlformats.org/markup-compatibility/2006">
-  <p:cSld>
-    <p:bg>
-      <p:bgPr>
-        <a:solidFill>
-          <a:srgbClr val="ffffff"/>
-        </a:solidFill>
-      </p:bgPr>
-    </p:bg>
-    <p:spTree>
-      <p:nvGrpSpPr>
-        <p:cNvPr id="1" name=""/>
-        <p:cNvGrpSpPr/>
-        <p:nvPr/>
-      </p:nvGrpSpPr>
-      <p:grpSpPr>
-        <a:xfrm>
-          <a:off x="0" y="0"/>
-          <a:ext cx="0" cy="0"/>
-          <a:chOff x="0" y="0"/>
-          <a:chExt cx="0" cy="0"/>
-        </a:xfrm>
-      </p:grpSpPr>
-      <p:sp>
-        <p:nvSpPr>
-          <p:cNvPr id="76" name="PlaceHolder 1"/>
-          <p:cNvSpPr>
-            <a:spLocks noGrp="1"/>
-          </p:cNvSpPr>
-          <p:nvPr>
-            <p:ph type="title"/>
-          </p:nvPr>
-        </p:nvSpPr>
-        <p:spPr>
-          <a:xfrm>
-            <a:off x="609480" y="273600"/>
-            <a:ext cx="10972440" cy="1144800"/>
-          </a:xfrm>
-          <a:prstGeom prst="rect">
-            <a:avLst/>
-          </a:prstGeom>
-        </p:spPr>
-        <p:txBody>
-          <a:bodyPr lIns="0" rIns="0" tIns="0" bIns="0" anchor="ctr"/>
-          <a:p>
-            <a:pPr algn="ctr"/>
-            <a:r>
-              <a:rPr b="0" lang="en-GB" sz="4400" spc="-1" strike="noStrike">
-                <a:latin typeface="Arial"/>
-              </a:rPr>
-              <a:t>Click to edit the title text format</a:t>
-            </a:r>
-            <a:endParaRPr b="0" lang="en-GB" sz="4400" spc="-1" strike="noStrike">
-              <a:latin typeface="Arial"/>
-            </a:endParaRPr>
-          </a:p>
-        </p:txBody>
-      </p:sp>
-      <p:sp>
-        <p:nvSpPr>
-          <p:cNvPr id="77" name="PlaceHolder 2"/>
-          <p:cNvSpPr>
-            <a:spLocks noGrp="1"/>
-          </p:cNvSpPr>
-          <p:nvPr>
-            <p:ph type="body"/>
-          </p:nvPr>
-        </p:nvSpPr>
-        <p:spPr>
-          <a:xfrm>
-            <a:off x="609480" y="1604520"/>
-            <a:ext cx="10972440" cy="3977280"/>
-          </a:xfrm>
-          <a:prstGeom prst="rect">
-            <a:avLst/>
-          </a:prstGeom>
-        </p:spPr>
-        <p:txBody>
-          <a:bodyPr lIns="0" rIns="0" tIns="0" bIns="0">
-            <a:normAutofit/>
-          </a:bodyPr>
-          <a:p>
-            <a:pPr marL="432000" indent="-324000">
-              <a:spcBef>
-                <a:spcPts val="1417"/>
-              </a:spcBef>
-              <a:buClr>
-                <a:srgbClr val="000000"/>
-              </a:buClr>
-              <a:buSzPct val="45000"/>
-              <a:buFont typeface="Wingdings" charset="2"/>
-              <a:buChar char=""/>
-            </a:pPr>
-            <a:r>
-              <a:rPr b="0" lang="en-GB" sz="3200" spc="-1" strike="noStrike">
-                <a:latin typeface="Arial"/>
-              </a:rPr>
-              <a:t>Click to edit the outline text format</a:t>
-            </a:r>
-            <a:endParaRPr b="0" lang="en-GB" sz="3200" spc="-1" strike="noStrike">
-              <a:latin typeface="Arial"/>
-            </a:endParaRPr>
-          </a:p>
-          <a:p>
-            <a:pPr lvl="1" marL="864000" indent="-324000">
-              <a:spcBef>
-                <a:spcPts val="1134"/>
-              </a:spcBef>
-              <a:buClr>
-                <a:srgbClr val="000000"/>
-              </a:buClr>
-              <a:buSzPct val="75000"/>
-              <a:buFont typeface="Symbol" charset="2"/>
-              <a:buChar char=""/>
-            </a:pPr>
-            <a:r>
-              <a:rPr b="0" lang="en-GB" sz="2800" spc="-1" strike="noStrike">
-                <a:latin typeface="Arial"/>
-              </a:rPr>
-              <a:t>Second Outline Level</a:t>
-            </a:r>
-            <a:endParaRPr b="0" lang="en-GB" sz="2800" spc="-1" strike="noStrike">
-              <a:latin typeface="Arial"/>
-            </a:endParaRPr>
-          </a:p>
-          <a:p>
-            <a:pPr lvl="2" marL="1296000" indent="-288000">
-              <a:spcBef>
-                <a:spcPts val="850"/>
-              </a:spcBef>
-              <a:buClr>
-                <a:srgbClr val="000000"/>
-              </a:buClr>
-              <a:buSzPct val="45000"/>
-              <a:buFont typeface="Wingdings" charset="2"/>
-              <a:buChar char=""/>
-            </a:pPr>
-            <a:r>
-              <a:rPr b="0" lang="en-GB" sz="2400" spc="-1" strike="noStrike">
-                <a:latin typeface="Arial"/>
-              </a:rPr>
-              <a:t>Third Outline Level</a:t>
-            </a:r>
-            <a:endParaRPr b="0" lang="en-GB" sz="2400" spc="-1" strike="noStrike">
-              <a:latin typeface="Arial"/>
-            </a:endParaRPr>
-          </a:p>
-          <a:p>
-            <a:pPr lvl="3" marL="1728000" indent="-216000">
-              <a:spcBef>
-                <a:spcPts val="567"/>
-              </a:spcBef>
-              <a:buClr>
-                <a:srgbClr val="000000"/>
-              </a:buClr>
-              <a:buSzPct val="75000"/>
-              <a:buFont typeface="Symbol" charset="2"/>
-              <a:buChar char=""/>
-            </a:pPr>
-            <a:r>
-              <a:rPr b="0" lang="en-GB" sz="2000" spc="-1" strike="noStrike">
-                <a:latin typeface="Arial"/>
-              </a:rPr>
-              <a:t>Fourth Outline Level</a:t>
-            </a:r>
-            <a:endParaRPr b="0" lang="en-GB" sz="2000" spc="-1" strike="noStrike">
-              <a:latin typeface="Arial"/>
-            </a:endParaRPr>
-          </a:p>
-          <a:p>
-            <a:pPr lvl="4" marL="2160000" indent="-216000">
-              <a:spcBef>
-                <a:spcPts val="283"/>
-              </a:spcBef>
-              <a:buClr>
-                <a:srgbClr val="000000"/>
-              </a:buClr>
-              <a:buSzPct val="45000"/>
-              <a:buFont typeface="Wingdings" charset="2"/>
-              <a:buChar char=""/>
-            </a:pPr>
-            <a:r>
-              <a:rPr b="0" lang="en-GB" sz="2000" spc="-1" strike="noStrike">
-                <a:latin typeface="Arial"/>
-              </a:rPr>
-              <a:t>Fifth Outline Level</a:t>
-            </a:r>
-            <a:endParaRPr b="0" lang="en-GB" sz="2000" spc="-1" strike="noStrike">
-              <a:latin typeface="Arial"/>
-            </a:endParaRPr>
-          </a:p>
-          <a:p>
-            <a:pPr lvl="5" marL="2592000" indent="-216000">
-              <a:spcBef>
-                <a:spcPts val="283"/>
-              </a:spcBef>
-              <a:buClr>
-                <a:srgbClr val="000000"/>
-              </a:buClr>
-              <a:buSzPct val="45000"/>
-              <a:buFont typeface="Wingdings" charset="2"/>
-              <a:buChar char=""/>
-            </a:pPr>
-            <a:r>
-              <a:rPr b="0" lang="en-GB" sz="2000" spc="-1" strike="noStrike">
-                <a:latin typeface="Arial"/>
-              </a:rPr>
-              <a:t>Sixth Outline Level</a:t>
-            </a:r>
-            <a:endParaRPr b="0" lang="en-GB" sz="2000" spc="-1" strike="noStrike">
-              <a:latin typeface="Arial"/>
-            </a:endParaRPr>
-          </a:p>
-          <a:p>
-            <a:pPr lvl="6" marL="3024000" indent="-216000">
-              <a:spcBef>
-                <a:spcPts val="283"/>
-              </a:spcBef>
-              <a:buClr>
-                <a:srgbClr val="000000"/>
-              </a:buClr>
-              <a:buSzPct val="45000"/>
-              <a:buFont typeface="Wingdings" charset="2"/>
-              <a:buChar char=""/>
-            </a:pPr>
-            <a:r>
-              <a:rPr b="0" lang="en-GB" sz="2000" spc="-1" strike="noStrike">
-                <a:latin typeface="Arial"/>
-              </a:rPr>
-              <a:t>Seventh Outline Level</a:t>
-            </a:r>
-            <a:endParaRPr b="0" lang="en-GB" sz="2000" spc="-1" strike="noStrike">
-              <a:latin typeface="Arial"/>
-            </a:endParaRPr>
-          </a:p>
-        </p:txBody>
-      </p:sp>
-    </p:spTree>
-  </p:cSld>
-  <p:clrMap bg1="lt1" bg2="lt2" tx1="dk1" tx2="dk2" accent1="accent1" accent2="accent2" accent3="accent3" accent4="accent4" accent5="accent5" accent6="accent6" hlink="hlink" folHlink="folHlink"/>
-  <p:sldLayoutIdLst>
-    <p:sldLayoutId id="2147483675" r:id="rId2"/>
-    <p:sldLayoutId id="2147483676" r:id="rId3"/>
-    <p:sldLayoutId id="2147483677" r:id="rId4"/>
-    <p:sldLayoutId id="2147483678" r:id="rId5"/>
-    <p:sldLayoutId id="2147483679" r:id="rId6"/>
-    <p:sldLayoutId id="2147483680" r:id="rId7"/>
-    <p:sldLayoutId id="2147483681" r:id="rId8"/>
-    <p:sldLayoutId id="2147483682" r:id="rId9"/>
-    <p:sldLayoutId id="2147483683" r:id="rId10"/>
-    <p:sldLayoutId id="2147483684" r:id="rId11"/>
-    <p:sldLayoutId id="2147483685" r:id="rId12"/>
-    <p:sldLayoutId id="2147483686" r:id="rId13"/>
   </p:sldLayoutIdLst>
 </p:sldMaster>
 </file>
@@ -4810,14 +3241,14 @@
       </p:grpSpPr>
       <p:sp>
         <p:nvSpPr>
-          <p:cNvPr id="114" name="CustomShape 1"/>
+          <p:cNvPr id="76" name="CustomShape 1"/>
           <p:cNvSpPr/>
           <p:nvPr/>
         </p:nvSpPr>
         <p:spPr>
           <a:xfrm>
             <a:off x="7934400" y="5528160"/>
-            <a:ext cx="3620520" cy="806040"/>
+            <a:ext cx="3620160" cy="805680"/>
           </a:xfrm>
           <a:prstGeom prst="rect">
             <a:avLst/>
@@ -4879,14 +3310,14 @@
       </p:sp>
       <p:sp>
         <p:nvSpPr>
-          <p:cNvPr id="115" name="CustomShape 2"/>
+          <p:cNvPr id="77" name="CustomShape 2"/>
           <p:cNvSpPr/>
           <p:nvPr/>
         </p:nvSpPr>
         <p:spPr>
           <a:xfrm>
             <a:off x="540000" y="5312160"/>
-            <a:ext cx="2521800" cy="1022040"/>
+            <a:ext cx="2521440" cy="1021680"/>
           </a:xfrm>
           <a:prstGeom prst="rect">
             <a:avLst/>
@@ -4928,7 +3359,7 @@
       </p:sp>
       <p:pic>
         <p:nvPicPr>
-          <p:cNvPr id="116" name="" descr=""/>
+          <p:cNvPr id="78" name="" descr=""/>
           <p:cNvPicPr/>
           <p:nvPr/>
         </p:nvPicPr>
@@ -4939,7 +3370,7 @@
         <p:spPr>
           <a:xfrm>
             <a:off x="5040360" y="1431720"/>
-            <a:ext cx="1746360" cy="2302920"/>
+            <a:ext cx="1746000" cy="2302560"/>
           </a:xfrm>
           <a:prstGeom prst="rect">
             <a:avLst/>
@@ -4951,21 +3382,21 @@
       </p:pic>
       <p:grpSp>
         <p:nvGrpSpPr>
-          <p:cNvPr id="117" name="Group 3"/>
+          <p:cNvPr id="79" name="Group 3"/>
           <p:cNvGrpSpPr/>
           <p:nvPr/>
         </p:nvGrpSpPr>
         <p:grpSpPr>
           <a:xfrm>
             <a:off x="540000" y="1657800"/>
-            <a:ext cx="3274920" cy="1850760"/>
+            <a:ext cx="3274560" cy="1850400"/>
             <a:chOff x="540000" y="1657800"/>
-            <a:chExt cx="3274920" cy="1850760"/>
+            <a:chExt cx="3274560" cy="1850400"/>
           </a:xfrm>
         </p:grpSpPr>
         <p:pic>
           <p:nvPicPr>
-            <p:cNvPr id="118" name="Picture 2" descr=""/>
+            <p:cNvPr id="80" name="Picture 2" descr=""/>
             <p:cNvPicPr/>
             <p:nvPr/>
           </p:nvPicPr>
@@ -4976,7 +3407,7 @@
           <p:spPr>
             <a:xfrm>
               <a:off x="540000" y="2664720"/>
-              <a:ext cx="2098080" cy="843840"/>
+              <a:ext cx="2097720" cy="843480"/>
             </a:xfrm>
             <a:prstGeom prst="rect">
               <a:avLst/>
@@ -4988,7 +3419,7 @@
         </p:pic>
         <p:pic>
           <p:nvPicPr>
-            <p:cNvPr id="119" name="" descr=""/>
+            <p:cNvPr id="81" name="" descr=""/>
             <p:cNvPicPr/>
             <p:nvPr/>
           </p:nvPicPr>
@@ -4999,7 +3430,7 @@
           <p:spPr>
             <a:xfrm>
               <a:off x="540000" y="1657800"/>
-              <a:ext cx="3274920" cy="816480"/>
+              <a:ext cx="3274560" cy="816120"/>
             </a:xfrm>
             <a:prstGeom prst="rect">
               <a:avLst/>
@@ -5012,7 +3443,7 @@
       </p:grpSp>
       <p:pic>
         <p:nvPicPr>
-          <p:cNvPr id="120" name="" descr=""/>
+          <p:cNvPr id="82" name="" descr=""/>
           <p:cNvPicPr/>
           <p:nvPr/>
         </p:nvPicPr>
@@ -5023,7 +3454,7 @@
         <p:spPr>
           <a:xfrm>
             <a:off x="8011800" y="1733760"/>
-            <a:ext cx="3003120" cy="1699200"/>
+            <a:ext cx="3002760" cy="1698840"/>
           </a:xfrm>
           <a:prstGeom prst="rect">
             <a:avLst/>
@@ -5035,14 +3466,14 @@
       </p:pic>
       <p:sp>
         <p:nvSpPr>
-          <p:cNvPr id="121" name="CustomShape 4"/>
+          <p:cNvPr id="83" name="CustomShape 4"/>
           <p:cNvSpPr/>
           <p:nvPr/>
         </p:nvSpPr>
         <p:spPr>
           <a:xfrm>
             <a:off x="4833360" y="6215040"/>
-            <a:ext cx="2523960" cy="471240"/>
+            <a:ext cx="2523600" cy="470880"/>
           </a:xfrm>
           <a:prstGeom prst="rect">
             <a:avLst/>
@@ -5150,14 +3581,14 @@
       </p:sp>
       <p:sp>
         <p:nvSpPr>
-          <p:cNvPr id="122" name="CustomShape 5"/>
+          <p:cNvPr id="84" name="CustomShape 5"/>
           <p:cNvSpPr/>
           <p:nvPr/>
         </p:nvSpPr>
         <p:spPr>
           <a:xfrm>
             <a:off x="5000400" y="4520520"/>
-            <a:ext cx="2190240" cy="455040"/>
+            <a:ext cx="2189880" cy="454680"/>
           </a:xfrm>
           <a:prstGeom prst="rect">
             <a:avLst/>
@@ -5206,6 +3637,1704 @@
           <p:childTnLst>
             <p:seq>
               <p:cTn id="2" dur="indefinite" nodeType="mainSeq"/>
+              <p:prevCondLst>
+                <p:cond delay="0" evt="onPrev">
+                  <p:tgtEl>
+                    <p:sldTgt/>
+                  </p:tgtEl>
+                </p:cond>
+              </p:prevCondLst>
+              <p:nextCondLst>
+                <p:cond delay="0" evt="onNext">
+                  <p:tgtEl>
+                    <p:sldTgt/>
+                  </p:tgtEl>
+                </p:cond>
+              </p:nextCondLst>
+            </p:seq>
+          </p:childTnLst>
+        </p:cTn>
+      </p:par>
+    </p:tnLst>
+  </p:timing>
+</p:sld>
+</file>
+
+<file path=ppt/slides/slide10.xml><?xml version="1.0" encoding="utf-8"?>
+<p:sld xmlns:a="http://schemas.openxmlformats.org/drawingml/2006/main" xmlns:p="http://schemas.openxmlformats.org/presentationml/2006/main" xmlns:r="http://schemas.openxmlformats.org/officeDocument/2006/relationships" xmlns:p14="http://schemas.microsoft.com/office/powerpoint/2010/main" xmlns:p15="http://schemas.microsoft.com/office/powerpoint/2012/main" xmlns:mc="http://schemas.openxmlformats.org/markup-compatibility/2006">
+  <p:cSld>
+    <p:spTree>
+      <p:nvGrpSpPr>
+        <p:cNvPr id="1" name=""/>
+        <p:cNvGrpSpPr/>
+        <p:nvPr/>
+      </p:nvGrpSpPr>
+      <p:grpSpPr>
+        <a:xfrm>
+          <a:off x="0" y="0"/>
+          <a:ext cx="0" cy="0"/>
+          <a:chOff x="0" y="0"/>
+          <a:chExt cx="0" cy="0"/>
+        </a:xfrm>
+      </p:grpSpPr>
+      <p:pic>
+        <p:nvPicPr>
+          <p:cNvPr id="152" name="Picture 6" descr=""/>
+          <p:cNvPicPr/>
+          <p:nvPr/>
+        </p:nvPicPr>
+        <p:blipFill>
+          <a:blip r:embed="rId1"/>
+          <a:stretch/>
+        </p:blipFill>
+        <p:spPr>
+          <a:xfrm>
+            <a:off x="388440" y="333720"/>
+            <a:ext cx="1359000" cy="358560"/>
+          </a:xfrm>
+          <a:prstGeom prst="rect">
+            <a:avLst/>
+          </a:prstGeom>
+          <a:ln>
+            <a:noFill/>
+          </a:ln>
+        </p:spPr>
+      </p:pic>
+      <p:sp>
+        <p:nvSpPr>
+          <p:cNvPr id="153" name="CustomShape 1"/>
+          <p:cNvSpPr/>
+          <p:nvPr/>
+        </p:nvSpPr>
+        <p:spPr>
+          <a:xfrm>
+            <a:off x="648000" y="1044000"/>
+            <a:ext cx="2088000" cy="357480"/>
+          </a:xfrm>
+          <a:prstGeom prst="rect">
+            <a:avLst/>
+          </a:prstGeom>
+          <a:noFill/>
+          <a:ln>
+            <a:noFill/>
+          </a:ln>
+        </p:spPr>
+        <p:style>
+          <a:lnRef idx="0"/>
+          <a:fillRef idx="0"/>
+          <a:effectRef idx="0"/>
+          <a:fontRef idx="minor"/>
+        </p:style>
+        <p:txBody>
+          <a:bodyPr lIns="90000" rIns="90000" tIns="45000" bIns="45000"/>
+          <a:p>
+            <a:pPr>
+              <a:lnSpc>
+                <a:spcPct val="100000"/>
+              </a:lnSpc>
+            </a:pPr>
+            <a:r>
+              <a:rPr b="1" lang="en-GB" sz="1800" spc="-1" strike="noStrike">
+                <a:solidFill>
+                  <a:srgbClr val="000000"/>
+                </a:solidFill>
+                <a:latin typeface="Arial"/>
+                <a:ea typeface="Calibri"/>
+              </a:rPr>
+              <a:t>- 2D P0_DG-FEM</a:t>
+            </a:r>
+            <a:endParaRPr b="0" lang="en-GB" sz="1800" spc="-1" strike="noStrike">
+              <a:latin typeface="Arial"/>
+            </a:endParaRPr>
+          </a:p>
+          <a:p>
+            <a:pPr>
+              <a:lnSpc>
+                <a:spcPct val="100000"/>
+              </a:lnSpc>
+            </a:pPr>
+            <a:endParaRPr b="0" lang="en-GB" sz="1800" spc="-1" strike="noStrike">
+              <a:latin typeface="Arial"/>
+            </a:endParaRPr>
+          </a:p>
+        </p:txBody>
+      </p:sp>
+      <p:pic>
+        <p:nvPicPr>
+          <p:cNvPr id="154" name="Picture 6" descr=""/>
+          <p:cNvPicPr/>
+          <p:nvPr/>
+        </p:nvPicPr>
+        <p:blipFill>
+          <a:blip r:embed="rId2"/>
+          <a:stretch/>
+        </p:blipFill>
+        <p:spPr>
+          <a:xfrm>
+            <a:off x="10336680" y="334800"/>
+            <a:ext cx="984600" cy="1272600"/>
+          </a:xfrm>
+          <a:prstGeom prst="rect">
+            <a:avLst/>
+          </a:prstGeom>
+          <a:ln>
+            <a:noFill/>
+          </a:ln>
+        </p:spPr>
+      </p:pic>
+      <p:sp>
+        <p:nvSpPr>
+          <p:cNvPr id="155" name="CustomShape 2"/>
+          <p:cNvSpPr/>
+          <p:nvPr/>
+        </p:nvSpPr>
+        <p:spPr>
+          <a:xfrm>
+            <a:off x="648000" y="2952000"/>
+            <a:ext cx="1726560" cy="357480"/>
+          </a:xfrm>
+          <a:prstGeom prst="rect">
+            <a:avLst/>
+          </a:prstGeom>
+          <a:noFill/>
+          <a:ln>
+            <a:noFill/>
+          </a:ln>
+        </p:spPr>
+        <p:style>
+          <a:lnRef idx="0"/>
+          <a:fillRef idx="0"/>
+          <a:effectRef idx="0"/>
+          <a:fontRef idx="minor"/>
+        </p:style>
+        <p:txBody>
+          <a:bodyPr lIns="90000" rIns="90000" tIns="45000" bIns="45000"/>
+          <a:p>
+            <a:pPr>
+              <a:lnSpc>
+                <a:spcPct val="100000"/>
+              </a:lnSpc>
+            </a:pPr>
+            <a:r>
+              <a:rPr b="1" lang="en-GB" sz="1800" spc="-1" strike="noStrike">
+                <a:solidFill>
+                  <a:srgbClr val="000000"/>
+                </a:solidFill>
+                <a:latin typeface="Arial"/>
+                <a:ea typeface="Calibri"/>
+              </a:rPr>
+              <a:t>- 2D DG-FEM</a:t>
+            </a:r>
+            <a:endParaRPr b="0" lang="en-GB" sz="1800" spc="-1" strike="noStrike">
+              <a:latin typeface="Arial"/>
+            </a:endParaRPr>
+          </a:p>
+          <a:p>
+            <a:pPr>
+              <a:lnSpc>
+                <a:spcPct val="100000"/>
+              </a:lnSpc>
+            </a:pPr>
+            <a:endParaRPr b="0" lang="en-GB" sz="1800" spc="-1" strike="noStrike">
+              <a:latin typeface="Arial"/>
+            </a:endParaRPr>
+          </a:p>
+        </p:txBody>
+      </p:sp>
+      <p:pic>
+        <p:nvPicPr>
+          <p:cNvPr id="156" name="" descr=""/>
+          <p:cNvPicPr/>
+          <p:nvPr/>
+        </p:nvPicPr>
+        <p:blipFill>
+          <a:blip r:embed="rId3"/>
+          <a:stretch/>
+        </p:blipFill>
+        <p:spPr>
+          <a:xfrm>
+            <a:off x="731160" y="3420000"/>
+            <a:ext cx="3127320" cy="2384640"/>
+          </a:xfrm>
+          <a:prstGeom prst="rect">
+            <a:avLst/>
+          </a:prstGeom>
+          <a:ln>
+            <a:noFill/>
+          </a:ln>
+        </p:spPr>
+      </p:pic>
+      <p:pic>
+        <p:nvPicPr>
+          <p:cNvPr id="157" name="" descr=""/>
+          <p:cNvPicPr/>
+          <p:nvPr/>
+        </p:nvPicPr>
+        <p:blipFill>
+          <a:blip r:embed="rId4"/>
+          <a:stretch/>
+        </p:blipFill>
+        <p:spPr>
+          <a:xfrm>
+            <a:off x="5112000" y="3420000"/>
+            <a:ext cx="1978560" cy="1941840"/>
+          </a:xfrm>
+          <a:prstGeom prst="rect">
+            <a:avLst/>
+          </a:prstGeom>
+          <a:ln>
+            <a:noFill/>
+          </a:ln>
+        </p:spPr>
+      </p:pic>
+      <p:pic>
+        <p:nvPicPr>
+          <p:cNvPr id="158" name="" descr=""/>
+          <p:cNvPicPr/>
+          <p:nvPr/>
+        </p:nvPicPr>
+        <p:blipFill>
+          <a:blip r:embed="rId5"/>
+          <a:stretch/>
+        </p:blipFill>
+        <p:spPr>
+          <a:xfrm>
+            <a:off x="8836920" y="3420000"/>
+            <a:ext cx="2413440" cy="1221840"/>
+          </a:xfrm>
+          <a:prstGeom prst="rect">
+            <a:avLst/>
+          </a:prstGeom>
+          <a:ln>
+            <a:noFill/>
+          </a:ln>
+        </p:spPr>
+      </p:pic>
+      <p:sp>
+        <p:nvSpPr>
+          <p:cNvPr id="159" name="CustomShape 3"/>
+          <p:cNvSpPr/>
+          <p:nvPr/>
+        </p:nvSpPr>
+        <p:spPr>
+          <a:xfrm>
+            <a:off x="897480" y="5832000"/>
+            <a:ext cx="2794680" cy="285840"/>
+          </a:xfrm>
+          <a:prstGeom prst="rect">
+            <a:avLst/>
+          </a:prstGeom>
+          <a:noFill/>
+          <a:ln>
+            <a:noFill/>
+          </a:ln>
+        </p:spPr>
+        <p:style>
+          <a:lnRef idx="0"/>
+          <a:fillRef idx="0"/>
+          <a:effectRef idx="0"/>
+          <a:fontRef idx="minor"/>
+        </p:style>
+        <p:txBody>
+          <a:bodyPr lIns="90000" rIns="90000" tIns="45000" bIns="45000"/>
+          <a:p>
+            <a:pPr algn="ctr">
+              <a:lnSpc>
+                <a:spcPct val="100000"/>
+              </a:lnSpc>
+            </a:pPr>
+            <a:r>
+              <a:rPr b="0" lang="en-GB" sz="1100" spc="-1" strike="noStrike">
+                <a:solidFill>
+                  <a:srgbClr val="000000"/>
+                </a:solidFill>
+                <a:latin typeface="Arial"/>
+                <a:ea typeface="DejaVu Sans"/>
+              </a:rPr>
+              <a:t>Figure 7. 2D domain with local &amp; global node numbering.</a:t>
+            </a:r>
+            <a:endParaRPr b="0" lang="en-GB" sz="1100" spc="-1" strike="noStrike">
+              <a:latin typeface="Arial"/>
+            </a:endParaRPr>
+          </a:p>
+        </p:txBody>
+      </p:sp>
+      <p:sp>
+        <p:nvSpPr>
+          <p:cNvPr id="160" name="CustomShape 4"/>
+          <p:cNvSpPr/>
+          <p:nvPr/>
+        </p:nvSpPr>
+        <p:spPr>
+          <a:xfrm>
+            <a:off x="4644000" y="5580000"/>
+            <a:ext cx="3418920" cy="230040"/>
+          </a:xfrm>
+          <a:prstGeom prst="rect">
+            <a:avLst/>
+          </a:prstGeom>
+          <a:noFill/>
+          <a:ln>
+            <a:noFill/>
+          </a:ln>
+        </p:spPr>
+        <p:style>
+          <a:lnRef idx="0"/>
+          <a:fillRef idx="0"/>
+          <a:effectRef idx="0"/>
+          <a:fontRef idx="minor"/>
+        </p:style>
+        <p:txBody>
+          <a:bodyPr lIns="90000" rIns="90000" tIns="45000" bIns="45000"/>
+          <a:p>
+            <a:pPr algn="ctr">
+              <a:lnSpc>
+                <a:spcPct val="100000"/>
+              </a:lnSpc>
+            </a:pPr>
+            <a:r>
+              <a:rPr b="0" lang="en-GB" sz="1100" spc="-1" strike="noStrike">
+                <a:solidFill>
+                  <a:srgbClr val="000000"/>
+                </a:solidFill>
+                <a:latin typeface="Arial"/>
+                <a:ea typeface="DejaVu Sans"/>
+              </a:rPr>
+              <a:t>Figure 8. Volume integration using 3-point Gaussian quadrature method.</a:t>
+            </a:r>
+            <a:endParaRPr b="0" lang="en-GB" sz="1100" spc="-1" strike="noStrike">
+              <a:latin typeface="Arial"/>
+            </a:endParaRPr>
+          </a:p>
+        </p:txBody>
+      </p:sp>
+      <p:sp>
+        <p:nvSpPr>
+          <p:cNvPr id="161" name="CustomShape 5"/>
+          <p:cNvSpPr/>
+          <p:nvPr/>
+        </p:nvSpPr>
+        <p:spPr>
+          <a:xfrm>
+            <a:off x="8640000" y="4881960"/>
+            <a:ext cx="2806920" cy="371880"/>
+          </a:xfrm>
+          <a:prstGeom prst="rect">
+            <a:avLst/>
+          </a:prstGeom>
+          <a:noFill/>
+          <a:ln>
+            <a:noFill/>
+          </a:ln>
+        </p:spPr>
+        <p:style>
+          <a:lnRef idx="0"/>
+          <a:fillRef idx="0"/>
+          <a:effectRef idx="0"/>
+          <a:fontRef idx="minor"/>
+        </p:style>
+        <p:txBody>
+          <a:bodyPr lIns="90000" rIns="90000" tIns="45000" bIns="45000"/>
+          <a:p>
+            <a:pPr algn="ctr">
+              <a:lnSpc>
+                <a:spcPct val="100000"/>
+              </a:lnSpc>
+            </a:pPr>
+            <a:r>
+              <a:rPr b="0" lang="en-GB" sz="1100" spc="-1" strike="noStrike">
+                <a:solidFill>
+                  <a:srgbClr val="000000"/>
+                </a:solidFill>
+                <a:latin typeface="Arial"/>
+                <a:ea typeface="DejaVu Sans"/>
+              </a:rPr>
+              <a:t>Figure 9. Surface integration using 2-point Gaussian quadrature method.</a:t>
+            </a:r>
+            <a:endParaRPr b="0" lang="en-GB" sz="1100" spc="-1" strike="noStrike">
+              <a:latin typeface="Arial"/>
+            </a:endParaRPr>
+          </a:p>
+        </p:txBody>
+      </p:sp>
+      <p:sp>
+        <p:nvSpPr>
+          <p:cNvPr id="162" name="CustomShape 6"/>
+          <p:cNvSpPr/>
+          <p:nvPr/>
+        </p:nvSpPr>
+        <p:spPr>
+          <a:xfrm>
+            <a:off x="3677760" y="2880000"/>
+            <a:ext cx="3953160" cy="285840"/>
+          </a:xfrm>
+          <a:prstGeom prst="rect">
+            <a:avLst/>
+          </a:prstGeom>
+          <a:noFill/>
+          <a:ln>
+            <a:noFill/>
+          </a:ln>
+        </p:spPr>
+        <p:style>
+          <a:lnRef idx="0"/>
+          <a:fillRef idx="0"/>
+          <a:effectRef idx="0"/>
+          <a:fontRef idx="minor"/>
+        </p:style>
+        <p:txBody>
+          <a:bodyPr lIns="90000" rIns="90000" tIns="45000" bIns="45000"/>
+          <a:p>
+            <a:pPr>
+              <a:lnSpc>
+                <a:spcPct val="100000"/>
+              </a:lnSpc>
+            </a:pPr>
+            <a:r>
+              <a:rPr b="0" lang="en-GB" sz="1100" spc="-1" strike="noStrike">
+                <a:solidFill>
+                  <a:srgbClr val="000000"/>
+                </a:solidFill>
+                <a:latin typeface="Arial"/>
+                <a:ea typeface="DejaVu Sans"/>
+              </a:rPr>
+              <a:t>Figure 6. Travelling a square wave in 2D with 500 elements.</a:t>
+            </a:r>
+            <a:endParaRPr b="0" lang="en-GB" sz="1100" spc="-1" strike="noStrike">
+              <a:latin typeface="Arial"/>
+            </a:endParaRPr>
+          </a:p>
+        </p:txBody>
+      </p:sp>
+      <p:sp>
+        <p:nvSpPr>
+          <p:cNvPr id="163" name="CustomShape 7"/>
+          <p:cNvSpPr/>
+          <p:nvPr/>
+        </p:nvSpPr>
+        <p:spPr>
+          <a:xfrm>
+            <a:off x="4833360" y="6238440"/>
+            <a:ext cx="2523600" cy="470880"/>
+          </a:xfrm>
+          <a:prstGeom prst="rect">
+            <a:avLst/>
+          </a:prstGeom>
+          <a:noFill/>
+          <a:ln>
+            <a:noFill/>
+          </a:ln>
+        </p:spPr>
+        <p:style>
+          <a:lnRef idx="0"/>
+          <a:fillRef idx="0"/>
+          <a:effectRef idx="0"/>
+          <a:fontRef idx="minor"/>
+        </p:style>
+        <p:txBody>
+          <a:bodyPr lIns="90000" rIns="90000" tIns="45000" bIns="45000"/>
+          <a:p>
+            <a:pPr algn="ctr">
+              <a:lnSpc>
+                <a:spcPct val="90000"/>
+              </a:lnSpc>
+              <a:spcBef>
+                <a:spcPts val="1001"/>
+              </a:spcBef>
+            </a:pPr>
+            <a:r>
+              <a:rPr b="1" lang="en-GB" sz="1400" spc="-1" strike="noStrike">
+                <a:solidFill>
+                  <a:srgbClr val="002060"/>
+                </a:solidFill>
+                <a:latin typeface="Arial"/>
+                <a:ea typeface="Calibri"/>
+              </a:rPr>
+              <a:t>ICL-</a:t>
+            </a:r>
+            <a:r>
+              <a:rPr b="1" lang="en-GB" sz="1400" spc="-1" strike="noStrike">
+                <a:solidFill>
+                  <a:srgbClr val="0070c0"/>
+                </a:solidFill>
+                <a:latin typeface="Arial"/>
+                <a:ea typeface="Calibri"/>
+              </a:rPr>
+              <a:t>ICAM</a:t>
+            </a:r>
+            <a:r>
+              <a:rPr b="1" lang="en-GB" sz="1400" spc="-1" strike="noStrike">
+                <a:solidFill>
+                  <a:srgbClr val="002060"/>
+                </a:solidFill>
+                <a:latin typeface="Arial"/>
+                <a:ea typeface="Calibri"/>
+              </a:rPr>
+              <a:t>-BP</a:t>
+            </a:r>
+            <a:endParaRPr b="0" lang="en-GB" sz="1400" spc="-1" strike="noStrike">
+              <a:latin typeface="Arial"/>
+            </a:endParaRPr>
+          </a:p>
+          <a:p>
+            <a:pPr algn="ctr">
+              <a:lnSpc>
+                <a:spcPct val="90000"/>
+              </a:lnSpc>
+              <a:spcBef>
+                <a:spcPts val="1001"/>
+              </a:spcBef>
+            </a:pPr>
+            <a:r>
+              <a:rPr b="0" lang="en-GB" sz="1400" spc="-1" strike="noStrike">
+                <a:solidFill>
+                  <a:srgbClr val="000000"/>
+                </a:solidFill>
+                <a:latin typeface="Arial"/>
+                <a:ea typeface="Calibri"/>
+              </a:rPr>
+              <a:t>30</a:t>
+            </a:r>
+            <a:r>
+              <a:rPr b="0" lang="en-GB" sz="1400" spc="-1" strike="noStrike" baseline="30000">
+                <a:solidFill>
+                  <a:srgbClr val="000000"/>
+                </a:solidFill>
+                <a:latin typeface="Arial"/>
+                <a:ea typeface="Calibri"/>
+              </a:rPr>
+              <a:t>th</a:t>
+            </a:r>
+            <a:r>
+              <a:rPr b="0" lang="en-GB" sz="1400" spc="-1" strike="noStrike">
+                <a:solidFill>
+                  <a:srgbClr val="000000"/>
+                </a:solidFill>
+                <a:latin typeface="Arial"/>
+                <a:ea typeface="Calibri"/>
+              </a:rPr>
+              <a:t> June 2021</a:t>
+            </a:r>
+            <a:endParaRPr b="0" lang="en-GB" sz="1400" spc="-1" strike="noStrike">
+              <a:latin typeface="Arial"/>
+            </a:endParaRPr>
+          </a:p>
+        </p:txBody>
+      </p:sp>
+    </p:spTree>
+  </p:cSld>
+  <p:timing>
+    <p:tnLst>
+      <p:par>
+        <p:cTn id="19" dur="indefinite" restart="never" nodeType="tmRoot">
+          <p:childTnLst>
+            <p:seq>
+              <p:cTn id="20" dur="indefinite" nodeType="mainSeq"/>
+              <p:prevCondLst>
+                <p:cond delay="0" evt="onPrev">
+                  <p:tgtEl>
+                    <p:sldTgt/>
+                  </p:tgtEl>
+                </p:cond>
+              </p:prevCondLst>
+              <p:nextCondLst>
+                <p:cond delay="0" evt="onNext">
+                  <p:tgtEl>
+                    <p:sldTgt/>
+                  </p:tgtEl>
+                </p:cond>
+              </p:nextCondLst>
+            </p:seq>
+          </p:childTnLst>
+        </p:cTn>
+      </p:par>
+    </p:tnLst>
+  </p:timing>
+</p:sld>
+</file>
+
+<file path=ppt/slides/slide11.xml><?xml version="1.0" encoding="utf-8"?>
+<p:sld xmlns:a="http://schemas.openxmlformats.org/drawingml/2006/main" xmlns:p="http://schemas.openxmlformats.org/presentationml/2006/main" xmlns:r="http://schemas.openxmlformats.org/officeDocument/2006/relationships" xmlns:p14="http://schemas.microsoft.com/office/powerpoint/2010/main" xmlns:p15="http://schemas.microsoft.com/office/powerpoint/2012/main" xmlns:mc="http://schemas.openxmlformats.org/markup-compatibility/2006">
+  <p:cSld>
+    <p:spTree>
+      <p:nvGrpSpPr>
+        <p:cNvPr id="1" name=""/>
+        <p:cNvGrpSpPr/>
+        <p:nvPr/>
+      </p:nvGrpSpPr>
+      <p:grpSpPr>
+        <a:xfrm>
+          <a:off x="0" y="0"/>
+          <a:ext cx="0" cy="0"/>
+          <a:chOff x="0" y="0"/>
+          <a:chExt cx="0" cy="0"/>
+        </a:xfrm>
+      </p:grpSpPr>
+      <p:sp>
+        <p:nvSpPr>
+          <p:cNvPr id="164" name="CustomShape 1"/>
+          <p:cNvSpPr/>
+          <p:nvPr/>
+        </p:nvSpPr>
+        <p:spPr>
+          <a:xfrm>
+            <a:off x="7925040" y="1531440"/>
+            <a:ext cx="3413880" cy="3380760"/>
+          </a:xfrm>
+          <a:prstGeom prst="rect">
+            <a:avLst/>
+          </a:prstGeom>
+          <a:noFill/>
+          <a:ln>
+            <a:noFill/>
+          </a:ln>
+        </p:spPr>
+        <p:style>
+          <a:lnRef idx="0"/>
+          <a:fillRef idx="0"/>
+          <a:effectRef idx="0"/>
+          <a:fontRef idx="minor"/>
+        </p:style>
+        <p:txBody>
+          <a:bodyPr lIns="90000" rIns="90000" tIns="45000" bIns="45000"/>
+          <a:p>
+            <a:pPr>
+              <a:lnSpc>
+                <a:spcPct val="100000"/>
+              </a:lnSpc>
+              <a:spcAft>
+                <a:spcPts val="567"/>
+              </a:spcAft>
+            </a:pPr>
+            <a:r>
+              <a:rPr b="1" lang="en-GB" sz="1600" spc="-1" strike="noStrike">
+                <a:solidFill>
+                  <a:srgbClr val="000000"/>
+                </a:solidFill>
+                <a:latin typeface="calibri"/>
+                <a:ea typeface="Calibri"/>
+              </a:rPr>
+              <a:t>Near-future work</a:t>
+            </a:r>
+            <a:endParaRPr b="0" lang="en-GB" sz="1600" spc="-1" strike="noStrike">
+              <a:latin typeface="calibri"/>
+            </a:endParaRPr>
+          </a:p>
+          <a:p>
+            <a:pPr>
+              <a:lnSpc>
+                <a:spcPct val="100000"/>
+              </a:lnSpc>
+              <a:spcAft>
+                <a:spcPts val="567"/>
+              </a:spcAft>
+            </a:pPr>
+            <a:endParaRPr b="0" lang="en-GB" sz="1600" spc="-1" strike="noStrike">
+              <a:latin typeface="calibri"/>
+            </a:endParaRPr>
+          </a:p>
+          <a:p>
+            <a:pPr marL="285840" indent="-282600">
+              <a:lnSpc>
+                <a:spcPct val="100000"/>
+              </a:lnSpc>
+              <a:spcAft>
+                <a:spcPts val="567"/>
+              </a:spcAft>
+              <a:buClr>
+                <a:srgbClr val="000000"/>
+              </a:buClr>
+              <a:buFont typeface="Arial,Sans-Serif"/>
+              <a:buChar char="•"/>
+            </a:pPr>
+            <a:r>
+              <a:rPr b="0" lang="en-GB" sz="1600" spc="-1" strike="noStrike">
+                <a:solidFill>
+                  <a:srgbClr val="000000"/>
+                </a:solidFill>
+                <a:latin typeface="calibri"/>
+                <a:ea typeface="Calibri"/>
+              </a:rPr>
+              <a:t>Will be working with Dr. Obeysekara on the mixing tank problem (end of March)</a:t>
+            </a:r>
+            <a:endParaRPr b="0" lang="en-GB" sz="1600" spc="-1" strike="noStrike">
+              <a:latin typeface="calibri"/>
+            </a:endParaRPr>
+          </a:p>
+          <a:p>
+            <a:pPr marL="285840" indent="-282600">
+              <a:lnSpc>
+                <a:spcPct val="100000"/>
+              </a:lnSpc>
+              <a:spcAft>
+                <a:spcPts val="567"/>
+              </a:spcAft>
+              <a:buClr>
+                <a:srgbClr val="000000"/>
+              </a:buClr>
+              <a:buFont typeface="Arial,Sans-Serif"/>
+              <a:buChar char="•"/>
+            </a:pPr>
+            <a:r>
+              <a:rPr b="0" lang="en-GB" sz="1600" spc="-1" strike="noStrike">
+                <a:solidFill>
+                  <a:srgbClr val="000000"/>
+                </a:solidFill>
+                <a:latin typeface="calibri"/>
+                <a:ea typeface="Calibri"/>
+              </a:rPr>
+              <a:t>2D 1st order square wave DG-FEM (end of March)</a:t>
+            </a:r>
+            <a:endParaRPr b="0" lang="en-GB" sz="1600" spc="-1" strike="noStrike">
+              <a:latin typeface="calibri"/>
+            </a:endParaRPr>
+          </a:p>
+          <a:p>
+            <a:pPr marL="285840" indent="-282600">
+              <a:lnSpc>
+                <a:spcPct val="100000"/>
+              </a:lnSpc>
+              <a:spcAft>
+                <a:spcPts val="567"/>
+              </a:spcAft>
+              <a:buClr>
+                <a:srgbClr val="000000"/>
+              </a:buClr>
+              <a:buFont typeface="Arial,Sans-Serif"/>
+              <a:buChar char="•"/>
+            </a:pPr>
+            <a:r>
+              <a:rPr b="0" lang="en-GB" sz="1600" spc="-1" strike="noStrike">
+                <a:solidFill>
+                  <a:srgbClr val="000000"/>
+                </a:solidFill>
+                <a:latin typeface="calibri"/>
+                <a:ea typeface="Calibri"/>
+              </a:rPr>
+              <a:t>semi-structured 2D DG-FEM. </a:t>
+            </a:r>
+            <a:endParaRPr b="0" lang="en-GB" sz="1600" spc="-1" strike="noStrike">
+              <a:latin typeface="calibri"/>
+            </a:endParaRPr>
+          </a:p>
+          <a:p>
+            <a:pPr marL="285840" indent="-282600">
+              <a:lnSpc>
+                <a:spcPct val="100000"/>
+              </a:lnSpc>
+              <a:spcAft>
+                <a:spcPts val="567"/>
+              </a:spcAft>
+              <a:buClr>
+                <a:srgbClr val="000000"/>
+              </a:buClr>
+              <a:buFont typeface="Arial"/>
+              <a:buChar char="•"/>
+            </a:pPr>
+            <a:r>
+              <a:rPr b="0" lang="en-GB" sz="1600" spc="-1" strike="noStrike">
+                <a:solidFill>
+                  <a:srgbClr val="000000"/>
+                </a:solidFill>
+                <a:latin typeface="calibri"/>
+                <a:ea typeface="Calibri"/>
+              </a:rPr>
+              <a:t>Will be work with Prof. Pain and others on the Fortran code for semi-structured and with space-time  within</a:t>
+            </a:r>
+            <a:br/>
+            <a:r>
+              <a:rPr b="0" lang="en-GB" sz="1600" spc="-1" strike="noStrike">
+                <a:solidFill>
+                  <a:srgbClr val="000000"/>
+                </a:solidFill>
+                <a:latin typeface="calibri"/>
+                <a:ea typeface="Calibri"/>
+              </a:rPr>
+              <a:t>ICFERST/FLUIDITY.</a:t>
+            </a:r>
+            <a:endParaRPr b="0" lang="en-GB" sz="1600" spc="-1" strike="noStrike">
+              <a:latin typeface="calibri"/>
+            </a:endParaRPr>
+          </a:p>
+          <a:p>
+            <a:pPr>
+              <a:lnSpc>
+                <a:spcPct val="100000"/>
+              </a:lnSpc>
+              <a:spcAft>
+                <a:spcPts val="567"/>
+              </a:spcAft>
+            </a:pPr>
+            <a:endParaRPr b="0" lang="en-GB" sz="1600" spc="-1" strike="noStrike">
+              <a:latin typeface="calibri"/>
+            </a:endParaRPr>
+          </a:p>
+        </p:txBody>
+      </p:sp>
+      <p:pic>
+        <p:nvPicPr>
+          <p:cNvPr id="165" name="Picture 6" descr=""/>
+          <p:cNvPicPr/>
+          <p:nvPr/>
+        </p:nvPicPr>
+        <p:blipFill>
+          <a:blip r:embed="rId1"/>
+          <a:stretch/>
+        </p:blipFill>
+        <p:spPr>
+          <a:xfrm>
+            <a:off x="388440" y="333720"/>
+            <a:ext cx="1359000" cy="358560"/>
+          </a:xfrm>
+          <a:prstGeom prst="rect">
+            <a:avLst/>
+          </a:prstGeom>
+          <a:ln>
+            <a:noFill/>
+          </a:ln>
+        </p:spPr>
+      </p:pic>
+      <p:pic>
+        <p:nvPicPr>
+          <p:cNvPr id="166" name="Picture 6" descr=""/>
+          <p:cNvPicPr/>
+          <p:nvPr/>
+        </p:nvPicPr>
+        <p:blipFill>
+          <a:blip r:embed="rId2"/>
+          <a:stretch/>
+        </p:blipFill>
+        <p:spPr>
+          <a:xfrm>
+            <a:off x="10336680" y="334800"/>
+            <a:ext cx="984600" cy="1272600"/>
+          </a:xfrm>
+          <a:prstGeom prst="rect">
+            <a:avLst/>
+          </a:prstGeom>
+          <a:ln>
+            <a:noFill/>
+          </a:ln>
+        </p:spPr>
+      </p:pic>
+      <p:sp>
+        <p:nvSpPr>
+          <p:cNvPr id="167" name="CustomShape 2"/>
+          <p:cNvSpPr/>
+          <p:nvPr/>
+        </p:nvSpPr>
+        <p:spPr>
+          <a:xfrm>
+            <a:off x="638280" y="1531440"/>
+            <a:ext cx="3347280" cy="2832120"/>
+          </a:xfrm>
+          <a:prstGeom prst="rect">
+            <a:avLst/>
+          </a:prstGeom>
+          <a:noFill/>
+          <a:ln>
+            <a:noFill/>
+          </a:ln>
+        </p:spPr>
+        <p:style>
+          <a:lnRef idx="0"/>
+          <a:fillRef idx="0"/>
+          <a:effectRef idx="0"/>
+          <a:fontRef idx="minor"/>
+        </p:style>
+        <p:txBody>
+          <a:bodyPr lIns="90000" rIns="90000" tIns="45000" bIns="45000"/>
+          <a:p>
+            <a:pPr>
+              <a:lnSpc>
+                <a:spcPct val="100000"/>
+              </a:lnSpc>
+              <a:spcAft>
+                <a:spcPts val="567"/>
+              </a:spcAft>
+            </a:pPr>
+            <a:r>
+              <a:rPr b="1" lang="en-GB" sz="1600" spc="-1" strike="noStrike">
+                <a:solidFill>
+                  <a:srgbClr val="000000"/>
+                </a:solidFill>
+                <a:latin typeface="calibri"/>
+                <a:ea typeface="Calibri"/>
+              </a:rPr>
+              <a:t>Regular weekly meetings</a:t>
+            </a:r>
+            <a:endParaRPr b="0" lang="en-GB" sz="1600" spc="-1" strike="noStrike">
+              <a:latin typeface="calibri"/>
+            </a:endParaRPr>
+          </a:p>
+          <a:p>
+            <a:pPr>
+              <a:lnSpc>
+                <a:spcPct val="100000"/>
+              </a:lnSpc>
+              <a:spcAft>
+                <a:spcPts val="567"/>
+              </a:spcAft>
+            </a:pPr>
+            <a:endParaRPr b="0" lang="en-GB" sz="1600" spc="-1" strike="noStrike">
+              <a:latin typeface="calibri"/>
+            </a:endParaRPr>
+          </a:p>
+          <a:p>
+            <a:pPr marL="285840" indent="-282600">
+              <a:lnSpc>
+                <a:spcPct val="100000"/>
+              </a:lnSpc>
+              <a:spcAft>
+                <a:spcPts val="567"/>
+              </a:spcAft>
+              <a:buClr>
+                <a:srgbClr val="000000"/>
+              </a:buClr>
+              <a:buFont typeface="Arial"/>
+              <a:buChar char="•"/>
+            </a:pPr>
+            <a:r>
+              <a:rPr b="0" lang="en-GB" sz="1600" spc="-1" strike="noStrike">
+                <a:solidFill>
+                  <a:srgbClr val="000000"/>
+                </a:solidFill>
+                <a:latin typeface="calibri"/>
+                <a:ea typeface="Calibri"/>
+              </a:rPr>
+              <a:t>AMCG catch-up</a:t>
+            </a:r>
+            <a:endParaRPr b="0" lang="en-GB" sz="1600" spc="-1" strike="noStrike">
+              <a:latin typeface="calibri"/>
+            </a:endParaRPr>
+          </a:p>
+          <a:p>
+            <a:pPr marL="285840" indent="-282600">
+              <a:lnSpc>
+                <a:spcPct val="100000"/>
+              </a:lnSpc>
+              <a:spcAft>
+                <a:spcPts val="567"/>
+              </a:spcAft>
+              <a:buClr>
+                <a:srgbClr val="000000"/>
+              </a:buClr>
+              <a:buFont typeface="Arial"/>
+              <a:buChar char="•"/>
+            </a:pPr>
+            <a:r>
+              <a:rPr b="0" lang="en-GB" sz="1600" spc="-1" strike="noStrike">
+                <a:solidFill>
+                  <a:srgbClr val="000000"/>
+                </a:solidFill>
+                <a:latin typeface="calibri"/>
+                <a:ea typeface="Calibri"/>
+              </a:rPr>
+              <a:t>Porous media/Inertia</a:t>
+            </a:r>
+            <a:endParaRPr b="0" lang="en-GB" sz="1600" spc="-1" strike="noStrike">
+              <a:latin typeface="calibri"/>
+            </a:endParaRPr>
+          </a:p>
+          <a:p>
+            <a:pPr marL="285840" indent="-282600">
+              <a:lnSpc>
+                <a:spcPct val="100000"/>
+              </a:lnSpc>
+              <a:spcAft>
+                <a:spcPts val="567"/>
+              </a:spcAft>
+              <a:buClr>
+                <a:srgbClr val="000000"/>
+              </a:buClr>
+              <a:buFont typeface="Arial"/>
+              <a:buChar char="•"/>
+            </a:pPr>
+            <a:r>
+              <a:rPr b="0" lang="en-GB" sz="1600" spc="-1" strike="noStrike">
+                <a:solidFill>
+                  <a:srgbClr val="000000"/>
+                </a:solidFill>
+                <a:latin typeface="calibri"/>
+                <a:ea typeface="Calibri"/>
+              </a:rPr>
+              <a:t>BP catch-up </a:t>
+            </a:r>
+            <a:endParaRPr b="0" lang="en-GB" sz="1600" spc="-1" strike="noStrike">
+              <a:latin typeface="calibri"/>
+            </a:endParaRPr>
+          </a:p>
+          <a:p>
+            <a:pPr>
+              <a:lnSpc>
+                <a:spcPct val="100000"/>
+              </a:lnSpc>
+              <a:spcAft>
+                <a:spcPts val="567"/>
+              </a:spcAft>
+            </a:pPr>
+            <a:endParaRPr b="0" lang="en-GB" sz="1600" spc="-1" strike="noStrike">
+              <a:latin typeface="calibri"/>
+            </a:endParaRPr>
+          </a:p>
+          <a:p>
+            <a:pPr>
+              <a:lnSpc>
+                <a:spcPct val="100000"/>
+              </a:lnSpc>
+              <a:spcAft>
+                <a:spcPts val="567"/>
+              </a:spcAft>
+            </a:pPr>
+            <a:endParaRPr b="0" lang="en-GB" sz="1600" spc="-1" strike="noStrike">
+              <a:latin typeface="calibri"/>
+            </a:endParaRPr>
+          </a:p>
+          <a:p>
+            <a:pPr>
+              <a:lnSpc>
+                <a:spcPct val="100000"/>
+              </a:lnSpc>
+              <a:spcAft>
+                <a:spcPts val="567"/>
+              </a:spcAft>
+            </a:pPr>
+            <a:endParaRPr b="0" lang="en-GB" sz="1600" spc="-1" strike="noStrike">
+              <a:latin typeface="calibri"/>
+            </a:endParaRPr>
+          </a:p>
+        </p:txBody>
+      </p:sp>
+      <p:sp>
+        <p:nvSpPr>
+          <p:cNvPr id="168" name="CustomShape 3"/>
+          <p:cNvSpPr/>
+          <p:nvPr/>
+        </p:nvSpPr>
+        <p:spPr>
+          <a:xfrm>
+            <a:off x="4140000" y="1531440"/>
+            <a:ext cx="3347280" cy="2832120"/>
+          </a:xfrm>
+          <a:prstGeom prst="rect">
+            <a:avLst/>
+          </a:prstGeom>
+          <a:noFill/>
+          <a:ln>
+            <a:noFill/>
+          </a:ln>
+        </p:spPr>
+        <p:style>
+          <a:lnRef idx="0"/>
+          <a:fillRef idx="0"/>
+          <a:effectRef idx="0"/>
+          <a:fontRef idx="minor"/>
+        </p:style>
+        <p:txBody>
+          <a:bodyPr lIns="90000" rIns="90000" tIns="45000" bIns="45000"/>
+          <a:p>
+            <a:pPr>
+              <a:lnSpc>
+                <a:spcPct val="100000"/>
+              </a:lnSpc>
+              <a:spcAft>
+                <a:spcPts val="567"/>
+              </a:spcAft>
+            </a:pPr>
+            <a:r>
+              <a:rPr b="1" lang="en-GB" sz="1600" spc="-1" strike="noStrike">
+                <a:solidFill>
+                  <a:srgbClr val="000000"/>
+                </a:solidFill>
+                <a:latin typeface="calibri"/>
+                <a:ea typeface="Calibri"/>
+              </a:rPr>
+              <a:t>Theory</a:t>
+            </a:r>
+            <a:endParaRPr b="0" lang="en-GB" sz="1600" spc="-1" strike="noStrike">
+              <a:latin typeface="calibri"/>
+            </a:endParaRPr>
+          </a:p>
+          <a:p>
+            <a:pPr>
+              <a:lnSpc>
+                <a:spcPct val="100000"/>
+              </a:lnSpc>
+              <a:spcAft>
+                <a:spcPts val="567"/>
+              </a:spcAft>
+            </a:pPr>
+            <a:endParaRPr b="0" lang="en-GB" sz="1600" spc="-1" strike="noStrike">
+              <a:latin typeface="calibri"/>
+            </a:endParaRPr>
+          </a:p>
+          <a:p>
+            <a:pPr marL="285840" indent="-282600">
+              <a:lnSpc>
+                <a:spcPct val="100000"/>
+              </a:lnSpc>
+              <a:spcAft>
+                <a:spcPts val="567"/>
+              </a:spcAft>
+              <a:buClr>
+                <a:srgbClr val="000000"/>
+              </a:buClr>
+              <a:buFont typeface="Arial"/>
+              <a:buChar char="•"/>
+            </a:pPr>
+            <a:r>
+              <a:rPr b="0" lang="en-GB" sz="1600" spc="-1" strike="noStrike">
+                <a:solidFill>
+                  <a:srgbClr val="000000"/>
+                </a:solidFill>
+                <a:latin typeface="calibri"/>
+                <a:ea typeface="Calibri"/>
+              </a:rPr>
+              <a:t>Delaunay and barycenter triangulation (a few days)</a:t>
+            </a:r>
+            <a:endParaRPr b="0" lang="en-GB" sz="1600" spc="-1" strike="noStrike">
+              <a:latin typeface="calibri"/>
+            </a:endParaRPr>
+          </a:p>
+          <a:p>
+            <a:pPr marL="285840" indent="-282600">
+              <a:lnSpc>
+                <a:spcPct val="100000"/>
+              </a:lnSpc>
+              <a:spcAft>
+                <a:spcPts val="567"/>
+              </a:spcAft>
+              <a:buClr>
+                <a:srgbClr val="000000"/>
+              </a:buClr>
+              <a:buFont typeface="Arial"/>
+              <a:buChar char="•"/>
+            </a:pPr>
+            <a:r>
+              <a:rPr b="0" lang="en-GB" sz="1600" spc="-1" strike="noStrike">
+                <a:solidFill>
+                  <a:srgbClr val="000000"/>
+                </a:solidFill>
+                <a:latin typeface="calibri"/>
+                <a:ea typeface="Calibri"/>
+              </a:rPr>
+              <a:t>Voronoi diagram</a:t>
+            </a:r>
+            <a:endParaRPr b="0" lang="en-GB" sz="1600" spc="-1" strike="noStrike">
+              <a:latin typeface="calibri"/>
+            </a:endParaRPr>
+          </a:p>
+          <a:p>
+            <a:pPr marL="285840" indent="-282600">
+              <a:lnSpc>
+                <a:spcPct val="100000"/>
+              </a:lnSpc>
+              <a:spcAft>
+                <a:spcPts val="567"/>
+              </a:spcAft>
+              <a:buClr>
+                <a:srgbClr val="000000"/>
+              </a:buClr>
+              <a:buFont typeface="Arial"/>
+              <a:buChar char="•"/>
+            </a:pPr>
+            <a:r>
+              <a:rPr b="0" lang="en-GB" sz="1600" spc="-1" strike="noStrike">
+                <a:solidFill>
+                  <a:srgbClr val="000000"/>
+                </a:solidFill>
+                <a:latin typeface="calibri"/>
+                <a:ea typeface="Calibri"/>
+              </a:rPr>
+              <a:t>Structured mesh generation</a:t>
+            </a:r>
+            <a:endParaRPr b="0" lang="en-GB" sz="1600" spc="-1" strike="noStrike">
+              <a:latin typeface="calibri"/>
+            </a:endParaRPr>
+          </a:p>
+          <a:p>
+            <a:pPr marL="285840" indent="-282600">
+              <a:lnSpc>
+                <a:spcPct val="100000"/>
+              </a:lnSpc>
+              <a:spcAft>
+                <a:spcPts val="567"/>
+              </a:spcAft>
+              <a:buClr>
+                <a:srgbClr val="000000"/>
+              </a:buClr>
+              <a:buFont typeface="Arial"/>
+              <a:buChar char="•"/>
+            </a:pPr>
+            <a:r>
+              <a:rPr b="0" lang="en-GB" sz="1600" spc="-1" strike="noStrike">
+                <a:solidFill>
+                  <a:srgbClr val="000000"/>
+                </a:solidFill>
+                <a:latin typeface="calibri"/>
+                <a:ea typeface="Calibri"/>
+              </a:rPr>
+              <a:t>Unstructured mesh generation (~a month) </a:t>
+            </a:r>
+            <a:endParaRPr b="0" lang="en-GB" sz="1600" spc="-1" strike="noStrike">
+              <a:latin typeface="calibri"/>
+            </a:endParaRPr>
+          </a:p>
+          <a:p>
+            <a:pPr marL="285840" indent="-282600">
+              <a:lnSpc>
+                <a:spcPct val="100000"/>
+              </a:lnSpc>
+              <a:spcAft>
+                <a:spcPts val="567"/>
+              </a:spcAft>
+              <a:buClr>
+                <a:srgbClr val="000000"/>
+              </a:buClr>
+              <a:buFont typeface="Arial"/>
+              <a:buChar char="•"/>
+            </a:pPr>
+            <a:r>
+              <a:rPr b="0" lang="en-GB" sz="1600" spc="-1" strike="noStrike">
+                <a:solidFill>
+                  <a:srgbClr val="000000"/>
+                </a:solidFill>
+                <a:latin typeface="calibri"/>
+                <a:ea typeface="Calibri"/>
+              </a:rPr>
+              <a:t>Semi-structured mesh</a:t>
+            </a:r>
+            <a:endParaRPr b="0" lang="en-GB" sz="1600" spc="-1" strike="noStrike">
+              <a:latin typeface="calibri"/>
+            </a:endParaRPr>
+          </a:p>
+          <a:p>
+            <a:pPr>
+              <a:lnSpc>
+                <a:spcPct val="100000"/>
+              </a:lnSpc>
+              <a:spcAft>
+                <a:spcPts val="567"/>
+              </a:spcAft>
+            </a:pPr>
+            <a:endParaRPr b="0" lang="en-GB" sz="1600" spc="-1" strike="noStrike">
+              <a:latin typeface="calibri"/>
+            </a:endParaRPr>
+          </a:p>
+          <a:p>
+            <a:pPr>
+              <a:lnSpc>
+                <a:spcPct val="100000"/>
+              </a:lnSpc>
+              <a:spcAft>
+                <a:spcPts val="567"/>
+              </a:spcAft>
+            </a:pPr>
+            <a:endParaRPr b="0" lang="en-GB" sz="1600" spc="-1" strike="noStrike">
+              <a:latin typeface="calibri"/>
+            </a:endParaRPr>
+          </a:p>
+          <a:p>
+            <a:pPr>
+              <a:lnSpc>
+                <a:spcPct val="100000"/>
+              </a:lnSpc>
+              <a:spcAft>
+                <a:spcPts val="567"/>
+              </a:spcAft>
+            </a:pPr>
+            <a:endParaRPr b="0" lang="en-GB" sz="1600" spc="-1" strike="noStrike">
+              <a:latin typeface="calibri"/>
+            </a:endParaRPr>
+          </a:p>
+        </p:txBody>
+      </p:sp>
+      <p:sp>
+        <p:nvSpPr>
+          <p:cNvPr id="169" name="CustomShape 4"/>
+          <p:cNvSpPr/>
+          <p:nvPr/>
+        </p:nvSpPr>
+        <p:spPr>
+          <a:xfrm>
+            <a:off x="4833360" y="6238080"/>
+            <a:ext cx="2523600" cy="470880"/>
+          </a:xfrm>
+          <a:prstGeom prst="rect">
+            <a:avLst/>
+          </a:prstGeom>
+          <a:noFill/>
+          <a:ln>
+            <a:noFill/>
+          </a:ln>
+        </p:spPr>
+        <p:style>
+          <a:lnRef idx="0"/>
+          <a:fillRef idx="0"/>
+          <a:effectRef idx="0"/>
+          <a:fontRef idx="minor"/>
+        </p:style>
+        <p:txBody>
+          <a:bodyPr lIns="90000" rIns="90000" tIns="45000" bIns="45000"/>
+          <a:p>
+            <a:pPr algn="ctr">
+              <a:lnSpc>
+                <a:spcPct val="90000"/>
+              </a:lnSpc>
+              <a:spcBef>
+                <a:spcPts val="1001"/>
+              </a:spcBef>
+            </a:pPr>
+            <a:r>
+              <a:rPr b="1" lang="en-GB" sz="1400" spc="-1" strike="noStrike">
+                <a:solidFill>
+                  <a:srgbClr val="002060"/>
+                </a:solidFill>
+                <a:latin typeface="Arial"/>
+                <a:ea typeface="Calibri"/>
+              </a:rPr>
+              <a:t>ICL-</a:t>
+            </a:r>
+            <a:r>
+              <a:rPr b="1" lang="en-GB" sz="1400" spc="-1" strike="noStrike">
+                <a:solidFill>
+                  <a:srgbClr val="0070c0"/>
+                </a:solidFill>
+                <a:latin typeface="Arial"/>
+                <a:ea typeface="Calibri"/>
+              </a:rPr>
+              <a:t>ICAM</a:t>
+            </a:r>
+            <a:r>
+              <a:rPr b="1" lang="en-GB" sz="1400" spc="-1" strike="noStrike">
+                <a:solidFill>
+                  <a:srgbClr val="002060"/>
+                </a:solidFill>
+                <a:latin typeface="Arial"/>
+                <a:ea typeface="Calibri"/>
+              </a:rPr>
+              <a:t>-BP</a:t>
+            </a:r>
+            <a:endParaRPr b="0" lang="en-GB" sz="1400" spc="-1" strike="noStrike">
+              <a:latin typeface="Arial"/>
+            </a:endParaRPr>
+          </a:p>
+          <a:p>
+            <a:pPr algn="ctr">
+              <a:lnSpc>
+                <a:spcPct val="90000"/>
+              </a:lnSpc>
+              <a:spcBef>
+                <a:spcPts val="1001"/>
+              </a:spcBef>
+            </a:pPr>
+            <a:r>
+              <a:rPr b="0" lang="en-GB" sz="1400" spc="-1" strike="noStrike">
+                <a:solidFill>
+                  <a:srgbClr val="000000"/>
+                </a:solidFill>
+                <a:latin typeface="Arial"/>
+                <a:ea typeface="Calibri"/>
+              </a:rPr>
+              <a:t>24</a:t>
+            </a:r>
+            <a:r>
+              <a:rPr b="0" lang="en-GB" sz="1400" spc="-1" strike="noStrike" baseline="30000">
+                <a:solidFill>
+                  <a:srgbClr val="000000"/>
+                </a:solidFill>
+                <a:latin typeface="Arial"/>
+                <a:ea typeface="Calibri"/>
+              </a:rPr>
+              <a:t>th</a:t>
+            </a:r>
+            <a:r>
+              <a:rPr b="0" lang="en-GB" sz="1400" spc="-1" strike="noStrike">
+                <a:solidFill>
+                  <a:srgbClr val="000000"/>
+                </a:solidFill>
+                <a:latin typeface="Arial"/>
+                <a:ea typeface="Calibri"/>
+              </a:rPr>
+              <a:t> March 2021</a:t>
+            </a:r>
+            <a:endParaRPr b="0" lang="en-GB" sz="1400" spc="-1" strike="noStrike">
+              <a:latin typeface="Arial"/>
+            </a:endParaRPr>
+          </a:p>
+        </p:txBody>
+      </p:sp>
+    </p:spTree>
+  </p:cSld>
+  <p:timing>
+    <p:tnLst>
+      <p:par>
+        <p:cTn id="21" dur="indefinite" restart="never" nodeType="tmRoot">
+          <p:childTnLst>
+            <p:seq>
+              <p:cTn id="22" dur="indefinite" nodeType="mainSeq"/>
+              <p:prevCondLst>
+                <p:cond delay="0" evt="onPrev">
+                  <p:tgtEl>
+                    <p:sldTgt/>
+                  </p:tgtEl>
+                </p:cond>
+              </p:prevCondLst>
+              <p:nextCondLst>
+                <p:cond delay="0" evt="onNext">
+                  <p:tgtEl>
+                    <p:sldTgt/>
+                  </p:tgtEl>
+                </p:cond>
+              </p:nextCondLst>
+            </p:seq>
+          </p:childTnLst>
+        </p:cTn>
+      </p:par>
+    </p:tnLst>
+  </p:timing>
+</p:sld>
+</file>
+
+<file path=ppt/slides/slide12.xml><?xml version="1.0" encoding="utf-8"?>
+<p:sld xmlns:a="http://schemas.openxmlformats.org/drawingml/2006/main" xmlns:p="http://schemas.openxmlformats.org/presentationml/2006/main" xmlns:r="http://schemas.openxmlformats.org/officeDocument/2006/relationships" xmlns:p14="http://schemas.microsoft.com/office/powerpoint/2010/main" xmlns:p15="http://schemas.microsoft.com/office/powerpoint/2012/main" xmlns:mc="http://schemas.openxmlformats.org/markup-compatibility/2006">
+  <p:cSld>
+    <p:spTree>
+      <p:nvGrpSpPr>
+        <p:cNvPr id="1" name=""/>
+        <p:cNvGrpSpPr/>
+        <p:nvPr/>
+      </p:nvGrpSpPr>
+      <p:grpSpPr>
+        <a:xfrm>
+          <a:off x="0" y="0"/>
+          <a:ext cx="0" cy="0"/>
+          <a:chOff x="0" y="0"/>
+          <a:chExt cx="0" cy="0"/>
+        </a:xfrm>
+      </p:grpSpPr>
+      <p:pic>
+        <p:nvPicPr>
+          <p:cNvPr id="170" name="Picture 6" descr=""/>
+          <p:cNvPicPr/>
+          <p:nvPr/>
+        </p:nvPicPr>
+        <p:blipFill>
+          <a:blip r:embed="rId1"/>
+          <a:stretch/>
+        </p:blipFill>
+        <p:spPr>
+          <a:xfrm>
+            <a:off x="388440" y="333720"/>
+            <a:ext cx="1359000" cy="358560"/>
+          </a:xfrm>
+          <a:prstGeom prst="rect">
+            <a:avLst/>
+          </a:prstGeom>
+          <a:ln>
+            <a:noFill/>
+          </a:ln>
+        </p:spPr>
+      </p:pic>
+      <p:pic>
+        <p:nvPicPr>
+          <p:cNvPr id="171" name="Picture 6" descr=""/>
+          <p:cNvPicPr/>
+          <p:nvPr/>
+        </p:nvPicPr>
+        <p:blipFill>
+          <a:blip r:embed="rId2"/>
+          <a:stretch/>
+        </p:blipFill>
+        <p:spPr>
+          <a:xfrm>
+            <a:off x="10336680" y="334800"/>
+            <a:ext cx="984600" cy="1272600"/>
+          </a:xfrm>
+          <a:prstGeom prst="rect">
+            <a:avLst/>
+          </a:prstGeom>
+          <a:ln>
+            <a:noFill/>
+          </a:ln>
+        </p:spPr>
+      </p:pic>
+      <p:sp>
+        <p:nvSpPr>
+          <p:cNvPr id="172" name="CustomShape 1"/>
+          <p:cNvSpPr/>
+          <p:nvPr/>
+        </p:nvSpPr>
+        <p:spPr>
+          <a:xfrm>
+            <a:off x="4833360" y="6238080"/>
+            <a:ext cx="2523600" cy="470880"/>
+          </a:xfrm>
+          <a:prstGeom prst="rect">
+            <a:avLst/>
+          </a:prstGeom>
+          <a:noFill/>
+          <a:ln>
+            <a:noFill/>
+          </a:ln>
+        </p:spPr>
+        <p:style>
+          <a:lnRef idx="0"/>
+          <a:fillRef idx="0"/>
+          <a:effectRef idx="0"/>
+          <a:fontRef idx="minor"/>
+        </p:style>
+        <p:txBody>
+          <a:bodyPr lIns="90000" rIns="90000" tIns="45000" bIns="45000"/>
+          <a:p>
+            <a:pPr algn="ctr">
+              <a:lnSpc>
+                <a:spcPct val="90000"/>
+              </a:lnSpc>
+              <a:spcBef>
+                <a:spcPts val="1001"/>
+              </a:spcBef>
+            </a:pPr>
+            <a:r>
+              <a:rPr b="1" lang="en-GB" sz="1400" spc="-1" strike="noStrike">
+                <a:solidFill>
+                  <a:srgbClr val="002060"/>
+                </a:solidFill>
+                <a:latin typeface="Arial"/>
+                <a:ea typeface="Calibri"/>
+              </a:rPr>
+              <a:t>ICL-</a:t>
+            </a:r>
+            <a:r>
+              <a:rPr b="1" lang="en-GB" sz="1400" spc="-1" strike="noStrike">
+                <a:solidFill>
+                  <a:srgbClr val="0070c0"/>
+                </a:solidFill>
+                <a:latin typeface="Arial"/>
+                <a:ea typeface="Calibri"/>
+              </a:rPr>
+              <a:t>ICAM</a:t>
+            </a:r>
+            <a:r>
+              <a:rPr b="1" lang="en-GB" sz="1400" spc="-1" strike="noStrike">
+                <a:solidFill>
+                  <a:srgbClr val="002060"/>
+                </a:solidFill>
+                <a:latin typeface="Arial"/>
+                <a:ea typeface="Calibri"/>
+              </a:rPr>
+              <a:t>-BP</a:t>
+            </a:r>
+            <a:endParaRPr b="0" lang="en-GB" sz="1400" spc="-1" strike="noStrike">
+              <a:latin typeface="Arial"/>
+            </a:endParaRPr>
+          </a:p>
+          <a:p>
+            <a:pPr algn="ctr">
+              <a:lnSpc>
+                <a:spcPct val="90000"/>
+              </a:lnSpc>
+              <a:spcBef>
+                <a:spcPts val="1001"/>
+              </a:spcBef>
+            </a:pPr>
+            <a:r>
+              <a:rPr b="0" lang="en-GB" sz="1400" spc="-1" strike="noStrike">
+                <a:solidFill>
+                  <a:srgbClr val="000000"/>
+                </a:solidFill>
+                <a:latin typeface="Arial"/>
+                <a:ea typeface="Calibri"/>
+              </a:rPr>
+              <a:t>24</a:t>
+            </a:r>
+            <a:r>
+              <a:rPr b="0" lang="en-GB" sz="1400" spc="-1" strike="noStrike" baseline="30000">
+                <a:solidFill>
+                  <a:srgbClr val="000000"/>
+                </a:solidFill>
+                <a:latin typeface="Arial"/>
+                <a:ea typeface="Calibri"/>
+              </a:rPr>
+              <a:t>th</a:t>
+            </a:r>
+            <a:r>
+              <a:rPr b="0" lang="en-GB" sz="1400" spc="-1" strike="noStrike">
+                <a:solidFill>
+                  <a:srgbClr val="000000"/>
+                </a:solidFill>
+                <a:latin typeface="Arial"/>
+                <a:ea typeface="Calibri"/>
+              </a:rPr>
+              <a:t> March 2021</a:t>
+            </a:r>
+            <a:endParaRPr b="0" lang="en-GB" sz="1400" spc="-1" strike="noStrike">
+              <a:latin typeface="Arial"/>
+            </a:endParaRPr>
+          </a:p>
+        </p:txBody>
+      </p:sp>
+      <p:sp>
+        <p:nvSpPr>
+          <p:cNvPr id="173" name="CustomShape 2"/>
+          <p:cNvSpPr/>
+          <p:nvPr/>
+        </p:nvSpPr>
+        <p:spPr>
+          <a:xfrm>
+            <a:off x="5614920" y="3130200"/>
+            <a:ext cx="1153080" cy="596880"/>
+          </a:xfrm>
+          <a:prstGeom prst="rect">
+            <a:avLst/>
+          </a:prstGeom>
+          <a:noFill/>
+          <a:ln>
+            <a:noFill/>
+          </a:ln>
+        </p:spPr>
+        <p:style>
+          <a:lnRef idx="0"/>
+          <a:fillRef idx="0"/>
+          <a:effectRef idx="0"/>
+          <a:fontRef idx="minor"/>
+        </p:style>
+        <p:txBody>
+          <a:bodyPr lIns="90000" rIns="90000" tIns="45000" bIns="45000"/>
+          <a:p>
+            <a:pPr>
+              <a:lnSpc>
+                <a:spcPct val="100000"/>
+              </a:lnSpc>
+              <a:spcAft>
+                <a:spcPts val="567"/>
+              </a:spcAft>
+            </a:pPr>
+            <a:r>
+              <a:rPr b="1" lang="en-GB" sz="2800" spc="-1" strike="noStrike">
+                <a:solidFill>
+                  <a:srgbClr val="000000"/>
+                </a:solidFill>
+                <a:latin typeface="calibri"/>
+                <a:ea typeface="Calibri"/>
+              </a:rPr>
+              <a:t>END</a:t>
+            </a:r>
+            <a:endParaRPr b="0" lang="en-GB" sz="2800" spc="-1" strike="noStrike">
+              <a:latin typeface="calibri"/>
+            </a:endParaRPr>
+          </a:p>
+        </p:txBody>
+      </p:sp>
+    </p:spTree>
+  </p:cSld>
+  <p:timing>
+    <p:tnLst>
+      <p:par>
+        <p:cTn id="23" dur="indefinite" restart="never" nodeType="tmRoot">
+          <p:childTnLst>
+            <p:seq>
+              <p:cTn id="24" dur="indefinite" nodeType="mainSeq"/>
               <p:prevCondLst>
                 <p:cond delay="0" evt="onPrev">
                   <p:tgtEl>
@@ -5248,7 +5377,7 @@
       </p:grpSpPr>
       <p:pic>
         <p:nvPicPr>
-          <p:cNvPr id="123" name="Picture 6" descr=""/>
+          <p:cNvPr id="85" name="Picture 6" descr=""/>
           <p:cNvPicPr/>
           <p:nvPr/>
         </p:nvPicPr>
@@ -5259,7 +5388,7 @@
         <p:spPr>
           <a:xfrm>
             <a:off x="10336680" y="334800"/>
-            <a:ext cx="984960" cy="1272960"/>
+            <a:ext cx="984600" cy="1272600"/>
           </a:xfrm>
           <a:prstGeom prst="rect">
             <a:avLst/>
@@ -5271,7 +5400,7 @@
       </p:pic>
       <p:pic>
         <p:nvPicPr>
-          <p:cNvPr id="124" name="Picture 6" descr=""/>
+          <p:cNvPr id="86" name="Picture 6" descr=""/>
           <p:cNvPicPr/>
           <p:nvPr/>
         </p:nvPicPr>
@@ -5282,7 +5411,7 @@
         <p:spPr>
           <a:xfrm>
             <a:off x="388440" y="333720"/>
-            <a:ext cx="1359360" cy="358920"/>
+            <a:ext cx="1359000" cy="358560"/>
           </a:xfrm>
           <a:prstGeom prst="rect">
             <a:avLst/>
@@ -5294,14 +5423,14 @@
       </p:pic>
       <p:sp>
         <p:nvSpPr>
-          <p:cNvPr id="125" name="CustomShape 1"/>
+          <p:cNvPr id="87" name="CustomShape 1"/>
           <p:cNvSpPr/>
           <p:nvPr/>
         </p:nvSpPr>
         <p:spPr>
           <a:xfrm>
             <a:off x="875880" y="827640"/>
-            <a:ext cx="9231840" cy="1115280"/>
+            <a:ext cx="9231480" cy="1114920"/>
           </a:xfrm>
           <a:prstGeom prst="rect">
             <a:avLst/>
@@ -5343,7 +5472,7 @@
       </p:sp>
       <p:pic>
         <p:nvPicPr>
-          <p:cNvPr id="126" name="Picture 8" descr=""/>
+          <p:cNvPr id="88" name="Picture 8" descr=""/>
           <p:cNvPicPr/>
           <p:nvPr/>
         </p:nvPicPr>
@@ -5354,7 +5483,7 @@
         <p:spPr>
           <a:xfrm>
             <a:off x="7357320" y="2428200"/>
-            <a:ext cx="3984480" cy="2421000"/>
+            <a:ext cx="3984120" cy="2420640"/>
           </a:xfrm>
           <a:prstGeom prst="rect">
             <a:avLst/>
@@ -5366,14 +5495,14 @@
       </p:pic>
       <p:sp>
         <p:nvSpPr>
-          <p:cNvPr id="127" name="CustomShape 2"/>
+          <p:cNvPr id="89" name="CustomShape 2"/>
           <p:cNvSpPr/>
           <p:nvPr/>
         </p:nvSpPr>
         <p:spPr>
           <a:xfrm>
             <a:off x="4281120" y="4844160"/>
-            <a:ext cx="2699640" cy="302040"/>
+            <a:ext cx="2699280" cy="301680"/>
           </a:xfrm>
           <a:prstGeom prst="rect">
             <a:avLst/>
@@ -5415,14 +5544,14 @@
       </p:sp>
       <p:sp>
         <p:nvSpPr>
-          <p:cNvPr id="128" name="CustomShape 3"/>
+          <p:cNvPr id="90" name="CustomShape 3"/>
           <p:cNvSpPr/>
           <p:nvPr/>
         </p:nvSpPr>
         <p:spPr>
           <a:xfrm>
             <a:off x="7272000" y="4848840"/>
-            <a:ext cx="3815640" cy="333360"/>
+            <a:ext cx="3815280" cy="333000"/>
           </a:xfrm>
           <a:prstGeom prst="rect">
             <a:avLst/>
@@ -5464,7 +5593,7 @@
       </p:sp>
       <p:pic>
         <p:nvPicPr>
-          <p:cNvPr id="129" name="" descr=""/>
+          <p:cNvPr id="91" name="" descr=""/>
           <p:cNvPicPr/>
           <p:nvPr/>
         </p:nvPicPr>
@@ -5477,7 +5606,7 @@
         <p:spPr>
           <a:xfrm>
             <a:off x="4407840" y="2196000"/>
-            <a:ext cx="2318760" cy="2590920"/>
+            <a:ext cx="2318400" cy="2590560"/>
           </a:xfrm>
           <a:prstGeom prst="rect">
             <a:avLst/>
@@ -5489,14 +5618,14 @@
       </p:pic>
       <p:sp>
         <p:nvSpPr>
-          <p:cNvPr id="130" name="CustomShape 4"/>
+          <p:cNvPr id="92" name="CustomShape 4"/>
           <p:cNvSpPr/>
           <p:nvPr/>
         </p:nvSpPr>
         <p:spPr>
           <a:xfrm>
             <a:off x="504000" y="2144160"/>
-            <a:ext cx="3310920" cy="302760"/>
+            <a:ext cx="3310560" cy="302400"/>
           </a:xfrm>
           <a:prstGeom prst="rect">
             <a:avLst/>
@@ -5548,14 +5677,14 @@
       </p:sp>
       <p:sp>
         <p:nvSpPr>
-          <p:cNvPr id="131" name="CustomShape 5"/>
+          <p:cNvPr id="93" name="CustomShape 5"/>
           <p:cNvSpPr/>
           <p:nvPr/>
         </p:nvSpPr>
         <p:spPr>
           <a:xfrm>
             <a:off x="504000" y="2540160"/>
-            <a:ext cx="3310920" cy="1346760"/>
+            <a:ext cx="3310560" cy="1346400"/>
           </a:xfrm>
           <a:prstGeom prst="rect">
             <a:avLst/>
@@ -5617,14 +5746,14 @@
       </p:sp>
       <p:sp>
         <p:nvSpPr>
-          <p:cNvPr id="132" name="CustomShape 6"/>
+          <p:cNvPr id="94" name="CustomShape 6"/>
           <p:cNvSpPr/>
           <p:nvPr/>
         </p:nvSpPr>
         <p:spPr>
           <a:xfrm>
             <a:off x="4833360" y="6238440"/>
-            <a:ext cx="2523960" cy="471240"/>
+            <a:ext cx="2523600" cy="470880"/>
           </a:xfrm>
           <a:prstGeom prst="rect">
             <a:avLst/>
@@ -5679,17 +5808,7 @@
                 <a:latin typeface="Arial"/>
                 <a:ea typeface="Calibri"/>
               </a:rPr>
-              <a:t>-</a:t>
-            </a:r>
-            <a:r>
-              <a:rPr b="1" lang="en-GB" sz="1400" spc="-1" strike="noStrike">
-                <a:solidFill>
-                  <a:srgbClr val="002060"/>
-                </a:solidFill>
-                <a:latin typeface="Arial"/>
-                <a:ea typeface="Calibri"/>
-              </a:rPr>
-              <a:t>BP</a:t>
+              <a:t>-BP</a:t>
             </a:r>
             <a:endParaRPr b="0" lang="en-GB" sz="1400" spc="-1" strike="noStrike">
               <a:latin typeface="Arial"/>
@@ -5732,17 +5851,7 @@
                 <a:latin typeface="Arial"/>
                 <a:ea typeface="Calibri"/>
               </a:rPr>
-              <a:t> June </a:t>
-            </a:r>
-            <a:r>
-              <a:rPr b="0" lang="en-GB" sz="1400" spc="-1" strike="noStrike">
-                <a:solidFill>
-                  <a:srgbClr val="000000"/>
-                </a:solidFill>
-                <a:latin typeface="Arial"/>
-                <a:ea typeface="Calibri"/>
-              </a:rPr>
-              <a:t>2021</a:t>
+              <a:t> June 2021</a:t>
             </a:r>
             <a:endParaRPr b="0" lang="en-GB" sz="1400" spc="-1" strike="noStrike">
               <a:latin typeface="Arial"/>
@@ -5801,7 +5910,7 @@
       </p:grpSpPr>
       <p:pic>
         <p:nvPicPr>
-          <p:cNvPr id="133" name="Picture 6" descr=""/>
+          <p:cNvPr id="95" name="Picture 6" descr=""/>
           <p:cNvPicPr/>
           <p:nvPr/>
         </p:nvPicPr>
@@ -5812,7 +5921,7 @@
         <p:spPr>
           <a:xfrm>
             <a:off x="10336680" y="334800"/>
-            <a:ext cx="984960" cy="1272960"/>
+            <a:ext cx="984600" cy="1272600"/>
           </a:xfrm>
           <a:prstGeom prst="rect">
             <a:avLst/>
@@ -5824,7 +5933,7 @@
       </p:pic>
       <p:pic>
         <p:nvPicPr>
-          <p:cNvPr id="134" name="Picture 6" descr=""/>
+          <p:cNvPr id="96" name="Picture 6" descr=""/>
           <p:cNvPicPr/>
           <p:nvPr/>
         </p:nvPicPr>
@@ -5835,7 +5944,7 @@
         <p:spPr>
           <a:xfrm>
             <a:off x="388440" y="333720"/>
-            <a:ext cx="1359360" cy="358920"/>
+            <a:ext cx="1359000" cy="358560"/>
           </a:xfrm>
           <a:prstGeom prst="rect">
             <a:avLst/>
@@ -5847,14 +5956,14 @@
       </p:pic>
       <p:sp>
         <p:nvSpPr>
-          <p:cNvPr id="135" name="CustomShape 1"/>
+          <p:cNvPr id="97" name="CustomShape 1"/>
           <p:cNvSpPr/>
           <p:nvPr/>
         </p:nvSpPr>
         <p:spPr>
           <a:xfrm>
             <a:off x="504000" y="1244160"/>
-            <a:ext cx="3310920" cy="302760"/>
+            <a:ext cx="3310560" cy="302400"/>
           </a:xfrm>
           <a:prstGeom prst="rect">
             <a:avLst/>
@@ -5886,7 +5995,17 @@
                 <a:latin typeface="arial"/>
                 <a:ea typeface="Calibri"/>
               </a:rPr>
-              <a:t>Progress roadmap</a:t>
+              <a:t>Progress </a:t>
+            </a:r>
+            <a:r>
+              <a:rPr b="1" lang="en-GB" sz="1400" spc="-1" strike="noStrike">
+                <a:solidFill>
+                  <a:srgbClr val="000000"/>
+                </a:solidFill>
+                <a:latin typeface="calibri"/>
+                <a:ea typeface="Calibri"/>
+              </a:rPr>
+              <a:t>roadmap</a:t>
             </a:r>
             <a:endParaRPr b="1" lang="en-GB" sz="1400" spc="-1" strike="noStrike">
               <a:latin typeface="Arial"/>
@@ -5896,14 +6015,14 @@
       </p:sp>
       <p:sp>
         <p:nvSpPr>
-          <p:cNvPr id="136" name="CustomShape 2"/>
+          <p:cNvPr id="98" name="CustomShape 2"/>
           <p:cNvSpPr/>
           <p:nvPr/>
         </p:nvSpPr>
         <p:spPr>
           <a:xfrm>
             <a:off x="4021200" y="5265000"/>
-            <a:ext cx="4147920" cy="273240"/>
+            <a:ext cx="4147560" cy="272880"/>
           </a:xfrm>
           <a:prstGeom prst="rect">
             <a:avLst/>
@@ -5932,27 +6051,27 @@
                 <a:solidFill>
                   <a:srgbClr val="000000"/>
                 </a:solidFill>
-                <a:latin typeface="arial"/>
+                <a:latin typeface="calibri"/>
                 <a:ea typeface="DejaVu Sans"/>
               </a:rPr>
               <a:t>Figure 3. Work plan from April to June 2021</a:t>
             </a:r>
             <a:endParaRPr b="0" lang="en-GB" sz="1100" spc="-1" strike="noStrike">
-              <a:latin typeface="Arial"/>
-            </a:endParaRPr>
-          </a:p>
-        </p:txBody>
-      </p:sp>
-      <p:sp>
-        <p:nvSpPr>
-          <p:cNvPr id="137" name="CustomShape 3"/>
+              <a:latin typeface="calibri"/>
+            </a:endParaRPr>
+          </a:p>
+        </p:txBody>
+      </p:sp>
+      <p:sp>
+        <p:nvSpPr>
+          <p:cNvPr id="99" name="CustomShape 3"/>
           <p:cNvSpPr/>
           <p:nvPr/>
         </p:nvSpPr>
         <p:spPr>
           <a:xfrm>
             <a:off x="4833360" y="6238440"/>
-            <a:ext cx="2523960" cy="471240"/>
+            <a:ext cx="2523600" cy="470880"/>
           </a:xfrm>
           <a:prstGeom prst="rect">
             <a:avLst/>
@@ -6050,17 +6169,7 @@
                 <a:latin typeface="Arial"/>
                 <a:ea typeface="Calibri"/>
               </a:rPr>
-              <a:t> June </a:t>
-            </a:r>
-            <a:r>
-              <a:rPr b="0" lang="en-GB" sz="1400" spc="-1" strike="noStrike">
-                <a:solidFill>
-                  <a:srgbClr val="000000"/>
-                </a:solidFill>
-                <a:latin typeface="Arial"/>
-                <a:ea typeface="Calibri"/>
-              </a:rPr>
-              <a:t>2021</a:t>
+              <a:t> June 2021</a:t>
             </a:r>
             <a:endParaRPr b="0" lang="en-GB" sz="1400" spc="-1" strike="noStrike">
               <a:latin typeface="Arial"/>
@@ -6070,7 +6179,7 @@
       </p:sp>
       <p:pic>
         <p:nvPicPr>
-          <p:cNvPr id="138" name="" descr=""/>
+          <p:cNvPr id="100" name="" descr=""/>
           <p:cNvPicPr/>
           <p:nvPr/>
         </p:nvPicPr>
@@ -6080,8 +6189,8 @@
         </p:blipFill>
         <p:spPr>
           <a:xfrm>
-            <a:off x="288000" y="212040"/>
-            <a:ext cx="11399760" cy="6411960"/>
+            <a:off x="684000" y="608040"/>
+            <a:ext cx="10607400" cy="5966280"/>
           </a:xfrm>
           <a:prstGeom prst="rect">
             <a:avLst/>
@@ -6142,7 +6251,7 @@
       </p:grpSpPr>
       <p:pic>
         <p:nvPicPr>
-          <p:cNvPr id="139" name="Picture 6" descr=""/>
+          <p:cNvPr id="101" name="Picture 6" descr=""/>
           <p:cNvPicPr/>
           <p:nvPr/>
         </p:nvPicPr>
@@ -6152,8 +6261,8 @@
         </p:blipFill>
         <p:spPr>
           <a:xfrm>
-            <a:off x="388440" y="333720"/>
-            <a:ext cx="1359360" cy="358920"/>
+            <a:off x="10336680" y="334800"/>
+            <a:ext cx="984600" cy="1272600"/>
           </a:xfrm>
           <a:prstGeom prst="rect">
             <a:avLst/>
@@ -6165,7 +6274,7 @@
       </p:pic>
       <p:pic>
         <p:nvPicPr>
-          <p:cNvPr id="140" name="Picture 6" descr=""/>
+          <p:cNvPr id="102" name="Picture 6" descr=""/>
           <p:cNvPicPr/>
           <p:nvPr/>
         </p:nvPicPr>
@@ -6175,8 +6284,8 @@
         </p:blipFill>
         <p:spPr>
           <a:xfrm>
-            <a:off x="10336680" y="334800"/>
-            <a:ext cx="984960" cy="1272960"/>
+            <a:off x="388440" y="333720"/>
+            <a:ext cx="1359000" cy="358560"/>
           </a:xfrm>
           <a:prstGeom prst="rect">
             <a:avLst/>
@@ -6188,14 +6297,14 @@
       </p:pic>
       <p:sp>
         <p:nvSpPr>
-          <p:cNvPr id="141" name="CustomShape 1"/>
+          <p:cNvPr id="103" name="CustomShape 1"/>
           <p:cNvSpPr/>
           <p:nvPr/>
         </p:nvSpPr>
         <p:spPr>
           <a:xfrm>
-            <a:off x="360000" y="1401120"/>
-            <a:ext cx="5038200" cy="541080"/>
+            <a:off x="504000" y="1244160"/>
+            <a:ext cx="4392000" cy="302400"/>
           </a:xfrm>
           <a:prstGeom prst="rect">
             <a:avLst/>
@@ -6220,61 +6329,51 @@
               </a:lnSpc>
             </a:pPr>
             <a:r>
-              <a:rPr b="1" lang="en-GB" sz="1800" spc="-1" strike="noStrike">
+              <a:rPr b="1" lang="en-GB" sz="1400" spc="-1" strike="noStrike">
                 <a:solidFill>
                   <a:srgbClr val="000000"/>
                 </a:solidFill>
-                <a:latin typeface="Arial"/>
-                <a:ea typeface="Calibri"/>
-              </a:rPr>
-              <a:t>- 1D-DG Petrov-Galerkin FEM: </a:t>
-            </a:r>
-            <a:r>
-              <a:rPr b="0" lang="en-GB" sz="1800" spc="-1" strike="noStrike">
+                <a:latin typeface="calibri"/>
+                <a:ea typeface="Calibri"/>
+              </a:rPr>
+              <a:t>Data Storage</a:t>
+            </a:r>
+            <a:endParaRPr b="0" lang="en-GB" sz="1400" spc="-1" strike="noStrike">
+              <a:latin typeface="calibri"/>
+            </a:endParaRPr>
+          </a:p>
+          <a:p>
+            <a:pPr>
+              <a:lnSpc>
+                <a:spcPct val="100000"/>
+              </a:lnSpc>
+            </a:pPr>
+            <a:r>
+              <a:rPr b="0" lang="en-GB" sz="1400" spc="-1" strike="noStrike">
                 <a:solidFill>
                   <a:srgbClr val="000000"/>
                 </a:solidFill>
-                <a:latin typeface="Arial"/>
-                <a:ea typeface="Calibri"/>
-              </a:rPr>
-              <a:t>2 documents</a:t>
-            </a:r>
-            <a:endParaRPr b="0" lang="en-GB" sz="1800" spc="-1" strike="noStrike">
-              <a:latin typeface="Arial"/>
-            </a:endParaRPr>
-          </a:p>
-          <a:p>
-            <a:pPr>
-              <a:lnSpc>
-                <a:spcPct val="100000"/>
-              </a:lnSpc>
-            </a:pPr>
-            <a:endParaRPr b="0" lang="en-GB" sz="1800" spc="-1" strike="noStrike">
-              <a:latin typeface="Arial"/>
-            </a:endParaRPr>
-          </a:p>
-          <a:p>
-            <a:pPr>
-              <a:lnSpc>
-                <a:spcPct val="100000"/>
-              </a:lnSpc>
-            </a:pPr>
-            <a:endParaRPr b="0" lang="en-GB" sz="1800" spc="-1" strike="noStrike">
-              <a:latin typeface="Arial"/>
-            </a:endParaRPr>
-          </a:p>
-        </p:txBody>
-      </p:sp>
-      <p:sp>
-        <p:nvSpPr>
-          <p:cNvPr id="142" name="CustomShape 2"/>
+                <a:latin typeface="calibri"/>
+                <a:ea typeface="Calibri"/>
+              </a:rPr>
+              <a:t>Node and position numbering for P0 and P1</a:t>
+            </a:r>
+            <a:endParaRPr b="0" lang="en-GB" sz="1400" spc="-1" strike="noStrike">
+              <a:latin typeface="calibri"/>
+            </a:endParaRPr>
+          </a:p>
+        </p:txBody>
+      </p:sp>
+      <p:sp>
+        <p:nvSpPr>
+          <p:cNvPr id="104" name="CustomShape 2"/>
           <p:cNvSpPr/>
           <p:nvPr/>
         </p:nvSpPr>
         <p:spPr>
           <a:xfrm>
-            <a:off x="322560" y="1800000"/>
-            <a:ext cx="1259640" cy="430200"/>
+            <a:off x="4021200" y="5265000"/>
+            <a:ext cx="4147560" cy="272880"/>
           </a:xfrm>
           <a:prstGeom prst="rect">
             <a:avLst/>
@@ -6299,71 +6398,31 @@
               </a:lnSpc>
             </a:pPr>
             <a:r>
-              <a:rPr b="0" lang="en-GB" sz="1800" spc="-1" strike="noStrike">
-                <a:solidFill>
-                  <a:srgbClr val="0066b3"/>
-                </a:solidFill>
-                <a:latin typeface="Arial"/>
-                <a:ea typeface="Calibri"/>
-              </a:rPr>
-              <a:t>1- Report</a:t>
-            </a:r>
-            <a:r>
-              <a:rPr b="0" lang="en-GB" sz="1800" spc="-1" strike="noStrike">
+              <a:rPr b="0" lang="en-GB" sz="1100" spc="-1" strike="noStrike">
                 <a:solidFill>
                   <a:srgbClr val="000000"/>
                 </a:solidFill>
-                <a:latin typeface="Arial"/>
-                <a:ea typeface="Calibri"/>
-              </a:rPr>
-              <a:t> </a:t>
-            </a:r>
-            <a:endParaRPr b="0" lang="en-GB" sz="1800" spc="-1" strike="noStrike">
-              <a:latin typeface="Arial"/>
-            </a:endParaRPr>
-          </a:p>
-          <a:p>
-            <a:pPr>
-              <a:lnSpc>
-                <a:spcPct val="100000"/>
-              </a:lnSpc>
-            </a:pPr>
-            <a:endParaRPr b="0" lang="en-GB" sz="1800" spc="-1" strike="noStrike">
-              <a:latin typeface="Arial"/>
-            </a:endParaRPr>
-          </a:p>
-          <a:p>
-            <a:pPr>
-              <a:lnSpc>
-                <a:spcPct val="100000"/>
-              </a:lnSpc>
-            </a:pPr>
-            <a:endParaRPr b="0" lang="en-GB" sz="1800" spc="-1" strike="noStrike">
-              <a:latin typeface="Arial"/>
-            </a:endParaRPr>
-          </a:p>
-          <a:p>
-            <a:pPr>
-              <a:lnSpc>
-                <a:spcPct val="100000"/>
-              </a:lnSpc>
-            </a:pPr>
-            <a:endParaRPr b="0" lang="en-GB" sz="1800" spc="-1" strike="noStrike">
-              <a:latin typeface="Arial"/>
-            </a:endParaRPr>
-          </a:p>
-        </p:txBody>
-      </p:sp>
-      <p:sp>
-        <p:nvSpPr>
-          <p:cNvPr id="143" name="CustomShape 3"/>
+                <a:latin typeface="calibri"/>
+                <a:ea typeface="DejaVu Sans"/>
+              </a:rPr>
+              <a:t>Figure 3. </a:t>
+            </a:r>
+            <a:endParaRPr b="0" lang="en-GB" sz="1100" spc="-1" strike="noStrike">
+              <a:latin typeface="calibri"/>
+            </a:endParaRPr>
+          </a:p>
+        </p:txBody>
+      </p:sp>
+      <p:sp>
+        <p:nvSpPr>
+          <p:cNvPr id="105" name="CustomShape 3"/>
           <p:cNvSpPr/>
           <p:nvPr/>
         </p:nvSpPr>
         <p:spPr>
           <a:xfrm>
-            <a:off x="5760000" y="1800000"/>
-            <a:ext cx="1259640" cy="430200"/>
+            <a:off x="4833360" y="6238440"/>
+            <a:ext cx="2523600" cy="470880"/>
           </a:xfrm>
           <a:prstGeom prst="rect">
             <a:avLst/>
@@ -6382,52 +6441,88 @@
         <p:txBody>
           <a:bodyPr lIns="90000" rIns="90000" tIns="45000" bIns="45000"/>
           <a:p>
-            <a:pPr>
-              <a:lnSpc>
-                <a:spcPct val="100000"/>
-              </a:lnSpc>
-            </a:pPr>
-            <a:r>
-              <a:rPr b="0" lang="en-GB" sz="1800" spc="-1" strike="noStrike">
-                <a:solidFill>
-                  <a:srgbClr val="0066b3"/>
-                </a:solidFill>
-                <a:latin typeface="Arial"/>
-                <a:ea typeface="Calibri"/>
-              </a:rPr>
-              <a:t>1- Theory </a:t>
-            </a:r>
-            <a:endParaRPr b="0" lang="en-GB" sz="1800" spc="-1" strike="noStrike">
-              <a:latin typeface="Arial"/>
-            </a:endParaRPr>
-          </a:p>
-          <a:p>
-            <a:pPr>
-              <a:lnSpc>
-                <a:spcPct val="100000"/>
-              </a:lnSpc>
-            </a:pPr>
-            <a:endParaRPr b="0" lang="en-GB" sz="1800" spc="-1" strike="noStrike">
-              <a:latin typeface="Arial"/>
-            </a:endParaRPr>
-          </a:p>
-          <a:p>
-            <a:pPr>
-              <a:lnSpc>
-                <a:spcPct val="100000"/>
-              </a:lnSpc>
-            </a:pPr>
-            <a:endParaRPr b="0" lang="en-GB" sz="1800" spc="-1" strike="noStrike">
-              <a:latin typeface="Arial"/>
-            </a:endParaRPr>
-          </a:p>
-          <a:p>
-            <a:pPr>
-              <a:lnSpc>
-                <a:spcPct val="100000"/>
-              </a:lnSpc>
-            </a:pPr>
-            <a:endParaRPr b="0" lang="en-GB" sz="1800" spc="-1" strike="noStrike">
+            <a:pPr algn="ctr">
+              <a:lnSpc>
+                <a:spcPct val="90000"/>
+              </a:lnSpc>
+              <a:spcBef>
+                <a:spcPts val="1001"/>
+              </a:spcBef>
+            </a:pPr>
+            <a:r>
+              <a:rPr b="1" lang="en-GB" sz="1400" spc="-1" strike="noStrike">
+                <a:solidFill>
+                  <a:srgbClr val="002060"/>
+                </a:solidFill>
+                <a:latin typeface="Arial"/>
+                <a:ea typeface="Calibri"/>
+              </a:rPr>
+              <a:t>ICL-</a:t>
+            </a:r>
+            <a:r>
+              <a:rPr b="1" lang="en-GB" sz="1400" spc="-1" strike="noStrike">
+                <a:solidFill>
+                  <a:srgbClr val="0070c0"/>
+                </a:solidFill>
+                <a:latin typeface="Arial"/>
+                <a:ea typeface="Calibri"/>
+              </a:rPr>
+              <a:t>ICAM</a:t>
+            </a:r>
+            <a:r>
+              <a:rPr b="1" lang="en-GB" sz="1400" spc="-1" strike="noStrike">
+                <a:solidFill>
+                  <a:srgbClr val="002060"/>
+                </a:solidFill>
+                <a:latin typeface="Arial"/>
+                <a:ea typeface="Calibri"/>
+              </a:rPr>
+              <a:t>-BP</a:t>
+            </a:r>
+            <a:endParaRPr b="0" lang="en-GB" sz="1400" spc="-1" strike="noStrike">
+              <a:latin typeface="Arial"/>
+            </a:endParaRPr>
+          </a:p>
+          <a:p>
+            <a:pPr algn="ctr">
+              <a:lnSpc>
+                <a:spcPct val="90000"/>
+              </a:lnSpc>
+              <a:spcBef>
+                <a:spcPts val="1001"/>
+              </a:spcBef>
+            </a:pPr>
+            <a:r>
+              <a:rPr b="0" lang="en-GB" sz="1400" spc="-1" strike="noStrike">
+                <a:solidFill>
+                  <a:srgbClr val="000000"/>
+                </a:solidFill>
+                <a:latin typeface="Arial"/>
+                <a:ea typeface="Calibri"/>
+              </a:rPr>
+              <a:t>30</a:t>
+            </a:r>
+            <a:r>
+              <a:rPr b="0" lang="en-GB" sz="1400" spc="-1" strike="noStrike" baseline="30000">
+                <a:solidFill>
+                  <a:srgbClr val="000000"/>
+                </a:solidFill>
+                <a:latin typeface="Arial"/>
+                <a:ea typeface="Calibri"/>
+              </a:rPr>
+              <a:t>th</a:t>
+            </a:r>
+            <a:r>
+              <a:rPr b="0" lang="en-GB" sz="1400" spc="-1" strike="noStrike">
+                <a:solidFill>
+                  <a:srgbClr val="000000"/>
+                </a:solidFill>
+                <a:latin typeface="Arial"/>
+                <a:ea typeface="Calibri"/>
+              </a:rPr>
+              <a:t> June 2021</a:t>
+            </a:r>
+            <a:endParaRPr b="0" lang="en-GB" sz="1400" spc="-1" strike="noStrike">
               <a:latin typeface="Arial"/>
             </a:endParaRPr>
           </a:p>
@@ -6435,7 +6530,7 @@
       </p:sp>
       <p:pic>
         <p:nvPicPr>
-          <p:cNvPr id="144" name="" descr=""/>
+          <p:cNvPr id="106" name="" descr=""/>
           <p:cNvPicPr/>
           <p:nvPr/>
         </p:nvPicPr>
@@ -6445,8 +6540,8 @@
         </p:blipFill>
         <p:spPr>
           <a:xfrm>
-            <a:off x="7344000" y="1728000"/>
-            <a:ext cx="4016880" cy="4390200"/>
+            <a:off x="936000" y="2091600"/>
+            <a:ext cx="2919240" cy="2529000"/>
           </a:xfrm>
           <a:prstGeom prst="rect">
             <a:avLst/>
@@ -6456,176 +6551,52 @@
           </a:ln>
         </p:spPr>
       </p:pic>
-      <p:sp>
-        <p:nvSpPr>
-          <p:cNvPr id="145" name="CustomShape 4"/>
-          <p:cNvSpPr/>
-          <p:nvPr/>
-        </p:nvSpPr>
-        <p:spPr>
-          <a:xfrm flipH="1">
-            <a:off x="5898600" y="2491920"/>
-            <a:ext cx="8280" cy="2894400"/>
-          </a:xfrm>
-          <a:custGeom>
-            <a:avLst/>
-            <a:gdLst/>
-            <a:ahLst/>
-            <a:rect l="l" t="t" r="r" b="b"/>
-            <a:pathLst>
-              <a:path w="21600" h="21600">
-                <a:moveTo>
-                  <a:pt x="0" y="0"/>
-                </a:moveTo>
-                <a:lnTo>
-                  <a:pt x="21600" y="21600"/>
-                </a:lnTo>
-              </a:path>
-            </a:pathLst>
-          </a:custGeom>
-          <a:noFill/>
-          <a:ln cap="rnd" w="10080">
-            <a:solidFill>
-              <a:srgbClr val="0066b3"/>
-            </a:solidFill>
-            <a:custDash>
-              <a:ds d="1800000" sp="1800000"/>
-            </a:custDash>
-            <a:round/>
-          </a:ln>
-        </p:spPr>
-        <p:style>
-          <a:lnRef idx="0"/>
-          <a:fillRef idx="0"/>
-          <a:effectRef idx="0"/>
-          <a:fontRef idx="minor"/>
-        </p:style>
-      </p:sp>
-      <p:sp>
-        <p:nvSpPr>
-          <p:cNvPr id="146" name="CustomShape 5"/>
-          <p:cNvSpPr/>
-          <p:nvPr/>
-        </p:nvSpPr>
-        <p:spPr>
-          <a:xfrm>
-            <a:off x="4833360" y="6238440"/>
-            <a:ext cx="2523960" cy="471240"/>
-          </a:xfrm>
-          <a:prstGeom prst="rect">
-            <a:avLst/>
-          </a:prstGeom>
-          <a:noFill/>
+      <p:pic>
+        <p:nvPicPr>
+          <p:cNvPr id="107" name="" descr=""/>
+          <p:cNvPicPr/>
+          <p:nvPr/>
+        </p:nvPicPr>
+        <p:blipFill>
+          <a:blip r:embed="rId4"/>
+          <a:stretch/>
+        </p:blipFill>
+        <p:spPr>
+          <a:xfrm>
+            <a:off x="4016880" y="1977840"/>
+            <a:ext cx="3032640" cy="2756160"/>
+          </a:xfrm>
+          <a:prstGeom prst="rect">
+            <a:avLst/>
+          </a:prstGeom>
           <a:ln>
             <a:noFill/>
           </a:ln>
         </p:spPr>
-        <p:style>
-          <a:lnRef idx="0"/>
-          <a:fillRef idx="0"/>
-          <a:effectRef idx="0"/>
-          <a:fontRef idx="minor"/>
-        </p:style>
-        <p:txBody>
-          <a:bodyPr lIns="90000" rIns="90000" tIns="45000" bIns="45000"/>
-          <a:p>
-            <a:pPr algn="ctr">
-              <a:lnSpc>
-                <a:spcPct val="90000"/>
-              </a:lnSpc>
-              <a:spcBef>
-                <a:spcPts val="1001"/>
-              </a:spcBef>
-            </a:pPr>
-            <a:r>
-              <a:rPr b="1" lang="en-GB" sz="1400" spc="-1" strike="noStrike">
-                <a:solidFill>
-                  <a:srgbClr val="002060"/>
-                </a:solidFill>
-                <a:latin typeface="Arial"/>
-                <a:ea typeface="Calibri"/>
-              </a:rPr>
-              <a:t>ICL-</a:t>
-            </a:r>
-            <a:r>
-              <a:rPr b="1" lang="en-GB" sz="1400" spc="-1" strike="noStrike">
-                <a:solidFill>
-                  <a:srgbClr val="0070c0"/>
-                </a:solidFill>
-                <a:latin typeface="Arial"/>
-                <a:ea typeface="Calibri"/>
-              </a:rPr>
-              <a:t>ICAM</a:t>
-            </a:r>
-            <a:r>
-              <a:rPr b="1" lang="en-GB" sz="1400" spc="-1" strike="noStrike">
-                <a:solidFill>
-                  <a:srgbClr val="002060"/>
-                </a:solidFill>
-                <a:latin typeface="Arial"/>
-                <a:ea typeface="Calibri"/>
-              </a:rPr>
-              <a:t>-BP</a:t>
-            </a:r>
-            <a:endParaRPr b="0" lang="en-GB" sz="1400" spc="-1" strike="noStrike">
-              <a:latin typeface="Arial"/>
-            </a:endParaRPr>
-          </a:p>
-          <a:p>
-            <a:pPr algn="ctr">
-              <a:lnSpc>
-                <a:spcPct val="90000"/>
-              </a:lnSpc>
-              <a:spcBef>
-                <a:spcPts val="1001"/>
-              </a:spcBef>
-            </a:pPr>
-            <a:r>
-              <a:rPr b="0" lang="en-GB" sz="1400" spc="-1" strike="noStrike">
-                <a:solidFill>
-                  <a:srgbClr val="000000"/>
-                </a:solidFill>
-                <a:latin typeface="Arial"/>
-                <a:ea typeface="Calibri"/>
-              </a:rPr>
-              <a:t>30</a:t>
-            </a:r>
-            <a:r>
-              <a:rPr b="0" lang="en-GB" sz="1400" spc="-1" strike="noStrike" baseline="30000">
-                <a:solidFill>
-                  <a:srgbClr val="000000"/>
-                </a:solidFill>
-                <a:latin typeface="Arial"/>
-                <a:ea typeface="Calibri"/>
-              </a:rPr>
-              <a:t>th</a:t>
-            </a:r>
-            <a:r>
-              <a:rPr b="0" lang="en-GB" sz="1400" spc="-1" strike="noStrike">
-                <a:solidFill>
-                  <a:srgbClr val="000000"/>
-                </a:solidFill>
-                <a:latin typeface="Arial"/>
-                <a:ea typeface="Calibri"/>
-              </a:rPr>
-              <a:t> June </a:t>
-            </a:r>
-            <a:r>
-              <a:rPr b="0" lang="en-GB" sz="1400" spc="-1" strike="noStrike">
-                <a:solidFill>
-                  <a:srgbClr val="000000"/>
-                </a:solidFill>
-                <a:latin typeface="Arial"/>
-                <a:ea typeface="Calibri"/>
-              </a:rPr>
-              <a:t>2021</a:t>
-            </a:r>
-            <a:endParaRPr b="0" lang="en-GB" sz="1400" spc="-1" strike="noStrike">
-              <a:latin typeface="Arial"/>
-            </a:endParaRPr>
-          </a:p>
-        </p:txBody>
-      </p:sp>
+      </p:pic>
+      <p:pic>
+        <p:nvPicPr>
+          <p:cNvPr id="108" name="" descr=""/>
+          <p:cNvPicPr/>
+          <p:nvPr/>
+        </p:nvPicPr>
+        <p:blipFill>
+          <a:blip r:embed="rId5"/>
+          <a:stretch/>
+        </p:blipFill>
+        <p:spPr>
+          <a:xfrm>
+            <a:off x="7211520" y="1942920"/>
+            <a:ext cx="3437640" cy="2682000"/>
+          </a:xfrm>
+          <a:prstGeom prst="rect">
+            <a:avLst/>
+          </a:prstGeom>
+          <a:ln>
+            <a:noFill/>
+          </a:ln>
+        </p:spPr>
+      </p:pic>
     </p:spTree>
   </p:cSld>
   <p:timing>
@@ -6677,7 +6648,7 @@
       </p:grpSpPr>
       <p:pic>
         <p:nvPicPr>
-          <p:cNvPr id="147" name="Picture 6" descr=""/>
+          <p:cNvPr id="109" name="Picture 6" descr=""/>
           <p:cNvPicPr/>
           <p:nvPr/>
         </p:nvPicPr>
@@ -6687,8 +6658,8 @@
         </p:blipFill>
         <p:spPr>
           <a:xfrm>
-            <a:off x="388440" y="333720"/>
-            <a:ext cx="1359360" cy="358920"/>
+            <a:off x="10336680" y="334800"/>
+            <a:ext cx="984600" cy="1272600"/>
           </a:xfrm>
           <a:prstGeom prst="rect">
             <a:avLst/>
@@ -6700,7 +6671,7 @@
       </p:pic>
       <p:pic>
         <p:nvPicPr>
-          <p:cNvPr id="148" name="Picture 6" descr=""/>
+          <p:cNvPr id="110" name="Picture 6" descr=""/>
           <p:cNvPicPr/>
           <p:nvPr/>
         </p:nvPicPr>
@@ -6710,8 +6681,8 @@
         </p:blipFill>
         <p:spPr>
           <a:xfrm>
-            <a:off x="10336680" y="334800"/>
-            <a:ext cx="984960" cy="1272960"/>
+            <a:off x="388440" y="333720"/>
+            <a:ext cx="1359000" cy="358560"/>
           </a:xfrm>
           <a:prstGeom prst="rect">
             <a:avLst/>
@@ -6723,14 +6694,14 @@
       </p:pic>
       <p:sp>
         <p:nvSpPr>
-          <p:cNvPr id="149" name="CustomShape 1"/>
+          <p:cNvPr id="111" name="CustomShape 1"/>
           <p:cNvSpPr/>
           <p:nvPr/>
         </p:nvSpPr>
         <p:spPr>
           <a:xfrm>
-            <a:off x="6427440" y="4549320"/>
-            <a:ext cx="4946760" cy="344880"/>
+            <a:off x="504000" y="1244160"/>
+            <a:ext cx="4104000" cy="302400"/>
           </a:xfrm>
           <a:prstGeom prst="rect">
             <a:avLst/>
@@ -6749,37 +6720,37 @@
         <p:txBody>
           <a:bodyPr lIns="90000" rIns="90000" tIns="45000" bIns="45000"/>
           <a:p>
-            <a:pPr algn="ctr">
+            <a:pPr>
               <a:lnSpc>
                 <a:spcPct val="100000"/>
               </a:lnSpc>
             </a:pPr>
             <a:r>
-              <a:rPr b="0" lang="en-GB" sz="1100" spc="-1" strike="noStrike">
+              <a:rPr b="1" lang="en-GB" sz="1400" spc="-1" strike="noStrike">
                 <a:solidFill>
                   <a:srgbClr val="000000"/>
                 </a:solidFill>
-                <a:latin typeface="arial"/>
-                <a:ea typeface="DejaVu Sans"/>
-              </a:rPr>
-              <a:t>Figure 5. Illustration of the standard 2D-DG against 2D-DPG results for the same number of elements, 100.</a:t>
-            </a:r>
-            <a:endParaRPr b="0" lang="en-GB" sz="1100" spc="-1" strike="noStrike">
-              <a:latin typeface="Arial"/>
-            </a:endParaRPr>
-          </a:p>
-        </p:txBody>
-      </p:sp>
-      <p:sp>
-        <p:nvSpPr>
-          <p:cNvPr id="150" name="CustomShape 2"/>
+                <a:latin typeface="calibri"/>
+                <a:ea typeface="Calibri"/>
+              </a:rPr>
+              <a:t>Data Storage for P1</a:t>
+            </a:r>
+            <a:endParaRPr b="0" lang="en-GB" sz="1400" spc="-1" strike="noStrike">
+              <a:latin typeface="calibri"/>
+            </a:endParaRPr>
+          </a:p>
+        </p:txBody>
+      </p:sp>
+      <p:sp>
+        <p:nvSpPr>
+          <p:cNvPr id="112" name="CustomShape 2"/>
           <p:cNvSpPr/>
           <p:nvPr/>
         </p:nvSpPr>
         <p:spPr>
           <a:xfrm>
-            <a:off x="1338480" y="6241320"/>
-            <a:ext cx="4174560" cy="344880"/>
+            <a:off x="288000" y="6480000"/>
+            <a:ext cx="4147560" cy="272880"/>
           </a:xfrm>
           <a:prstGeom prst="rect">
             <a:avLst/>
@@ -6798,37 +6769,37 @@
         <p:txBody>
           <a:bodyPr lIns="90000" rIns="90000" tIns="45000" bIns="45000"/>
           <a:p>
-            <a:pPr algn="ctr">
+            <a:pPr>
               <a:lnSpc>
                 <a:spcPct val="100000"/>
               </a:lnSpc>
             </a:pPr>
             <a:r>
-              <a:rPr b="0" lang="en-GB" sz="1800" spc="-1" strike="noStrike" baseline="33000">
+              <a:rPr b="0" lang="en-GB" sz="1100" spc="-1" strike="noStrike">
                 <a:solidFill>
                   <a:srgbClr val="000000"/>
                 </a:solidFill>
-                <a:latin typeface="arial"/>
+                <a:latin typeface="calibri"/>
                 <a:ea typeface="DejaVu Sans"/>
               </a:rPr>
-              <a:t>Figure 4. Flowchart for the DG Petrov-Galerkin diffusion method.</a:t>
-            </a:r>
-            <a:endParaRPr b="0" lang="en-GB" sz="1800" spc="-1" strike="noStrike">
-              <a:latin typeface="Arial"/>
-            </a:endParaRPr>
-          </a:p>
-        </p:txBody>
-      </p:sp>
-      <p:sp>
-        <p:nvSpPr>
-          <p:cNvPr id="151" name="CustomShape 3"/>
+              <a:t>Figure x. </a:t>
+            </a:r>
+            <a:endParaRPr b="0" lang="en-GB" sz="1100" spc="-1" strike="noStrike">
+              <a:latin typeface="calibri"/>
+            </a:endParaRPr>
+          </a:p>
+        </p:txBody>
+      </p:sp>
+      <p:sp>
+        <p:nvSpPr>
+          <p:cNvPr id="113" name="CustomShape 3"/>
           <p:cNvSpPr/>
           <p:nvPr/>
         </p:nvSpPr>
         <p:spPr>
           <a:xfrm>
             <a:off x="4833360" y="6238440"/>
-            <a:ext cx="2523960" cy="471240"/>
+            <a:ext cx="2523600" cy="470880"/>
           </a:xfrm>
           <a:prstGeom prst="rect">
             <a:avLst/>
@@ -6926,17 +6897,7 @@
                 <a:latin typeface="Arial"/>
                 <a:ea typeface="Calibri"/>
               </a:rPr>
-              <a:t> June </a:t>
-            </a:r>
-            <a:r>
-              <a:rPr b="0" lang="en-GB" sz="1400" spc="-1" strike="noStrike">
-                <a:solidFill>
-                  <a:srgbClr val="000000"/>
-                </a:solidFill>
-                <a:latin typeface="Arial"/>
-                <a:ea typeface="Calibri"/>
-              </a:rPr>
-              <a:t>2021</a:t>
+              <a:t> June 2021</a:t>
             </a:r>
             <a:endParaRPr b="0" lang="en-GB" sz="1400" spc="-1" strike="noStrike">
               <a:latin typeface="Arial"/>
@@ -6946,7 +6907,7 @@
       </p:sp>
       <p:pic>
         <p:nvPicPr>
-          <p:cNvPr id="152" name="" descr=""/>
+          <p:cNvPr id="114" name="" descr=""/>
           <p:cNvPicPr/>
           <p:nvPr/>
         </p:nvPicPr>
@@ -6956,8 +6917,8 @@
         </p:blipFill>
         <p:spPr>
           <a:xfrm>
-            <a:off x="1927800" y="524880"/>
-            <a:ext cx="3240000" cy="5742720"/>
+            <a:off x="360000" y="1692000"/>
+            <a:ext cx="4896000" cy="1908000"/>
           </a:xfrm>
           <a:prstGeom prst="rect">
             <a:avLst/>
@@ -6969,7 +6930,7 @@
       </p:pic>
       <p:pic>
         <p:nvPicPr>
-          <p:cNvPr id="153" name="" descr=""/>
+          <p:cNvPr id="115" name="" descr=""/>
           <p:cNvPicPr/>
           <p:nvPr/>
         </p:nvPicPr>
@@ -6979,8 +6940,54 @@
         </p:blipFill>
         <p:spPr>
           <a:xfrm>
-            <a:off x="6336000" y="1667880"/>
-            <a:ext cx="4564800" cy="2652120"/>
+            <a:off x="388800" y="3708000"/>
+            <a:ext cx="6235200" cy="2136960"/>
+          </a:xfrm>
+          <a:prstGeom prst="rect">
+            <a:avLst/>
+          </a:prstGeom>
+          <a:ln>
+            <a:noFill/>
+          </a:ln>
+        </p:spPr>
+      </p:pic>
+      <p:pic>
+        <p:nvPicPr>
+          <p:cNvPr id="116" name="" descr=""/>
+          <p:cNvPicPr/>
+          <p:nvPr/>
+        </p:nvPicPr>
+        <p:blipFill>
+          <a:blip r:embed="rId5"/>
+          <a:stretch/>
+        </p:blipFill>
+        <p:spPr>
+          <a:xfrm>
+            <a:off x="7848000" y="3744000"/>
+            <a:ext cx="2636280" cy="2199960"/>
+          </a:xfrm>
+          <a:prstGeom prst="rect">
+            <a:avLst/>
+          </a:prstGeom>
+          <a:ln>
+            <a:noFill/>
+          </a:ln>
+        </p:spPr>
+      </p:pic>
+      <p:pic>
+        <p:nvPicPr>
+          <p:cNvPr id="117" name="" descr=""/>
+          <p:cNvPicPr/>
+          <p:nvPr/>
+        </p:nvPicPr>
+        <p:blipFill>
+          <a:blip r:embed="rId6"/>
+          <a:stretch/>
+        </p:blipFill>
+        <p:spPr>
+          <a:xfrm>
+            <a:off x="7812000" y="1149480"/>
+            <a:ext cx="2736000" cy="2486520"/>
           </a:xfrm>
           <a:prstGeom prst="rect">
             <a:avLst/>
@@ -7041,7 +7048,7 @@
       </p:grpSpPr>
       <p:pic>
         <p:nvPicPr>
-          <p:cNvPr id="154" name="Picture 6" descr=""/>
+          <p:cNvPr id="118" name="Picture 6" descr=""/>
           <p:cNvPicPr/>
           <p:nvPr/>
         </p:nvPicPr>
@@ -7051,8 +7058,8 @@
         </p:blipFill>
         <p:spPr>
           <a:xfrm>
-            <a:off x="388440" y="333720"/>
-            <a:ext cx="1359360" cy="358920"/>
+            <a:off x="10336680" y="334800"/>
+            <a:ext cx="984600" cy="1272600"/>
           </a:xfrm>
           <a:prstGeom prst="rect">
             <a:avLst/>
@@ -7062,16 +7069,39 @@
           </a:ln>
         </p:spPr>
       </p:pic>
-      <p:sp>
-        <p:nvSpPr>
-          <p:cNvPr id="155" name="CustomShape 1"/>
+      <p:pic>
+        <p:nvPicPr>
+          <p:cNvPr id="119" name="Picture 6" descr=""/>
+          <p:cNvPicPr/>
+          <p:nvPr/>
+        </p:nvPicPr>
+        <p:blipFill>
+          <a:blip r:embed="rId2"/>
+          <a:stretch/>
+        </p:blipFill>
+        <p:spPr>
+          <a:xfrm>
+            <a:off x="388440" y="333720"/>
+            <a:ext cx="1359000" cy="358560"/>
+          </a:xfrm>
+          <a:prstGeom prst="rect">
+            <a:avLst/>
+          </a:prstGeom>
+          <a:ln>
+            <a:noFill/>
+          </a:ln>
+        </p:spPr>
+      </p:pic>
+      <p:sp>
+        <p:nvSpPr>
+          <p:cNvPr id="120" name="CustomShape 1"/>
           <p:cNvSpPr/>
           <p:nvPr/>
         </p:nvSpPr>
         <p:spPr>
           <a:xfrm>
-            <a:off x="648000" y="1044000"/>
-            <a:ext cx="1195560" cy="357840"/>
+            <a:off x="504000" y="1244160"/>
+            <a:ext cx="4104000" cy="302400"/>
           </a:xfrm>
           <a:prstGeom prst="rect">
             <a:avLst/>
@@ -7096,87 +7126,31 @@
               </a:lnSpc>
             </a:pPr>
             <a:r>
-              <a:rPr b="1" lang="en-GB" sz="1800" spc="-1" strike="noStrike">
+              <a:rPr b="1" lang="en-GB" sz="1400" spc="-1" strike="noStrike">
                 <a:solidFill>
                   <a:srgbClr val="000000"/>
                 </a:solidFill>
-                <a:latin typeface="Arial"/>
-                <a:ea typeface="Calibri"/>
-              </a:rPr>
-              <a:t>- 2D FDM</a:t>
-            </a:r>
-            <a:endParaRPr b="0" lang="en-GB" sz="1800" spc="-1" strike="noStrike">
-              <a:latin typeface="Arial"/>
-            </a:endParaRPr>
-          </a:p>
-          <a:p>
-            <a:pPr>
-              <a:lnSpc>
-                <a:spcPct val="100000"/>
-              </a:lnSpc>
-            </a:pPr>
-            <a:endParaRPr b="0" lang="en-GB" sz="1800" spc="-1" strike="noStrike">
-              <a:latin typeface="Arial"/>
-            </a:endParaRPr>
-          </a:p>
-        </p:txBody>
-      </p:sp>
-      <p:pic>
-        <p:nvPicPr>
-          <p:cNvPr id="156" name="Picture 6" descr=""/>
-          <p:cNvPicPr/>
-          <p:nvPr/>
-        </p:nvPicPr>
-        <p:blipFill>
-          <a:blip r:embed="rId2"/>
-          <a:stretch/>
-        </p:blipFill>
-        <p:spPr>
-          <a:xfrm>
-            <a:off x="10336680" y="334800"/>
-            <a:ext cx="984960" cy="1272960"/>
-          </a:xfrm>
-          <a:prstGeom prst="rect">
-            <a:avLst/>
-          </a:prstGeom>
-          <a:ln>
-            <a:noFill/>
-          </a:ln>
-        </p:spPr>
-      </p:pic>
-      <p:pic>
-        <p:nvPicPr>
-          <p:cNvPr id="157" name="" descr=""/>
-          <p:cNvPicPr/>
-          <p:nvPr/>
-        </p:nvPicPr>
-        <p:blipFill>
-          <a:blip r:embed="rId3"/>
-          <a:stretch/>
-        </p:blipFill>
-        <p:spPr>
-          <a:xfrm>
-            <a:off x="3420000" y="890280"/>
-            <a:ext cx="4174200" cy="1879920"/>
-          </a:xfrm>
-          <a:prstGeom prst="rect">
-            <a:avLst/>
-          </a:prstGeom>
-          <a:ln>
-            <a:noFill/>
-          </a:ln>
-        </p:spPr>
-      </p:pic>
-      <p:sp>
-        <p:nvSpPr>
-          <p:cNvPr id="158" name="CustomShape 2"/>
+                <a:latin typeface="calibri"/>
+                <a:ea typeface="Calibri"/>
+              </a:rPr>
+              <a:t>Data Storage for P0</a:t>
+            </a:r>
+            <a:endParaRPr b="0" lang="en-GB" sz="1400" spc="-1" strike="noStrike">
+              <a:latin typeface="calibri"/>
+            </a:endParaRPr>
+          </a:p>
+        </p:txBody>
+      </p:sp>
+      <p:sp>
+        <p:nvSpPr>
+          <p:cNvPr id="121" name="CustomShape 2"/>
           <p:cNvSpPr/>
           <p:nvPr/>
         </p:nvSpPr>
         <p:spPr>
           <a:xfrm>
-            <a:off x="648000" y="2952000"/>
-            <a:ext cx="1726920" cy="357840"/>
+            <a:off x="288000" y="6480000"/>
+            <a:ext cx="4147560" cy="272880"/>
           </a:xfrm>
           <a:prstGeom prst="rect">
             <a:avLst/>
@@ -7201,110 +7175,31 @@
               </a:lnSpc>
             </a:pPr>
             <a:r>
-              <a:rPr b="1" lang="en-GB" sz="1800" spc="-1" strike="noStrike">
+              <a:rPr b="0" lang="en-GB" sz="1100" spc="-1" strike="noStrike">
                 <a:solidFill>
                   <a:srgbClr val="000000"/>
                 </a:solidFill>
-                <a:latin typeface="Arial"/>
-                <a:ea typeface="Calibri"/>
-              </a:rPr>
-              <a:t>- 2D DG-FEM</a:t>
-            </a:r>
-            <a:endParaRPr b="0" lang="en-GB" sz="1800" spc="-1" strike="noStrike">
-              <a:latin typeface="Arial"/>
-            </a:endParaRPr>
-          </a:p>
-          <a:p>
-            <a:pPr>
-              <a:lnSpc>
-                <a:spcPct val="100000"/>
-              </a:lnSpc>
-            </a:pPr>
-            <a:endParaRPr b="0" lang="en-GB" sz="1800" spc="-1" strike="noStrike">
-              <a:latin typeface="Arial"/>
-            </a:endParaRPr>
-          </a:p>
-        </p:txBody>
-      </p:sp>
-      <p:pic>
-        <p:nvPicPr>
-          <p:cNvPr id="159" name="" descr=""/>
-          <p:cNvPicPr/>
-          <p:nvPr/>
-        </p:nvPicPr>
-        <p:blipFill>
-          <a:blip r:embed="rId4"/>
-          <a:stretch/>
-        </p:blipFill>
-        <p:spPr>
-          <a:xfrm>
-            <a:off x="731160" y="3420000"/>
-            <a:ext cx="3127680" cy="2385000"/>
-          </a:xfrm>
-          <a:prstGeom prst="rect">
-            <a:avLst/>
-          </a:prstGeom>
-          <a:ln>
-            <a:noFill/>
-          </a:ln>
-        </p:spPr>
-      </p:pic>
-      <p:pic>
-        <p:nvPicPr>
-          <p:cNvPr id="160" name="" descr=""/>
-          <p:cNvPicPr/>
-          <p:nvPr/>
-        </p:nvPicPr>
-        <p:blipFill>
-          <a:blip r:embed="rId5"/>
-          <a:stretch/>
-        </p:blipFill>
-        <p:spPr>
-          <a:xfrm>
-            <a:off x="5112000" y="3420000"/>
-            <a:ext cx="1978920" cy="1942200"/>
-          </a:xfrm>
-          <a:prstGeom prst="rect">
-            <a:avLst/>
-          </a:prstGeom>
-          <a:ln>
-            <a:noFill/>
-          </a:ln>
-        </p:spPr>
-      </p:pic>
-      <p:pic>
-        <p:nvPicPr>
-          <p:cNvPr id="161" name="" descr=""/>
-          <p:cNvPicPr/>
-          <p:nvPr/>
-        </p:nvPicPr>
-        <p:blipFill>
-          <a:blip r:embed="rId6"/>
-          <a:stretch/>
-        </p:blipFill>
-        <p:spPr>
-          <a:xfrm>
-            <a:off x="8836920" y="3420000"/>
-            <a:ext cx="2413800" cy="1222200"/>
-          </a:xfrm>
-          <a:prstGeom prst="rect">
-            <a:avLst/>
-          </a:prstGeom>
-          <a:ln>
-            <a:noFill/>
-          </a:ln>
-        </p:spPr>
-      </p:pic>
-      <p:sp>
-        <p:nvSpPr>
-          <p:cNvPr id="162" name="CustomShape 3"/>
+                <a:latin typeface="calibri"/>
+                <a:ea typeface="DejaVu Sans"/>
+              </a:rPr>
+              <a:t>Figure x. </a:t>
+            </a:r>
+            <a:endParaRPr b="0" lang="en-GB" sz="1100" spc="-1" strike="noStrike">
+              <a:latin typeface="calibri"/>
+            </a:endParaRPr>
+          </a:p>
+        </p:txBody>
+      </p:sp>
+      <p:sp>
+        <p:nvSpPr>
+          <p:cNvPr id="122" name="CustomShape 3"/>
           <p:cNvSpPr/>
           <p:nvPr/>
         </p:nvSpPr>
         <p:spPr>
           <a:xfrm>
-            <a:off x="897480" y="5832000"/>
-            <a:ext cx="2795040" cy="286200"/>
+            <a:off x="4833360" y="6238440"/>
+            <a:ext cx="2523600" cy="470880"/>
           </a:xfrm>
           <a:prstGeom prst="rect">
             <a:avLst/>
@@ -7325,202 +7220,6 @@
           <a:p>
             <a:pPr algn="ctr">
               <a:lnSpc>
-                <a:spcPct val="100000"/>
-              </a:lnSpc>
-            </a:pPr>
-            <a:r>
-              <a:rPr b="0" lang="en-GB" sz="1100" spc="-1" strike="noStrike">
-                <a:solidFill>
-                  <a:srgbClr val="000000"/>
-                </a:solidFill>
-                <a:latin typeface="Arial"/>
-                <a:ea typeface="DejaVu Sans"/>
-              </a:rPr>
-              <a:t>Figure 7. 2D domain with local &amp; global node numbering.</a:t>
-            </a:r>
-            <a:endParaRPr b="0" lang="en-GB" sz="1100" spc="-1" strike="noStrike">
-              <a:latin typeface="Arial"/>
-            </a:endParaRPr>
-          </a:p>
-        </p:txBody>
-      </p:sp>
-      <p:sp>
-        <p:nvSpPr>
-          <p:cNvPr id="163" name="CustomShape 4"/>
-          <p:cNvSpPr/>
-          <p:nvPr/>
-        </p:nvSpPr>
-        <p:spPr>
-          <a:xfrm>
-            <a:off x="4644000" y="5580000"/>
-            <a:ext cx="3419280" cy="230400"/>
-          </a:xfrm>
-          <a:prstGeom prst="rect">
-            <a:avLst/>
-          </a:prstGeom>
-          <a:noFill/>
-          <a:ln>
-            <a:noFill/>
-          </a:ln>
-        </p:spPr>
-        <p:style>
-          <a:lnRef idx="0"/>
-          <a:fillRef idx="0"/>
-          <a:effectRef idx="0"/>
-          <a:fontRef idx="minor"/>
-        </p:style>
-        <p:txBody>
-          <a:bodyPr lIns="90000" rIns="90000" tIns="45000" bIns="45000"/>
-          <a:p>
-            <a:pPr algn="ctr">
-              <a:lnSpc>
-                <a:spcPct val="100000"/>
-              </a:lnSpc>
-            </a:pPr>
-            <a:r>
-              <a:rPr b="0" lang="en-GB" sz="1100" spc="-1" strike="noStrike">
-                <a:solidFill>
-                  <a:srgbClr val="000000"/>
-                </a:solidFill>
-                <a:latin typeface="Arial"/>
-                <a:ea typeface="DejaVu Sans"/>
-              </a:rPr>
-              <a:t>Figure 8. Volume integration using 3-point Gaussian quadrature method.</a:t>
-            </a:r>
-            <a:endParaRPr b="0" lang="en-GB" sz="1100" spc="-1" strike="noStrike">
-              <a:latin typeface="Arial"/>
-            </a:endParaRPr>
-          </a:p>
-        </p:txBody>
-      </p:sp>
-      <p:sp>
-        <p:nvSpPr>
-          <p:cNvPr id="164" name="CustomShape 5"/>
-          <p:cNvSpPr/>
-          <p:nvPr/>
-        </p:nvSpPr>
-        <p:spPr>
-          <a:xfrm>
-            <a:off x="8640000" y="4881960"/>
-            <a:ext cx="2807280" cy="372240"/>
-          </a:xfrm>
-          <a:prstGeom prst="rect">
-            <a:avLst/>
-          </a:prstGeom>
-          <a:noFill/>
-          <a:ln>
-            <a:noFill/>
-          </a:ln>
-        </p:spPr>
-        <p:style>
-          <a:lnRef idx="0"/>
-          <a:fillRef idx="0"/>
-          <a:effectRef idx="0"/>
-          <a:fontRef idx="minor"/>
-        </p:style>
-        <p:txBody>
-          <a:bodyPr lIns="90000" rIns="90000" tIns="45000" bIns="45000"/>
-          <a:p>
-            <a:pPr algn="ctr">
-              <a:lnSpc>
-                <a:spcPct val="100000"/>
-              </a:lnSpc>
-            </a:pPr>
-            <a:r>
-              <a:rPr b="0" lang="en-GB" sz="1100" spc="-1" strike="noStrike">
-                <a:solidFill>
-                  <a:srgbClr val="000000"/>
-                </a:solidFill>
-                <a:latin typeface="Arial"/>
-                <a:ea typeface="DejaVu Sans"/>
-              </a:rPr>
-              <a:t>Figure 9. Surface integration using 2-point Gaussian quadrature method.</a:t>
-            </a:r>
-            <a:endParaRPr b="0" lang="en-GB" sz="1100" spc="-1" strike="noStrike">
-              <a:latin typeface="Arial"/>
-            </a:endParaRPr>
-          </a:p>
-        </p:txBody>
-      </p:sp>
-      <p:sp>
-        <p:nvSpPr>
-          <p:cNvPr id="165" name="CustomShape 6"/>
-          <p:cNvSpPr/>
-          <p:nvPr/>
-        </p:nvSpPr>
-        <p:spPr>
-          <a:xfrm>
-            <a:off x="3677760" y="2880000"/>
-            <a:ext cx="3953520" cy="286200"/>
-          </a:xfrm>
-          <a:prstGeom prst="rect">
-            <a:avLst/>
-          </a:prstGeom>
-          <a:noFill/>
-          <a:ln>
-            <a:noFill/>
-          </a:ln>
-        </p:spPr>
-        <p:style>
-          <a:lnRef idx="0"/>
-          <a:fillRef idx="0"/>
-          <a:effectRef idx="0"/>
-          <a:fontRef idx="minor"/>
-        </p:style>
-        <p:txBody>
-          <a:bodyPr lIns="90000" rIns="90000" tIns="45000" bIns="45000"/>
-          <a:p>
-            <a:pPr>
-              <a:lnSpc>
-                <a:spcPct val="100000"/>
-              </a:lnSpc>
-            </a:pPr>
-            <a:r>
-              <a:rPr b="0" lang="en-GB" sz="1100" spc="-1" strike="noStrike">
-                <a:solidFill>
-                  <a:srgbClr val="000000"/>
-                </a:solidFill>
-                <a:latin typeface="Arial"/>
-                <a:ea typeface="DejaVu Sans"/>
-              </a:rPr>
-              <a:t>Figure 6. Travelling a square wave in 2D with 500 elements.</a:t>
-            </a:r>
-            <a:endParaRPr b="0" lang="en-GB" sz="1100" spc="-1" strike="noStrike">
-              <a:latin typeface="Arial"/>
-            </a:endParaRPr>
-          </a:p>
-        </p:txBody>
-      </p:sp>
-      <p:sp>
-        <p:nvSpPr>
-          <p:cNvPr id="166" name="CustomShape 7"/>
-          <p:cNvSpPr/>
-          <p:nvPr/>
-        </p:nvSpPr>
-        <p:spPr>
-          <a:xfrm>
-            <a:off x="4833360" y="6238440"/>
-            <a:ext cx="2523960" cy="471240"/>
-          </a:xfrm>
-          <a:prstGeom prst="rect">
-            <a:avLst/>
-          </a:prstGeom>
-          <a:noFill/>
-          <a:ln>
-            <a:noFill/>
-          </a:ln>
-        </p:spPr>
-        <p:style>
-          <a:lnRef idx="0"/>
-          <a:fillRef idx="0"/>
-          <a:effectRef idx="0"/>
-          <a:fontRef idx="minor"/>
-        </p:style>
-        <p:txBody>
-          <a:bodyPr lIns="90000" rIns="90000" tIns="45000" bIns="45000"/>
-          <a:p>
-            <a:pPr algn="ctr">
-              <a:lnSpc>
                 <a:spcPct val="90000"/>
               </a:lnSpc>
               <a:spcBef>
@@ -7606,6 +7305,98 @@
           </a:p>
         </p:txBody>
       </p:sp>
+      <p:pic>
+        <p:nvPicPr>
+          <p:cNvPr id="123" name="" descr=""/>
+          <p:cNvPicPr/>
+          <p:nvPr/>
+        </p:nvPicPr>
+        <p:blipFill>
+          <a:blip r:embed="rId3"/>
+          <a:stretch/>
+        </p:blipFill>
+        <p:spPr>
+          <a:xfrm>
+            <a:off x="7596000" y="1771560"/>
+            <a:ext cx="2952000" cy="2557440"/>
+          </a:xfrm>
+          <a:prstGeom prst="rect">
+            <a:avLst/>
+          </a:prstGeom>
+          <a:ln>
+            <a:noFill/>
+          </a:ln>
+        </p:spPr>
+      </p:pic>
+      <p:pic>
+        <p:nvPicPr>
+          <p:cNvPr id="124" name="" descr=""/>
+          <p:cNvPicPr/>
+          <p:nvPr/>
+        </p:nvPicPr>
+        <p:blipFill>
+          <a:blip r:embed="rId4"/>
+          <a:stretch/>
+        </p:blipFill>
+        <p:spPr>
+          <a:xfrm>
+            <a:off x="864000" y="2592000"/>
+            <a:ext cx="5616000" cy="2838240"/>
+          </a:xfrm>
+          <a:prstGeom prst="rect">
+            <a:avLst/>
+          </a:prstGeom>
+          <a:ln>
+            <a:noFill/>
+          </a:ln>
+        </p:spPr>
+      </p:pic>
+      <p:pic>
+        <p:nvPicPr>
+          <p:cNvPr id="125" name="" descr=""/>
+          <p:cNvPicPr/>
+          <p:nvPr/>
+        </p:nvPicPr>
+        <p:blipFill>
+          <a:blip r:embed="rId5"/>
+          <a:stretch/>
+        </p:blipFill>
+        <p:spPr>
+          <a:xfrm>
+            <a:off x="725040" y="1656000"/>
+            <a:ext cx="3774960" cy="406800"/>
+          </a:xfrm>
+          <a:prstGeom prst="rect">
+            <a:avLst/>
+          </a:prstGeom>
+          <a:ln>
+            <a:noFill/>
+          </a:ln>
+        </p:spPr>
+      </p:pic>
+      <p:pic>
+        <p:nvPicPr>
+          <p:cNvPr id="126" name="" descr=""/>
+          <p:cNvPicPr/>
+          <p:nvPr/>
+        </p:nvPicPr>
+        <p:blipFill>
+          <a:blip r:embed="rId6"/>
+          <a:stretch/>
+        </p:blipFill>
+        <p:spPr>
+          <a:xfrm>
+            <a:off x="792000" y="2088000"/>
+            <a:ext cx="3708000" cy="375480"/>
+          </a:xfrm>
+          <a:prstGeom prst="rect">
+            <a:avLst/>
+          </a:prstGeom>
+          <a:ln>
+            <a:noFill/>
+          </a:ln>
+        </p:spPr>
+      </p:pic>
     </p:spTree>
   </p:cSld>
   <p:timing>
@@ -7655,16 +7446,62 @@
           <a:chExt cx="0" cy="0"/>
         </a:xfrm>
       </p:grpSpPr>
-      <p:sp>
-        <p:nvSpPr>
-          <p:cNvPr id="167" name="CustomShape 1"/>
+      <p:pic>
+        <p:nvPicPr>
+          <p:cNvPr id="127" name="Picture 6" descr=""/>
+          <p:cNvPicPr/>
+          <p:nvPr/>
+        </p:nvPicPr>
+        <p:blipFill>
+          <a:blip r:embed="rId1"/>
+          <a:stretch/>
+        </p:blipFill>
+        <p:spPr>
+          <a:xfrm>
+            <a:off x="388440" y="333720"/>
+            <a:ext cx="1359000" cy="358560"/>
+          </a:xfrm>
+          <a:prstGeom prst="rect">
+            <a:avLst/>
+          </a:prstGeom>
+          <a:ln>
+            <a:noFill/>
+          </a:ln>
+        </p:spPr>
+      </p:pic>
+      <p:pic>
+        <p:nvPicPr>
+          <p:cNvPr id="128" name="Picture 6" descr=""/>
+          <p:cNvPicPr/>
+          <p:nvPr/>
+        </p:nvPicPr>
+        <p:blipFill>
+          <a:blip r:embed="rId2"/>
+          <a:stretch/>
+        </p:blipFill>
+        <p:spPr>
+          <a:xfrm>
+            <a:off x="10336680" y="334800"/>
+            <a:ext cx="984600" cy="1272600"/>
+          </a:xfrm>
+          <a:prstGeom prst="rect">
+            <a:avLst/>
+          </a:prstGeom>
+          <a:ln>
+            <a:noFill/>
+          </a:ln>
+        </p:spPr>
+      </p:pic>
+      <p:sp>
+        <p:nvSpPr>
+          <p:cNvPr id="129" name="CustomShape 1"/>
           <p:cNvSpPr/>
           <p:nvPr/>
         </p:nvSpPr>
         <p:spPr>
           <a:xfrm>
-            <a:off x="7925040" y="1531440"/>
-            <a:ext cx="3414240" cy="3381120"/>
+            <a:off x="360000" y="1401120"/>
+            <a:ext cx="5760000" cy="540720"/>
           </a:xfrm>
           <a:prstGeom prst="rect">
             <a:avLst/>
@@ -7687,22 +7524,29 @@
               <a:lnSpc>
                 <a:spcPct val="100000"/>
               </a:lnSpc>
-              <a:spcAft>
-                <a:spcPts val="567"/>
-              </a:spcAft>
             </a:pPr>
             <a:r>
               <a:rPr b="1" lang="en-GB" sz="1800" spc="-1" strike="noStrike">
                 <a:solidFill>
                   <a:srgbClr val="000000"/>
                 </a:solidFill>
-                <a:latin typeface="Arial"/>
-                <a:ea typeface="Calibri"/>
-              </a:rPr>
-              <a:t>Near-future work</a:t>
+                <a:latin typeface="calibri"/>
+                <a:ea typeface="Calibri"/>
+              </a:rPr>
+              <a:t>- 2D-DG Petrov-Galerkin FEM: </a:t>
+            </a:r>
+            <a:r>
+              <a:rPr b="0" lang="en-GB" sz="1800" spc="-1" strike="noStrike">
+                <a:solidFill>
+                  <a:srgbClr val="000000"/>
+                </a:solidFill>
+                <a:latin typeface="calibri"/>
+                <a:ea typeface="Calibri"/>
+              </a:rPr>
+              <a:t>2 documents</a:t>
             </a:r>
             <a:endParaRPr b="0" lang="en-GB" sz="1800" spc="-1" strike="noStrike">
-              <a:latin typeface="Arial"/>
+              <a:latin typeface="calibri"/>
             </a:endParaRPr>
           </a:p>
           <a:p>
@@ -7710,208 +7554,33 @@
               <a:lnSpc>
                 <a:spcPct val="100000"/>
               </a:lnSpc>
-              <a:spcAft>
-                <a:spcPts val="567"/>
-              </a:spcAft>
             </a:pPr>
             <a:endParaRPr b="0" lang="en-GB" sz="1800" spc="-1" strike="noStrike">
-              <a:latin typeface="Arial"/>
-            </a:endParaRPr>
-          </a:p>
-          <a:p>
-            <a:pPr marL="285840" indent="-282960">
+              <a:latin typeface="calibri"/>
+            </a:endParaRPr>
+          </a:p>
+          <a:p>
+            <a:pPr>
               <a:lnSpc>
                 <a:spcPct val="100000"/>
               </a:lnSpc>
-              <a:spcAft>
-                <a:spcPts val="567"/>
-              </a:spcAft>
-              <a:buClr>
-                <a:srgbClr val="000000"/>
-              </a:buClr>
-              <a:buFont typeface="Arial,Sans-Serif"/>
-              <a:buChar char="•"/>
-            </a:pPr>
-            <a:r>
-              <a:rPr b="0" lang="en-GB" sz="1800" spc="-1" strike="noStrike">
-                <a:solidFill>
-                  <a:srgbClr val="000000"/>
-                </a:solidFill>
-                <a:latin typeface="Arial"/>
-                <a:ea typeface="Calibri"/>
-              </a:rPr>
-              <a:t>Will be working with Dr. Obeysekara on the mixing tank problem (end of March)</a:t>
-            </a:r>
+            </a:pPr>
             <a:endParaRPr b="0" lang="en-GB" sz="1800" spc="-1" strike="noStrike">
-              <a:latin typeface="Arial"/>
-            </a:endParaRPr>
-          </a:p>
-          <a:p>
-            <a:pPr marL="285840" indent="-282960">
-              <a:lnSpc>
-                <a:spcPct val="100000"/>
-              </a:lnSpc>
-              <a:spcAft>
-                <a:spcPts val="567"/>
-              </a:spcAft>
-              <a:buClr>
-                <a:srgbClr val="000000"/>
-              </a:buClr>
-              <a:buFont typeface="Arial,Sans-Serif"/>
-              <a:buChar char="•"/>
-            </a:pPr>
-            <a:r>
-              <a:rPr b="0" lang="en-GB" sz="1800" spc="-1" strike="noStrike">
-                <a:solidFill>
-                  <a:srgbClr val="000000"/>
-                </a:solidFill>
-                <a:latin typeface="Arial"/>
-                <a:ea typeface="Calibri"/>
-              </a:rPr>
-              <a:t>2D 1st order square wave DG-FEM (end of March)</a:t>
-            </a:r>
-            <a:endParaRPr b="0" lang="en-GB" sz="1800" spc="-1" strike="noStrike">
-              <a:latin typeface="Arial"/>
-            </a:endParaRPr>
-          </a:p>
-          <a:p>
-            <a:pPr marL="285840" indent="-282960">
-              <a:lnSpc>
-                <a:spcPct val="100000"/>
-              </a:lnSpc>
-              <a:spcAft>
-                <a:spcPts val="567"/>
-              </a:spcAft>
-              <a:buClr>
-                <a:srgbClr val="000000"/>
-              </a:buClr>
-              <a:buFont typeface="Arial,Sans-Serif"/>
-              <a:buChar char="•"/>
-            </a:pPr>
-            <a:r>
-              <a:rPr b="0" lang="en-GB" sz="1800" spc="-1" strike="noStrike">
-                <a:solidFill>
-                  <a:srgbClr val="000000"/>
-                </a:solidFill>
-                <a:latin typeface="Arial"/>
-                <a:ea typeface="Calibri"/>
-              </a:rPr>
-              <a:t>semi-structured 2D DG-FEM. </a:t>
-            </a:r>
-            <a:endParaRPr b="0" lang="en-GB" sz="1800" spc="-1" strike="noStrike">
-              <a:latin typeface="Arial"/>
-            </a:endParaRPr>
-          </a:p>
-          <a:p>
-            <a:pPr marL="285840" indent="-282960">
-              <a:lnSpc>
-                <a:spcPct val="100000"/>
-              </a:lnSpc>
-              <a:spcAft>
-                <a:spcPts val="567"/>
-              </a:spcAft>
-              <a:buClr>
-                <a:srgbClr val="000000"/>
-              </a:buClr>
-              <a:buFont typeface="Arial"/>
-              <a:buChar char="•"/>
-            </a:pPr>
-            <a:r>
-              <a:rPr b="0" lang="en-GB" sz="1800" spc="-1" strike="noStrike">
-                <a:solidFill>
-                  <a:srgbClr val="000000"/>
-                </a:solidFill>
-                <a:latin typeface="Arial"/>
-                <a:ea typeface="Calibri"/>
-              </a:rPr>
-              <a:t>Will be work with Prof. Pain and others on the Fortran code for semi-structured and with space-time  within</a:t>
-            </a:r>
-            <a:br/>
-            <a:r>
-              <a:rPr b="0" lang="en-GB" sz="1800" spc="-1" strike="noStrike">
-                <a:solidFill>
-                  <a:srgbClr val="000000"/>
-                </a:solidFill>
-                <a:latin typeface="Arial"/>
-                <a:ea typeface="Calibri"/>
-              </a:rPr>
-              <a:t>ICFERST/FLUIDITY.</a:t>
-            </a:r>
-            <a:endParaRPr b="0" lang="en-GB" sz="1800" spc="-1" strike="noStrike">
-              <a:latin typeface="Arial"/>
-            </a:endParaRPr>
-          </a:p>
-          <a:p>
-            <a:pPr>
-              <a:lnSpc>
-                <a:spcPct val="100000"/>
-              </a:lnSpc>
-              <a:spcAft>
-                <a:spcPts val="567"/>
-              </a:spcAft>
-            </a:pPr>
-            <a:endParaRPr b="0" lang="en-GB" sz="1800" spc="-1" strike="noStrike">
-              <a:latin typeface="Arial"/>
-            </a:endParaRPr>
-          </a:p>
-        </p:txBody>
-      </p:sp>
-      <p:pic>
-        <p:nvPicPr>
-          <p:cNvPr id="168" name="Picture 6" descr=""/>
-          <p:cNvPicPr/>
-          <p:nvPr/>
-        </p:nvPicPr>
-        <p:blipFill>
-          <a:blip r:embed="rId1"/>
-          <a:stretch/>
-        </p:blipFill>
-        <p:spPr>
-          <a:xfrm>
-            <a:off x="388440" y="333720"/>
-            <a:ext cx="1359360" cy="358920"/>
-          </a:xfrm>
-          <a:prstGeom prst="rect">
-            <a:avLst/>
-          </a:prstGeom>
-          <a:ln>
-            <a:noFill/>
-          </a:ln>
-        </p:spPr>
-      </p:pic>
-      <p:pic>
-        <p:nvPicPr>
-          <p:cNvPr id="169" name="Picture 6" descr=""/>
-          <p:cNvPicPr/>
-          <p:nvPr/>
-        </p:nvPicPr>
-        <p:blipFill>
-          <a:blip r:embed="rId2"/>
-          <a:stretch/>
-        </p:blipFill>
-        <p:spPr>
-          <a:xfrm>
-            <a:off x="10336680" y="334800"/>
-            <a:ext cx="984960" cy="1272960"/>
-          </a:xfrm>
-          <a:prstGeom prst="rect">
-            <a:avLst/>
-          </a:prstGeom>
-          <a:ln>
-            <a:noFill/>
-          </a:ln>
-        </p:spPr>
-      </p:pic>
-      <p:sp>
-        <p:nvSpPr>
-          <p:cNvPr id="170" name="CustomShape 2"/>
+              <a:latin typeface="calibri"/>
+            </a:endParaRPr>
+          </a:p>
+        </p:txBody>
+      </p:sp>
+      <p:sp>
+        <p:nvSpPr>
+          <p:cNvPr id="130" name="CustomShape 2"/>
           <p:cNvSpPr/>
           <p:nvPr/>
         </p:nvSpPr>
         <p:spPr>
           <a:xfrm>
-            <a:off x="638280" y="1531440"/>
-            <a:ext cx="3347640" cy="2832480"/>
+            <a:off x="322560" y="1800000"/>
+            <a:ext cx="1259280" cy="429840"/>
           </a:xfrm>
           <a:prstGeom prst="rect">
             <a:avLst/>
@@ -7934,19 +7603,26 @@
               <a:lnSpc>
                 <a:spcPct val="100000"/>
               </a:lnSpc>
-              <a:spcAft>
-                <a:spcPts val="567"/>
-              </a:spcAft>
-            </a:pPr>
-            <a:r>
-              <a:rPr b="1" lang="en-GB" sz="1800" spc="-1" strike="noStrike">
+            </a:pPr>
+            <a:r>
+              <a:rPr b="0" lang="en-GB" sz="1800" spc="-1" strike="noStrike">
+                <a:solidFill>
+                  <a:srgbClr val="0066b3"/>
+                </a:solidFill>
+                <a:latin typeface="Arial"/>
+                <a:ea typeface="Calibri"/>
+              </a:rPr>
+              <a:t>1- Report</a:t>
+            </a:r>
+            <a:r>
+              <a:rPr b="0" lang="en-GB" sz="1800" spc="-1" strike="noStrike">
                 <a:solidFill>
                   <a:srgbClr val="000000"/>
                 </a:solidFill>
                 <a:latin typeface="Arial"/>
                 <a:ea typeface="Calibri"/>
               </a:rPr>
-              <a:t>Regular weekly meetings</a:t>
+              <a:t> </a:t>
             </a:r>
             <a:endParaRPr b="0" lang="en-GB" sz="1800" spc="-1" strike="noStrike">
               <a:latin typeface="Arial"/>
@@ -7957,149 +7633,43 @@
               <a:lnSpc>
                 <a:spcPct val="100000"/>
               </a:lnSpc>
-              <a:spcAft>
-                <a:spcPts val="567"/>
-              </a:spcAft>
             </a:pPr>
             <a:endParaRPr b="0" lang="en-GB" sz="1800" spc="-1" strike="noStrike">
               <a:latin typeface="Arial"/>
             </a:endParaRPr>
           </a:p>
           <a:p>
-            <a:pPr marL="285840" indent="-282960">
+            <a:pPr>
               <a:lnSpc>
                 <a:spcPct val="100000"/>
               </a:lnSpc>
-              <a:spcAft>
-                <a:spcPts val="567"/>
-              </a:spcAft>
-              <a:buClr>
-                <a:srgbClr val="000000"/>
-              </a:buClr>
-              <a:buFont typeface="Arial"/>
-              <a:buChar char="•"/>
-            </a:pPr>
-            <a:r>
-              <a:rPr b="0" lang="en-GB" sz="1800" spc="-1" strike="noStrike">
-                <a:solidFill>
-                  <a:srgbClr val="000000"/>
-                </a:solidFill>
-                <a:latin typeface="Arial"/>
-                <a:ea typeface="Calibri"/>
-              </a:rPr>
-              <a:t>AMCG catch-up</a:t>
-            </a:r>
+            </a:pPr>
             <a:endParaRPr b="0" lang="en-GB" sz="1800" spc="-1" strike="noStrike">
               <a:latin typeface="Arial"/>
             </a:endParaRPr>
           </a:p>
           <a:p>
-            <a:pPr marL="285840" indent="-282960">
+            <a:pPr>
               <a:lnSpc>
                 <a:spcPct val="100000"/>
               </a:lnSpc>
-              <a:spcAft>
-                <a:spcPts val="567"/>
-              </a:spcAft>
-              <a:buClr>
-                <a:srgbClr val="000000"/>
-              </a:buClr>
-              <a:buFont typeface="Arial"/>
-              <a:buChar char="•"/>
-            </a:pPr>
-            <a:r>
-              <a:rPr b="0" lang="en-GB" sz="1800" spc="-1" strike="noStrike">
-                <a:solidFill>
-                  <a:srgbClr val="000000"/>
-                </a:solidFill>
-                <a:latin typeface="Arial"/>
-                <a:ea typeface="Calibri"/>
-              </a:rPr>
-              <a:t>Porous media/Inertia</a:t>
-            </a:r>
+            </a:pPr>
             <a:endParaRPr b="0" lang="en-GB" sz="1800" spc="-1" strike="noStrike">
               <a:latin typeface="Arial"/>
             </a:endParaRPr>
           </a:p>
-          <a:p>
-            <a:pPr marL="285840" indent="-282960">
-              <a:lnSpc>
-                <a:spcPct val="100000"/>
-              </a:lnSpc>
-              <a:spcAft>
-                <a:spcPts val="567"/>
-              </a:spcAft>
-              <a:buClr>
-                <a:srgbClr val="000000"/>
-              </a:buClr>
-              <a:buFont typeface="Arial"/>
-              <a:buChar char="•"/>
-            </a:pPr>
-            <a:r>
-              <a:rPr b="0" lang="en-GB" sz="1800" spc="-1" strike="noStrike">
-                <a:solidFill>
-                  <a:srgbClr val="000000"/>
-                </a:solidFill>
-                <a:latin typeface="Arial"/>
-                <a:ea typeface="Calibri"/>
-              </a:rPr>
-              <a:t>BP catch-up </a:t>
-            </a:r>
-            <a:endParaRPr b="0" lang="en-GB" sz="1800" spc="-1" strike="noStrike">
-              <a:latin typeface="Arial"/>
-            </a:endParaRPr>
-          </a:p>
-          <a:p>
-            <a:pPr>
-              <a:lnSpc>
-                <a:spcPct val="100000"/>
-              </a:lnSpc>
-              <a:spcAft>
-                <a:spcPts val="567"/>
-              </a:spcAft>
-            </a:pPr>
-            <a:endParaRPr b="0" lang="en-GB" sz="1800" spc="-1" strike="noStrike">
-              <a:latin typeface="Arial"/>
-            </a:endParaRPr>
-          </a:p>
-          <a:p>
-            <a:pPr>
-              <a:lnSpc>
-                <a:spcPct val="100000"/>
-              </a:lnSpc>
-              <a:spcAft>
-                <a:spcPts val="567"/>
-              </a:spcAft>
-            </a:pPr>
-            <a:endParaRPr b="0" lang="en-GB" sz="1800" spc="-1" strike="noStrike">
-              <a:latin typeface="Arial"/>
-            </a:endParaRPr>
-          </a:p>
-          <a:p>
-            <a:pPr>
-              <a:lnSpc>
-                <a:spcPct val="100000"/>
-              </a:lnSpc>
-              <a:spcAft>
-                <a:spcPts val="567"/>
-              </a:spcAft>
-            </a:pPr>
-            <a:endParaRPr b="0" lang="en-GB" sz="1800" spc="-1" strike="noStrike">
-              <a:latin typeface="Arial"/>
-            </a:endParaRPr>
-          </a:p>
-        </p:txBody>
-      </p:sp>
-      <p:sp>
-        <p:nvSpPr>
-          <p:cNvPr id="171" name="CustomShape 3"/>
+        </p:txBody>
+      </p:sp>
+      <p:sp>
+        <p:nvSpPr>
+          <p:cNvPr id="131" name="CustomShape 3"/>
           <p:cNvSpPr/>
           <p:nvPr/>
         </p:nvSpPr>
         <p:spPr>
           <a:xfrm>
-            <a:off x="4140000" y="1531440"/>
-            <a:ext cx="3347640" cy="2832480"/>
+            <a:off x="5760000" y="1800000"/>
+            <a:ext cx="1259280" cy="429840"/>
           </a:xfrm>
           <a:prstGeom prst="rect">
             <a:avLst/>
@@ -8122,19 +7692,16 @@
               <a:lnSpc>
                 <a:spcPct val="100000"/>
               </a:lnSpc>
-              <a:spcAft>
-                <a:spcPts val="567"/>
-              </a:spcAft>
-            </a:pPr>
-            <a:r>
-              <a:rPr b="1" lang="en-GB" sz="1800" spc="-1" strike="noStrike">
-                <a:solidFill>
-                  <a:srgbClr val="000000"/>
-                </a:solidFill>
-                <a:latin typeface="Arial"/>
-                <a:ea typeface="Calibri"/>
-              </a:rPr>
-              <a:t>Theory</a:t>
+            </a:pPr>
+            <a:r>
+              <a:rPr b="0" lang="en-GB" sz="1800" spc="-1" strike="noStrike">
+                <a:solidFill>
+                  <a:srgbClr val="0066b3"/>
+                </a:solidFill>
+                <a:latin typeface="Arial"/>
+                <a:ea typeface="Calibri"/>
+              </a:rPr>
+              <a:t>1- Theory </a:t>
             </a:r>
             <a:endParaRPr b="0" lang="en-GB" sz="1800" spc="-1" strike="noStrike">
               <a:latin typeface="Arial"/>
@@ -8145,212 +7712,92 @@
               <a:lnSpc>
                 <a:spcPct val="100000"/>
               </a:lnSpc>
-              <a:spcAft>
-                <a:spcPts val="567"/>
-              </a:spcAft>
             </a:pPr>
             <a:endParaRPr b="0" lang="en-GB" sz="1800" spc="-1" strike="noStrike">
               <a:latin typeface="Arial"/>
             </a:endParaRPr>
           </a:p>
           <a:p>
-            <a:pPr marL="285840" indent="-282960">
+            <a:pPr>
               <a:lnSpc>
                 <a:spcPct val="100000"/>
               </a:lnSpc>
-              <a:spcAft>
-                <a:spcPts val="567"/>
-              </a:spcAft>
-              <a:buClr>
-                <a:srgbClr val="000000"/>
-              </a:buClr>
-              <a:buFont typeface="Arial"/>
-              <a:buChar char="•"/>
-            </a:pPr>
-            <a:r>
-              <a:rPr b="0" lang="en-GB" sz="1800" spc="-1" strike="noStrike">
-                <a:solidFill>
-                  <a:srgbClr val="000000"/>
-                </a:solidFill>
-                <a:latin typeface="Arial"/>
-                <a:ea typeface="Calibri"/>
-              </a:rPr>
-              <a:t>Delaunay and barycenter triangulation (a few days)</a:t>
-            </a:r>
+            </a:pPr>
             <a:endParaRPr b="0" lang="en-GB" sz="1800" spc="-1" strike="noStrike">
               <a:latin typeface="Arial"/>
             </a:endParaRPr>
           </a:p>
           <a:p>
-            <a:pPr marL="285840" indent="-282960">
+            <a:pPr>
               <a:lnSpc>
                 <a:spcPct val="100000"/>
               </a:lnSpc>
-              <a:spcAft>
-                <a:spcPts val="567"/>
-              </a:spcAft>
-              <a:buClr>
-                <a:srgbClr val="000000"/>
-              </a:buClr>
-              <a:buFont typeface="Arial"/>
-              <a:buChar char="•"/>
-            </a:pPr>
-            <a:r>
-              <a:rPr b="0" lang="en-GB" sz="1800" spc="-1" strike="noStrike">
-                <a:solidFill>
-                  <a:srgbClr val="000000"/>
-                </a:solidFill>
-                <a:latin typeface="Arial"/>
-                <a:ea typeface="Calibri"/>
-              </a:rPr>
-              <a:t>Voronoi diagram</a:t>
-            </a:r>
+            </a:pPr>
             <a:endParaRPr b="0" lang="en-GB" sz="1800" spc="-1" strike="noStrike">
               <a:latin typeface="Arial"/>
             </a:endParaRPr>
           </a:p>
-          <a:p>
-            <a:pPr marL="285840" indent="-282960">
-              <a:lnSpc>
-                <a:spcPct val="100000"/>
-              </a:lnSpc>
-              <a:spcAft>
-                <a:spcPts val="567"/>
-              </a:spcAft>
-              <a:buClr>
-                <a:srgbClr val="000000"/>
-              </a:buClr>
-              <a:buFont typeface="Arial"/>
-              <a:buChar char="•"/>
-            </a:pPr>
-            <a:r>
-              <a:rPr b="0" lang="en-GB" sz="1800" spc="-1" strike="noStrike">
-                <a:solidFill>
-                  <a:srgbClr val="000000"/>
-                </a:solidFill>
-                <a:latin typeface="Arial"/>
-                <a:ea typeface="Calibri"/>
-              </a:rPr>
-              <a:t>Structured mesh generation</a:t>
-            </a:r>
-            <a:endParaRPr b="0" lang="en-GB" sz="1800" spc="-1" strike="noStrike">
-              <a:latin typeface="Arial"/>
-            </a:endParaRPr>
-          </a:p>
-          <a:p>
-            <a:pPr marL="285840" indent="-282960">
-              <a:lnSpc>
-                <a:spcPct val="100000"/>
-              </a:lnSpc>
-              <a:spcAft>
-                <a:spcPts val="567"/>
-              </a:spcAft>
-              <a:buClr>
-                <a:srgbClr val="000000"/>
-              </a:buClr>
-              <a:buFont typeface="Arial"/>
-              <a:buChar char="•"/>
-            </a:pPr>
-            <a:r>
-              <a:rPr b="0" lang="en-GB" sz="1800" spc="-1" strike="noStrike">
-                <a:solidFill>
-                  <a:srgbClr val="000000"/>
-                </a:solidFill>
-                <a:latin typeface="Arial"/>
-                <a:ea typeface="Calibri"/>
-              </a:rPr>
-              <a:t>Unstructured mesh generation (~a month) </a:t>
-            </a:r>
-            <a:endParaRPr b="0" lang="en-GB" sz="1800" spc="-1" strike="noStrike">
-              <a:latin typeface="Arial"/>
-            </a:endParaRPr>
-          </a:p>
-          <a:p>
-            <a:pPr marL="285840" indent="-282960">
-              <a:lnSpc>
-                <a:spcPct val="100000"/>
-              </a:lnSpc>
-              <a:spcAft>
-                <a:spcPts val="567"/>
-              </a:spcAft>
-              <a:buClr>
-                <a:srgbClr val="000000"/>
-              </a:buClr>
-              <a:buFont typeface="Arial"/>
-              <a:buChar char="•"/>
-            </a:pPr>
-            <a:r>
-              <a:rPr b="0" lang="en-GB" sz="1800" spc="-1" strike="noStrike">
-                <a:solidFill>
-                  <a:srgbClr val="000000"/>
-                </a:solidFill>
-                <a:latin typeface="Arial"/>
-                <a:ea typeface="Calibri"/>
-              </a:rPr>
-              <a:t>Semi-structured mesh</a:t>
-            </a:r>
-            <a:endParaRPr b="0" lang="en-GB" sz="1800" spc="-1" strike="noStrike">
-              <a:latin typeface="Arial"/>
-            </a:endParaRPr>
-          </a:p>
-          <a:p>
-            <a:pPr>
-              <a:lnSpc>
-                <a:spcPct val="100000"/>
-              </a:lnSpc>
-              <a:spcAft>
-                <a:spcPts val="567"/>
-              </a:spcAft>
-            </a:pPr>
-            <a:endParaRPr b="0" lang="en-GB" sz="1800" spc="-1" strike="noStrike">
-              <a:latin typeface="Arial"/>
-            </a:endParaRPr>
-          </a:p>
-          <a:p>
-            <a:pPr>
-              <a:lnSpc>
-                <a:spcPct val="100000"/>
-              </a:lnSpc>
-              <a:spcAft>
-                <a:spcPts val="567"/>
-              </a:spcAft>
-            </a:pPr>
-            <a:endParaRPr b="0" lang="en-GB" sz="1800" spc="-1" strike="noStrike">
-              <a:latin typeface="Arial"/>
-            </a:endParaRPr>
-          </a:p>
-          <a:p>
-            <a:pPr>
-              <a:lnSpc>
-                <a:spcPct val="100000"/>
-              </a:lnSpc>
-              <a:spcAft>
-                <a:spcPts val="567"/>
-              </a:spcAft>
-            </a:pPr>
-            <a:endParaRPr b="0" lang="en-GB" sz="1800" spc="-1" strike="noStrike">
-              <a:latin typeface="Arial"/>
-            </a:endParaRPr>
-          </a:p>
-        </p:txBody>
-      </p:sp>
-      <p:sp>
-        <p:nvSpPr>
-          <p:cNvPr id="172" name="CustomShape 4"/>
-          <p:cNvSpPr/>
-          <p:nvPr/>
-        </p:nvSpPr>
-        <p:spPr>
-          <a:xfrm>
-            <a:off x="4833360" y="6238080"/>
-            <a:ext cx="2523960" cy="471240"/>
-          </a:xfrm>
-          <a:prstGeom prst="rect">
-            <a:avLst/>
-          </a:prstGeom>
-          <a:noFill/>
+        </p:txBody>
+      </p:sp>
+      <p:pic>
+        <p:nvPicPr>
+          <p:cNvPr id="132" name="" descr=""/>
+          <p:cNvPicPr/>
+          <p:nvPr/>
+        </p:nvPicPr>
+        <p:blipFill>
+          <a:blip r:embed="rId3"/>
+          <a:stretch/>
+        </p:blipFill>
+        <p:spPr>
+          <a:xfrm>
+            <a:off x="7344000" y="1728000"/>
+            <a:ext cx="4016520" cy="4389840"/>
+          </a:xfrm>
+          <a:prstGeom prst="rect">
+            <a:avLst/>
+          </a:prstGeom>
           <a:ln>
             <a:noFill/>
+          </a:ln>
+        </p:spPr>
+      </p:pic>
+      <p:sp>
+        <p:nvSpPr>
+          <p:cNvPr id="133" name="CustomShape 4"/>
+          <p:cNvSpPr/>
+          <p:nvPr/>
+        </p:nvSpPr>
+        <p:spPr>
+          <a:xfrm flipH="1">
+            <a:off x="5898600" y="2491920"/>
+            <a:ext cx="7920" cy="2894040"/>
+          </a:xfrm>
+          <a:custGeom>
+            <a:avLst/>
+            <a:gdLst/>
+            <a:ahLst/>
+            <a:rect l="l" t="t" r="r" b="b"/>
+            <a:pathLst>
+              <a:path w="21600" h="21600">
+                <a:moveTo>
+                  <a:pt x="0" y="0"/>
+                </a:moveTo>
+                <a:lnTo>
+                  <a:pt x="21600" y="21600"/>
+                </a:lnTo>
+              </a:path>
+            </a:pathLst>
+          </a:custGeom>
+          <a:noFill/>
+          <a:ln cap="rnd" w="10080">
+            <a:solidFill>
+              <a:srgbClr val="0066b3"/>
+            </a:solidFill>
+            <a:custDash>
+              <a:ds d="2200000" sp="2200000"/>
+            </a:custDash>
+            <a:round/>
           </a:ln>
         </p:spPr>
         <p:style>
@@ -8359,6 +7806,32 @@
           <a:effectRef idx="0"/>
           <a:fontRef idx="minor"/>
         </p:style>
+      </p:sp>
+      <p:sp>
+        <p:nvSpPr>
+          <p:cNvPr id="134" name="CustomShape 5"/>
+          <p:cNvSpPr/>
+          <p:nvPr/>
+        </p:nvSpPr>
+        <p:spPr>
+          <a:xfrm>
+            <a:off x="4833360" y="6238440"/>
+            <a:ext cx="2523600" cy="470880"/>
+          </a:xfrm>
+          <a:prstGeom prst="rect">
+            <a:avLst/>
+          </a:prstGeom>
+          <a:noFill/>
+          <a:ln>
+            <a:noFill/>
+          </a:ln>
+        </p:spPr>
+        <p:style>
+          <a:lnRef idx="0"/>
+          <a:fillRef idx="0"/>
+          <a:effectRef idx="0"/>
+          <a:fontRef idx="minor"/>
+        </p:style>
         <p:txBody>
           <a:bodyPr lIns="90000" rIns="90000" tIns="45000" bIns="45000"/>
           <a:p>
@@ -8421,7 +7894,7 @@
                 <a:latin typeface="Arial"/>
                 <a:ea typeface="Calibri"/>
               </a:rPr>
-              <a:t>24</a:t>
+              <a:t>30</a:t>
             </a:r>
             <a:r>
               <a:rPr b="0" lang="en-GB" sz="1400" spc="-1" strike="noStrike" baseline="30000">
@@ -8441,7 +7914,7 @@
                 <a:latin typeface="Arial"/>
                 <a:ea typeface="Calibri"/>
               </a:rPr>
-              <a:t> March 2021</a:t>
+              <a:t> June 2021</a:t>
             </a:r>
             <a:endParaRPr b="0" lang="en-GB" sz="1400" spc="-1" strike="noStrike">
               <a:latin typeface="Arial"/>
@@ -8500,7 +7973,7 @@
       </p:grpSpPr>
       <p:pic>
         <p:nvPicPr>
-          <p:cNvPr id="173" name="Picture 6" descr=""/>
+          <p:cNvPr id="135" name="Picture 6" descr=""/>
           <p:cNvPicPr/>
           <p:nvPr/>
         </p:nvPicPr>
@@ -8511,7 +7984,7 @@
         <p:spPr>
           <a:xfrm>
             <a:off x="388440" y="333720"/>
-            <a:ext cx="1359360" cy="358920"/>
+            <a:ext cx="1359000" cy="358560"/>
           </a:xfrm>
           <a:prstGeom prst="rect">
             <a:avLst/>
@@ -8523,7 +7996,7 @@
       </p:pic>
       <p:pic>
         <p:nvPicPr>
-          <p:cNvPr id="174" name="Picture 6" descr=""/>
+          <p:cNvPr id="136" name="Picture 6" descr=""/>
           <p:cNvPicPr/>
           <p:nvPr/>
         </p:nvPicPr>
@@ -8534,7 +8007,7 @@
         <p:spPr>
           <a:xfrm>
             <a:off x="10336680" y="334800"/>
-            <a:ext cx="984960" cy="1272960"/>
+            <a:ext cx="984600" cy="1272600"/>
           </a:xfrm>
           <a:prstGeom prst="rect">
             <a:avLst/>
@@ -8546,14 +8019,14 @@
       </p:pic>
       <p:sp>
         <p:nvSpPr>
-          <p:cNvPr id="175" name="CustomShape 1"/>
+          <p:cNvPr id="137" name="CustomShape 1"/>
           <p:cNvSpPr/>
           <p:nvPr/>
         </p:nvSpPr>
         <p:spPr>
           <a:xfrm>
-            <a:off x="4833360" y="6238080"/>
-            <a:ext cx="2523960" cy="471240"/>
+            <a:off x="6427440" y="4549320"/>
+            <a:ext cx="4946400" cy="344520"/>
           </a:xfrm>
           <a:prstGeom prst="rect">
             <a:avLst/>
@@ -8574,101 +8047,35 @@
           <a:p>
             <a:pPr algn="ctr">
               <a:lnSpc>
-                <a:spcPct val="90000"/>
-              </a:lnSpc>
-              <a:spcBef>
-                <a:spcPts val="1001"/>
-              </a:spcBef>
-            </a:pPr>
-            <a:r>
-              <a:rPr b="1" lang="en-GB" sz="1400" spc="-1" strike="noStrike">
-                <a:solidFill>
-                  <a:srgbClr val="002060"/>
-                </a:solidFill>
-                <a:latin typeface="Arial"/>
-                <a:ea typeface="Calibri"/>
-              </a:rPr>
-              <a:t>ICL-</a:t>
-            </a:r>
-            <a:r>
-              <a:rPr b="1" lang="en-GB" sz="1400" spc="-1" strike="noStrike">
-                <a:solidFill>
-                  <a:srgbClr val="0070c0"/>
-                </a:solidFill>
-                <a:latin typeface="Arial"/>
-                <a:ea typeface="Calibri"/>
-              </a:rPr>
-              <a:t>ICAM</a:t>
-            </a:r>
-            <a:r>
-              <a:rPr b="1" lang="en-GB" sz="1400" spc="-1" strike="noStrike">
-                <a:solidFill>
-                  <a:srgbClr val="002060"/>
-                </a:solidFill>
-                <a:latin typeface="Arial"/>
-                <a:ea typeface="Calibri"/>
-              </a:rPr>
-              <a:t>-BP</a:t>
-            </a:r>
-            <a:endParaRPr b="0" lang="en-GB" sz="1400" spc="-1" strike="noStrike">
-              <a:latin typeface="Arial"/>
-            </a:endParaRPr>
-          </a:p>
-          <a:p>
-            <a:pPr algn="ctr">
-              <a:lnSpc>
-                <a:spcPct val="90000"/>
-              </a:lnSpc>
-              <a:spcBef>
-                <a:spcPts val="1001"/>
-              </a:spcBef>
-            </a:pPr>
-            <a:r>
-              <a:rPr b="0" lang="en-GB" sz="1400" spc="-1" strike="noStrike">
+                <a:spcPct val="100000"/>
+              </a:lnSpc>
+            </a:pPr>
+            <a:r>
+              <a:rPr b="0" lang="en-GB" sz="1100" spc="-1" strike="noStrike">
                 <a:solidFill>
                   <a:srgbClr val="000000"/>
                 </a:solidFill>
-                <a:latin typeface="Arial"/>
-                <a:ea typeface="Calibri"/>
-              </a:rPr>
-              <a:t>24</a:t>
-            </a:r>
-            <a:r>
-              <a:rPr b="0" lang="en-GB" sz="1400" spc="-1" strike="noStrike" baseline="30000">
-                <a:solidFill>
-                  <a:srgbClr val="000000"/>
-                </a:solidFill>
-                <a:latin typeface="Arial"/>
-                <a:ea typeface="Calibri"/>
-              </a:rPr>
-              <a:t>th</a:t>
-            </a:r>
-            <a:r>
-              <a:rPr b="0" lang="en-GB" sz="1400" spc="-1" strike="noStrike">
-                <a:solidFill>
-                  <a:srgbClr val="000000"/>
-                </a:solidFill>
-                <a:latin typeface="Arial"/>
-                <a:ea typeface="Calibri"/>
-              </a:rPr>
-              <a:t> March 2021</a:t>
-            </a:r>
-            <a:endParaRPr b="0" lang="en-GB" sz="1400" spc="-1" strike="noStrike">
-              <a:latin typeface="Arial"/>
-            </a:endParaRPr>
-          </a:p>
-        </p:txBody>
-      </p:sp>
-      <p:sp>
-        <p:nvSpPr>
-          <p:cNvPr id="176" name="CustomShape 2"/>
+                <a:latin typeface="calibri"/>
+                <a:ea typeface="DejaVu Sans"/>
+              </a:rPr>
+              <a:t>Figure 5. Illustration of the standard 2D-DG against 2D-DPG results for the same number of elements, 100.</a:t>
+            </a:r>
+            <a:endParaRPr b="0" lang="en-GB" sz="1100" spc="-1" strike="noStrike">
+              <a:latin typeface="calibri"/>
+            </a:endParaRPr>
+          </a:p>
+        </p:txBody>
+      </p:sp>
+      <p:sp>
+        <p:nvSpPr>
+          <p:cNvPr id="138" name="CustomShape 2"/>
           <p:cNvSpPr/>
           <p:nvPr/>
         </p:nvSpPr>
         <p:spPr>
           <a:xfrm>
-            <a:off x="5614920" y="3130200"/>
-            <a:ext cx="961200" cy="597240"/>
+            <a:off x="1734480" y="6241320"/>
+            <a:ext cx="3494880" cy="344520"/>
           </a:xfrm>
           <a:prstGeom prst="rect">
             <a:avLst/>
@@ -8687,30 +8094,188 @@
         <p:txBody>
           <a:bodyPr lIns="90000" rIns="90000" tIns="45000" bIns="45000"/>
           <a:p>
-            <a:pPr>
+            <a:pPr algn="ctr">
               <a:lnSpc>
                 <a:spcPct val="100000"/>
               </a:lnSpc>
-              <a:spcAft>
-                <a:spcPts val="567"/>
-              </a:spcAft>
-            </a:pPr>
-            <a:r>
-              <a:rPr b="1" lang="en-GB" sz="2800" spc="-1" strike="noStrike">
+            </a:pPr>
+            <a:r>
+              <a:rPr b="0" lang="en-GB" sz="1800" spc="-1" strike="noStrike" baseline="33000">
                 <a:solidFill>
                   <a:srgbClr val="000000"/>
                 </a:solidFill>
-                <a:latin typeface="Arial"/>
-                <a:ea typeface="Calibri"/>
-              </a:rPr>
-              <a:t>END</a:t>
-            </a:r>
-            <a:endParaRPr b="0" lang="en-GB" sz="2800" spc="-1" strike="noStrike">
-              <a:latin typeface="Arial"/>
-            </a:endParaRPr>
-          </a:p>
-        </p:txBody>
-      </p:sp>
+                <a:latin typeface="calibri"/>
+                <a:ea typeface="DejaVu Sans"/>
+              </a:rPr>
+              <a:t>Figure 4. Flowchart for the DG Petrov-Galerkin diffusion method.</a:t>
+            </a:r>
+            <a:endParaRPr b="0" lang="en-GB" sz="1800" spc="-1" strike="noStrike">
+              <a:latin typeface="calibri"/>
+            </a:endParaRPr>
+          </a:p>
+        </p:txBody>
+      </p:sp>
+      <p:sp>
+        <p:nvSpPr>
+          <p:cNvPr id="139" name="CustomShape 3"/>
+          <p:cNvSpPr/>
+          <p:nvPr/>
+        </p:nvSpPr>
+        <p:spPr>
+          <a:xfrm>
+            <a:off x="4833360" y="6238440"/>
+            <a:ext cx="2523600" cy="470880"/>
+          </a:xfrm>
+          <a:prstGeom prst="rect">
+            <a:avLst/>
+          </a:prstGeom>
+          <a:noFill/>
+          <a:ln>
+            <a:noFill/>
+          </a:ln>
+        </p:spPr>
+        <p:style>
+          <a:lnRef idx="0"/>
+          <a:fillRef idx="0"/>
+          <a:effectRef idx="0"/>
+          <a:fontRef idx="minor"/>
+        </p:style>
+        <p:txBody>
+          <a:bodyPr lIns="90000" rIns="90000" tIns="45000" bIns="45000"/>
+          <a:p>
+            <a:pPr algn="ctr">
+              <a:lnSpc>
+                <a:spcPct val="90000"/>
+              </a:lnSpc>
+              <a:spcBef>
+                <a:spcPts val="1001"/>
+              </a:spcBef>
+            </a:pPr>
+            <a:r>
+              <a:rPr b="1" lang="en-GB" sz="1400" spc="-1" strike="noStrike">
+                <a:solidFill>
+                  <a:srgbClr val="002060"/>
+                </a:solidFill>
+                <a:latin typeface="Arial"/>
+                <a:ea typeface="Calibri"/>
+              </a:rPr>
+              <a:t>ICL-</a:t>
+            </a:r>
+            <a:r>
+              <a:rPr b="1" lang="en-GB" sz="1400" spc="-1" strike="noStrike">
+                <a:solidFill>
+                  <a:srgbClr val="0070c0"/>
+                </a:solidFill>
+                <a:latin typeface="Arial"/>
+                <a:ea typeface="Calibri"/>
+              </a:rPr>
+              <a:t>ICAM</a:t>
+            </a:r>
+            <a:r>
+              <a:rPr b="1" lang="en-GB" sz="1400" spc="-1" strike="noStrike">
+                <a:solidFill>
+                  <a:srgbClr val="002060"/>
+                </a:solidFill>
+                <a:latin typeface="Arial"/>
+                <a:ea typeface="Calibri"/>
+              </a:rPr>
+              <a:t>-BP</a:t>
+            </a:r>
+            <a:endParaRPr b="0" lang="en-GB" sz="1400" spc="-1" strike="noStrike">
+              <a:latin typeface="Arial"/>
+            </a:endParaRPr>
+          </a:p>
+          <a:p>
+            <a:pPr algn="ctr">
+              <a:lnSpc>
+                <a:spcPct val="90000"/>
+              </a:lnSpc>
+              <a:spcBef>
+                <a:spcPts val="1001"/>
+              </a:spcBef>
+            </a:pPr>
+            <a:r>
+              <a:rPr b="0" lang="en-GB" sz="1400" spc="-1" strike="noStrike">
+                <a:solidFill>
+                  <a:srgbClr val="000000"/>
+                </a:solidFill>
+                <a:latin typeface="Arial"/>
+                <a:ea typeface="Calibri"/>
+              </a:rPr>
+              <a:t>30</a:t>
+            </a:r>
+            <a:r>
+              <a:rPr b="0" lang="en-GB" sz="1400" spc="-1" strike="noStrike" baseline="30000">
+                <a:solidFill>
+                  <a:srgbClr val="000000"/>
+                </a:solidFill>
+                <a:latin typeface="Arial"/>
+                <a:ea typeface="Calibri"/>
+              </a:rPr>
+              <a:t>th</a:t>
+            </a:r>
+            <a:r>
+              <a:rPr b="0" lang="en-GB" sz="1400" spc="-1" strike="noStrike">
+                <a:solidFill>
+                  <a:srgbClr val="000000"/>
+                </a:solidFill>
+                <a:latin typeface="Arial"/>
+                <a:ea typeface="Calibri"/>
+              </a:rPr>
+              <a:t> June 2021</a:t>
+            </a:r>
+            <a:endParaRPr b="0" lang="en-GB" sz="1400" spc="-1" strike="noStrike">
+              <a:latin typeface="Arial"/>
+            </a:endParaRPr>
+          </a:p>
+        </p:txBody>
+      </p:sp>
+      <p:pic>
+        <p:nvPicPr>
+          <p:cNvPr id="140" name="" descr=""/>
+          <p:cNvPicPr/>
+          <p:nvPr/>
+        </p:nvPicPr>
+        <p:blipFill>
+          <a:blip r:embed="rId3"/>
+          <a:stretch/>
+        </p:blipFill>
+        <p:spPr>
+          <a:xfrm>
+            <a:off x="1927800" y="524880"/>
+            <a:ext cx="3239640" cy="5742360"/>
+          </a:xfrm>
+          <a:prstGeom prst="rect">
+            <a:avLst/>
+          </a:prstGeom>
+          <a:ln>
+            <a:noFill/>
+          </a:ln>
+        </p:spPr>
+      </p:pic>
+      <p:pic>
+        <p:nvPicPr>
+          <p:cNvPr id="141" name="" descr=""/>
+          <p:cNvPicPr/>
+          <p:nvPr/>
+        </p:nvPicPr>
+        <p:blipFill>
+          <a:blip r:embed="rId4"/>
+          <a:stretch/>
+        </p:blipFill>
+        <p:spPr>
+          <a:xfrm>
+            <a:off x="6336000" y="1667880"/>
+            <a:ext cx="4564440" cy="2651760"/>
+          </a:xfrm>
+          <a:prstGeom prst="rect">
+            <a:avLst/>
+          </a:prstGeom>
+          <a:ln>
+            <a:noFill/>
+          </a:ln>
+        </p:spPr>
+      </p:pic>
     </p:spTree>
   </p:cSld>
   <p:timing>
@@ -8720,6 +8285,553 @@
           <p:childTnLst>
             <p:seq>
               <p:cTn id="16" dur="indefinite" nodeType="mainSeq"/>
+              <p:prevCondLst>
+                <p:cond delay="0" evt="onPrev">
+                  <p:tgtEl>
+                    <p:sldTgt/>
+                  </p:tgtEl>
+                </p:cond>
+              </p:prevCondLst>
+              <p:nextCondLst>
+                <p:cond delay="0" evt="onNext">
+                  <p:tgtEl>
+                    <p:sldTgt/>
+                  </p:tgtEl>
+                </p:cond>
+              </p:nextCondLst>
+            </p:seq>
+          </p:childTnLst>
+        </p:cTn>
+      </p:par>
+    </p:tnLst>
+  </p:timing>
+</p:sld>
+</file>
+
+<file path=ppt/slides/slide9.xml><?xml version="1.0" encoding="utf-8"?>
+<p:sld xmlns:a="http://schemas.openxmlformats.org/drawingml/2006/main" xmlns:p="http://schemas.openxmlformats.org/presentationml/2006/main" xmlns:r="http://schemas.openxmlformats.org/officeDocument/2006/relationships" xmlns:p14="http://schemas.microsoft.com/office/powerpoint/2010/main" xmlns:p15="http://schemas.microsoft.com/office/powerpoint/2012/main" xmlns:mc="http://schemas.openxmlformats.org/markup-compatibility/2006">
+  <p:cSld>
+    <p:spTree>
+      <p:nvGrpSpPr>
+        <p:cNvPr id="1" name=""/>
+        <p:cNvGrpSpPr/>
+        <p:nvPr/>
+      </p:nvGrpSpPr>
+      <p:grpSpPr>
+        <a:xfrm>
+          <a:off x="0" y="0"/>
+          <a:ext cx="0" cy="0"/>
+          <a:chOff x="0" y="0"/>
+          <a:chExt cx="0" cy="0"/>
+        </a:xfrm>
+      </p:grpSpPr>
+      <p:pic>
+        <p:nvPicPr>
+          <p:cNvPr id="142" name="Picture 6" descr=""/>
+          <p:cNvPicPr/>
+          <p:nvPr/>
+        </p:nvPicPr>
+        <p:blipFill>
+          <a:blip r:embed="rId1"/>
+          <a:stretch/>
+        </p:blipFill>
+        <p:spPr>
+          <a:xfrm>
+            <a:off x="388440" y="333720"/>
+            <a:ext cx="1359000" cy="358560"/>
+          </a:xfrm>
+          <a:prstGeom prst="rect">
+            <a:avLst/>
+          </a:prstGeom>
+          <a:ln>
+            <a:noFill/>
+          </a:ln>
+        </p:spPr>
+      </p:pic>
+      <p:sp>
+        <p:nvSpPr>
+          <p:cNvPr id="143" name="CustomShape 1"/>
+          <p:cNvSpPr/>
+          <p:nvPr/>
+        </p:nvSpPr>
+        <p:spPr>
+          <a:xfrm>
+            <a:off x="648000" y="1044000"/>
+            <a:ext cx="2088000" cy="357480"/>
+          </a:xfrm>
+          <a:prstGeom prst="rect">
+            <a:avLst/>
+          </a:prstGeom>
+          <a:noFill/>
+          <a:ln>
+            <a:noFill/>
+          </a:ln>
+        </p:spPr>
+        <p:style>
+          <a:lnRef idx="0"/>
+          <a:fillRef idx="0"/>
+          <a:effectRef idx="0"/>
+          <a:fontRef idx="minor"/>
+        </p:style>
+        <p:txBody>
+          <a:bodyPr lIns="90000" rIns="90000" tIns="45000" bIns="45000"/>
+          <a:p>
+            <a:pPr>
+              <a:lnSpc>
+                <a:spcPct val="100000"/>
+              </a:lnSpc>
+            </a:pPr>
+            <a:r>
+              <a:rPr b="1" lang="en-GB" sz="1800" spc="-1" strike="noStrike">
+                <a:solidFill>
+                  <a:srgbClr val="000000"/>
+                </a:solidFill>
+                <a:latin typeface="Arial"/>
+                <a:ea typeface="Calibri"/>
+              </a:rPr>
+              <a:t>- 2D P0_DG-FEM</a:t>
+            </a:r>
+            <a:endParaRPr b="0" lang="en-GB" sz="1800" spc="-1" strike="noStrike">
+              <a:latin typeface="Arial"/>
+            </a:endParaRPr>
+          </a:p>
+          <a:p>
+            <a:pPr>
+              <a:lnSpc>
+                <a:spcPct val="100000"/>
+              </a:lnSpc>
+            </a:pPr>
+            <a:endParaRPr b="0" lang="en-GB" sz="1800" spc="-1" strike="noStrike">
+              <a:latin typeface="Arial"/>
+            </a:endParaRPr>
+          </a:p>
+        </p:txBody>
+      </p:sp>
+      <p:pic>
+        <p:nvPicPr>
+          <p:cNvPr id="144" name="Picture 6" descr=""/>
+          <p:cNvPicPr/>
+          <p:nvPr/>
+        </p:nvPicPr>
+        <p:blipFill>
+          <a:blip r:embed="rId2"/>
+          <a:stretch/>
+        </p:blipFill>
+        <p:spPr>
+          <a:xfrm>
+            <a:off x="10336680" y="334800"/>
+            <a:ext cx="984600" cy="1272600"/>
+          </a:xfrm>
+          <a:prstGeom prst="rect">
+            <a:avLst/>
+          </a:prstGeom>
+          <a:ln>
+            <a:noFill/>
+          </a:ln>
+        </p:spPr>
+      </p:pic>
+      <p:sp>
+        <p:nvSpPr>
+          <p:cNvPr id="145" name="CustomShape 2"/>
+          <p:cNvSpPr/>
+          <p:nvPr/>
+        </p:nvSpPr>
+        <p:spPr>
+          <a:xfrm>
+            <a:off x="648000" y="2952000"/>
+            <a:ext cx="1726560" cy="357480"/>
+          </a:xfrm>
+          <a:prstGeom prst="rect">
+            <a:avLst/>
+          </a:prstGeom>
+          <a:noFill/>
+          <a:ln>
+            <a:noFill/>
+          </a:ln>
+        </p:spPr>
+        <p:style>
+          <a:lnRef idx="0"/>
+          <a:fillRef idx="0"/>
+          <a:effectRef idx="0"/>
+          <a:fontRef idx="minor"/>
+        </p:style>
+        <p:txBody>
+          <a:bodyPr lIns="90000" rIns="90000" tIns="45000" bIns="45000"/>
+          <a:p>
+            <a:pPr>
+              <a:lnSpc>
+                <a:spcPct val="100000"/>
+              </a:lnSpc>
+            </a:pPr>
+            <a:r>
+              <a:rPr b="1" lang="en-GB" sz="1800" spc="-1" strike="noStrike">
+                <a:solidFill>
+                  <a:srgbClr val="000000"/>
+                </a:solidFill>
+                <a:latin typeface="Arial"/>
+                <a:ea typeface="Calibri"/>
+              </a:rPr>
+              <a:t>- 2D DG-FEM</a:t>
+            </a:r>
+            <a:endParaRPr b="0" lang="en-GB" sz="1800" spc="-1" strike="noStrike">
+              <a:latin typeface="Arial"/>
+            </a:endParaRPr>
+          </a:p>
+          <a:p>
+            <a:pPr>
+              <a:lnSpc>
+                <a:spcPct val="100000"/>
+              </a:lnSpc>
+            </a:pPr>
+            <a:endParaRPr b="0" lang="en-GB" sz="1800" spc="-1" strike="noStrike">
+              <a:latin typeface="Arial"/>
+            </a:endParaRPr>
+          </a:p>
+        </p:txBody>
+      </p:sp>
+      <p:sp>
+        <p:nvSpPr>
+          <p:cNvPr id="146" name="CustomShape 3"/>
+          <p:cNvSpPr/>
+          <p:nvPr/>
+        </p:nvSpPr>
+        <p:spPr>
+          <a:xfrm>
+            <a:off x="897480" y="5832000"/>
+            <a:ext cx="2794680" cy="285840"/>
+          </a:xfrm>
+          <a:prstGeom prst="rect">
+            <a:avLst/>
+          </a:prstGeom>
+          <a:noFill/>
+          <a:ln>
+            <a:noFill/>
+          </a:ln>
+        </p:spPr>
+        <p:style>
+          <a:lnRef idx="0"/>
+          <a:fillRef idx="0"/>
+          <a:effectRef idx="0"/>
+          <a:fontRef idx="minor"/>
+        </p:style>
+        <p:txBody>
+          <a:bodyPr lIns="90000" rIns="90000" tIns="45000" bIns="45000"/>
+          <a:p>
+            <a:pPr algn="ctr">
+              <a:lnSpc>
+                <a:spcPct val="100000"/>
+              </a:lnSpc>
+            </a:pPr>
+            <a:r>
+              <a:rPr b="0" lang="en-GB" sz="1100" spc="-1" strike="noStrike">
+                <a:solidFill>
+                  <a:srgbClr val="000000"/>
+                </a:solidFill>
+                <a:latin typeface="Arial"/>
+                <a:ea typeface="DejaVu Sans"/>
+              </a:rPr>
+              <a:t>Figure 7. P0_2D domain with local &amp; global node numbering.</a:t>
+            </a:r>
+            <a:endParaRPr b="0" lang="en-GB" sz="1100" spc="-1" strike="noStrike">
+              <a:latin typeface="Arial"/>
+            </a:endParaRPr>
+          </a:p>
+        </p:txBody>
+      </p:sp>
+      <p:sp>
+        <p:nvSpPr>
+          <p:cNvPr id="147" name="CustomShape 4"/>
+          <p:cNvSpPr/>
+          <p:nvPr/>
+        </p:nvSpPr>
+        <p:spPr>
+          <a:xfrm>
+            <a:off x="4644000" y="5580000"/>
+            <a:ext cx="3418920" cy="230040"/>
+          </a:xfrm>
+          <a:prstGeom prst="rect">
+            <a:avLst/>
+          </a:prstGeom>
+          <a:noFill/>
+          <a:ln>
+            <a:noFill/>
+          </a:ln>
+        </p:spPr>
+        <p:style>
+          <a:lnRef idx="0"/>
+          <a:fillRef idx="0"/>
+          <a:effectRef idx="0"/>
+          <a:fontRef idx="minor"/>
+        </p:style>
+        <p:txBody>
+          <a:bodyPr lIns="90000" rIns="90000" tIns="45000" bIns="45000"/>
+          <a:p>
+            <a:pPr algn="ctr">
+              <a:lnSpc>
+                <a:spcPct val="100000"/>
+              </a:lnSpc>
+            </a:pPr>
+            <a:r>
+              <a:rPr b="0" lang="en-GB" sz="1100" spc="-1" strike="noStrike">
+                <a:solidFill>
+                  <a:srgbClr val="000000"/>
+                </a:solidFill>
+                <a:latin typeface="Arial"/>
+                <a:ea typeface="DejaVu Sans"/>
+              </a:rPr>
+              <a:t>Figure 8. Volume integration using 3-point Gaussian quadrature method.</a:t>
+            </a:r>
+            <a:endParaRPr b="0" lang="en-GB" sz="1100" spc="-1" strike="noStrike">
+              <a:latin typeface="Arial"/>
+            </a:endParaRPr>
+          </a:p>
+        </p:txBody>
+      </p:sp>
+      <p:sp>
+        <p:nvSpPr>
+          <p:cNvPr id="148" name="CustomShape 5"/>
+          <p:cNvSpPr/>
+          <p:nvPr/>
+        </p:nvSpPr>
+        <p:spPr>
+          <a:xfrm>
+            <a:off x="8640000" y="4881960"/>
+            <a:ext cx="2806920" cy="371880"/>
+          </a:xfrm>
+          <a:prstGeom prst="rect">
+            <a:avLst/>
+          </a:prstGeom>
+          <a:noFill/>
+          <a:ln>
+            <a:noFill/>
+          </a:ln>
+        </p:spPr>
+        <p:style>
+          <a:lnRef idx="0"/>
+          <a:fillRef idx="0"/>
+          <a:effectRef idx="0"/>
+          <a:fontRef idx="minor"/>
+        </p:style>
+        <p:txBody>
+          <a:bodyPr lIns="90000" rIns="90000" tIns="45000" bIns="45000"/>
+          <a:p>
+            <a:pPr algn="ctr">
+              <a:lnSpc>
+                <a:spcPct val="100000"/>
+              </a:lnSpc>
+            </a:pPr>
+            <a:r>
+              <a:rPr b="0" lang="en-GB" sz="1100" spc="-1" strike="noStrike">
+                <a:solidFill>
+                  <a:srgbClr val="000000"/>
+                </a:solidFill>
+                <a:latin typeface="Arial"/>
+                <a:ea typeface="DejaVu Sans"/>
+              </a:rPr>
+              <a:t>Figure 9. Surface integration using 2-point Gaussian quadrature method.</a:t>
+            </a:r>
+            <a:endParaRPr b="0" lang="en-GB" sz="1100" spc="-1" strike="noStrike">
+              <a:latin typeface="Arial"/>
+            </a:endParaRPr>
+          </a:p>
+        </p:txBody>
+      </p:sp>
+      <p:sp>
+        <p:nvSpPr>
+          <p:cNvPr id="149" name="CustomShape 6"/>
+          <p:cNvSpPr/>
+          <p:nvPr/>
+        </p:nvSpPr>
+        <p:spPr>
+          <a:xfrm>
+            <a:off x="3677760" y="2880000"/>
+            <a:ext cx="3953160" cy="285840"/>
+          </a:xfrm>
+          <a:prstGeom prst="rect">
+            <a:avLst/>
+          </a:prstGeom>
+          <a:noFill/>
+          <a:ln>
+            <a:noFill/>
+          </a:ln>
+        </p:spPr>
+        <p:style>
+          <a:lnRef idx="0"/>
+          <a:fillRef idx="0"/>
+          <a:effectRef idx="0"/>
+          <a:fontRef idx="minor"/>
+        </p:style>
+        <p:txBody>
+          <a:bodyPr lIns="90000" rIns="90000" tIns="45000" bIns="45000"/>
+          <a:p>
+            <a:pPr>
+              <a:lnSpc>
+                <a:spcPct val="100000"/>
+              </a:lnSpc>
+            </a:pPr>
+            <a:r>
+              <a:rPr b="0" lang="en-GB" sz="1100" spc="-1" strike="noStrike">
+                <a:solidFill>
+                  <a:srgbClr val="000000"/>
+                </a:solidFill>
+                <a:latin typeface="Arial"/>
+                <a:ea typeface="DejaVu Sans"/>
+              </a:rPr>
+              <a:t>Figure 6. Travelling a square wave in 2D with 500 elements.</a:t>
+            </a:r>
+            <a:endParaRPr b="0" lang="en-GB" sz="1100" spc="-1" strike="noStrike">
+              <a:latin typeface="Arial"/>
+            </a:endParaRPr>
+          </a:p>
+        </p:txBody>
+      </p:sp>
+      <p:sp>
+        <p:nvSpPr>
+          <p:cNvPr id="150" name="CustomShape 7"/>
+          <p:cNvSpPr/>
+          <p:nvPr/>
+        </p:nvSpPr>
+        <p:spPr>
+          <a:xfrm>
+            <a:off x="4833360" y="6238440"/>
+            <a:ext cx="2523600" cy="470880"/>
+          </a:xfrm>
+          <a:prstGeom prst="rect">
+            <a:avLst/>
+          </a:prstGeom>
+          <a:noFill/>
+          <a:ln>
+            <a:noFill/>
+          </a:ln>
+        </p:spPr>
+        <p:style>
+          <a:lnRef idx="0"/>
+          <a:fillRef idx="0"/>
+          <a:effectRef idx="0"/>
+          <a:fontRef idx="minor"/>
+        </p:style>
+        <p:txBody>
+          <a:bodyPr lIns="90000" rIns="90000" tIns="45000" bIns="45000"/>
+          <a:p>
+            <a:pPr algn="ctr">
+              <a:lnSpc>
+                <a:spcPct val="90000"/>
+              </a:lnSpc>
+              <a:spcBef>
+                <a:spcPts val="1001"/>
+              </a:spcBef>
+            </a:pPr>
+            <a:r>
+              <a:rPr b="1" lang="en-GB" sz="1400" spc="-1" strike="noStrike">
+                <a:solidFill>
+                  <a:srgbClr val="002060"/>
+                </a:solidFill>
+                <a:latin typeface="Arial"/>
+                <a:ea typeface="Calibri"/>
+              </a:rPr>
+              <a:t>ICL-</a:t>
+            </a:r>
+            <a:r>
+              <a:rPr b="1" lang="en-GB" sz="1400" spc="-1" strike="noStrike">
+                <a:solidFill>
+                  <a:srgbClr val="0070c0"/>
+                </a:solidFill>
+                <a:latin typeface="Arial"/>
+                <a:ea typeface="Calibri"/>
+              </a:rPr>
+              <a:t>ICAM</a:t>
+            </a:r>
+            <a:r>
+              <a:rPr b="1" lang="en-GB" sz="1400" spc="-1" strike="noStrike">
+                <a:solidFill>
+                  <a:srgbClr val="002060"/>
+                </a:solidFill>
+                <a:latin typeface="Arial"/>
+                <a:ea typeface="Calibri"/>
+              </a:rPr>
+              <a:t>-BP</a:t>
+            </a:r>
+            <a:endParaRPr b="0" lang="en-GB" sz="1400" spc="-1" strike="noStrike">
+              <a:latin typeface="Arial"/>
+            </a:endParaRPr>
+          </a:p>
+          <a:p>
+            <a:pPr algn="ctr">
+              <a:lnSpc>
+                <a:spcPct val="90000"/>
+              </a:lnSpc>
+              <a:spcBef>
+                <a:spcPts val="1001"/>
+              </a:spcBef>
+            </a:pPr>
+            <a:r>
+              <a:rPr b="0" lang="en-GB" sz="1400" spc="-1" strike="noStrike">
+                <a:solidFill>
+                  <a:srgbClr val="000000"/>
+                </a:solidFill>
+                <a:latin typeface="Arial"/>
+                <a:ea typeface="Calibri"/>
+              </a:rPr>
+              <a:t>30</a:t>
+            </a:r>
+            <a:r>
+              <a:rPr b="0" lang="en-GB" sz="1400" spc="-1" strike="noStrike" baseline="30000">
+                <a:solidFill>
+                  <a:srgbClr val="000000"/>
+                </a:solidFill>
+                <a:latin typeface="Arial"/>
+                <a:ea typeface="Calibri"/>
+              </a:rPr>
+              <a:t>th</a:t>
+            </a:r>
+            <a:r>
+              <a:rPr b="0" lang="en-GB" sz="1400" spc="-1" strike="noStrike">
+                <a:solidFill>
+                  <a:srgbClr val="000000"/>
+                </a:solidFill>
+                <a:latin typeface="Arial"/>
+                <a:ea typeface="Calibri"/>
+              </a:rPr>
+              <a:t> June 2021</a:t>
+            </a:r>
+            <a:endParaRPr b="0" lang="en-GB" sz="1400" spc="-1" strike="noStrike">
+              <a:latin typeface="Arial"/>
+            </a:endParaRPr>
+          </a:p>
+        </p:txBody>
+      </p:sp>
+      <p:pic>
+        <p:nvPicPr>
+          <p:cNvPr id="151" name="" descr=""/>
+          <p:cNvPicPr/>
+          <p:nvPr/>
+        </p:nvPicPr>
+        <p:blipFill>
+          <a:blip r:embed="rId3"/>
+          <a:stretch/>
+        </p:blipFill>
+        <p:spPr>
+          <a:xfrm>
+            <a:off x="326160" y="3442320"/>
+            <a:ext cx="4281840" cy="2245680"/>
+          </a:xfrm>
+          <a:prstGeom prst="rect">
+            <a:avLst/>
+          </a:prstGeom>
+          <a:ln>
+            <a:noFill/>
+          </a:ln>
+        </p:spPr>
+      </p:pic>
+    </p:spTree>
+  </p:cSld>
+  <p:timing>
+    <p:tnLst>
+      <p:par>
+        <p:cTn id="17" dur="indefinite" restart="never" nodeType="tmRoot">
+          <p:childTnLst>
+            <p:seq>
+              <p:cTn id="18" dur="indefinite" nodeType="mainSeq"/>
               <p:prevCondLst>
                 <p:cond delay="0" evt="onPrev">
                   <p:tgtEl>
@@ -9187,227 +9299,4 @@
     </a:fmtScheme>
   </a:themeElements>
 </a:theme>
-</file>
-
-<file path=ppt/theme/theme3.xml><?xml version="1.0" encoding="utf-8"?>
-<a:theme xmlns:a="http://schemas.openxmlformats.org/drawingml/2006/main" name="Office Theme">
-  <a:themeElements>
-    <a:clrScheme name="Office">
-      <a:dk1>
-        <a:sysClr val="windowText" lastClr="000000"/>
-      </a:dk1>
-      <a:lt1>
-        <a:sysClr val="window" lastClr="FFFFFF"/>
-      </a:lt1>
-      <a:dk2>
-        <a:srgbClr val="44546a"/>
-      </a:dk2>
-      <a:lt2>
-        <a:srgbClr val="e7e6e6"/>
-      </a:lt2>
-      <a:accent1>
-        <a:srgbClr val="4472c4"/>
-      </a:accent1>
-      <a:accent2>
-        <a:srgbClr val="ed7d31"/>
-      </a:accent2>
-      <a:accent3>
-        <a:srgbClr val="a5a5a5"/>
-      </a:accent3>
-      <a:accent4>
-        <a:srgbClr val="ffc000"/>
-      </a:accent4>
-      <a:accent5>
-        <a:srgbClr val="5b9bd5"/>
-      </a:accent5>
-      <a:accent6>
-        <a:srgbClr val="70ad47"/>
-      </a:accent6>
-      <a:hlink>
-        <a:srgbClr val="0563c1"/>
-      </a:hlink>
-      <a:folHlink>
-        <a:srgbClr val="954f72"/>
-      </a:folHlink>
-    </a:clrScheme>
-    <a:fontScheme name="Office">
-      <a:majorFont>
-        <a:latin typeface="Arial"/>
-        <a:ea typeface="DejaVu Sans"/>
-        <a:cs typeface="DejaVu Sans"/>
-      </a:majorFont>
-      <a:minorFont>
-        <a:latin typeface="Arial"/>
-        <a:ea typeface="DejaVu Sans"/>
-        <a:cs typeface="DejaVu Sans"/>
-      </a:minorFont>
-    </a:fontScheme>
-    <a:fmtScheme name="Office">
-      <a:fillStyleLst>
-        <a:solidFill>
-          <a:schemeClr val="phClr"/>
-        </a:solidFill>
-        <a:gradFill rotWithShape="1">
-          <a:gsLst>
-            <a:gs pos="0">
-              <a:schemeClr val="phClr">
-                <a:tint val="50000"/>
-                <a:satMod val="300000"/>
-              </a:schemeClr>
-            </a:gs>
-            <a:gs pos="35000">
-              <a:schemeClr val="phClr">
-                <a:tint val="37000"/>
-                <a:satMod val="300000"/>
-              </a:schemeClr>
-            </a:gs>
-            <a:gs pos="100000">
-              <a:schemeClr val="phClr">
-                <a:tint val="15000"/>
-                <a:satMod val="350000"/>
-              </a:schemeClr>
-            </a:gs>
-          </a:gsLst>
-          <a:lin ang="16200000" scaled="1"/>
-        </a:gradFill>
-        <a:gradFill rotWithShape="1">
-          <a:gsLst>
-            <a:gs pos="0">
-              <a:schemeClr val="phClr">
-                <a:shade val="51000"/>
-                <a:satMod val="130000"/>
-              </a:schemeClr>
-            </a:gs>
-            <a:gs pos="80000">
-              <a:schemeClr val="phClr">
-                <a:shade val="93000"/>
-                <a:satMod val="130000"/>
-              </a:schemeClr>
-            </a:gs>
-            <a:gs pos="100000">
-              <a:schemeClr val="phClr">
-                <a:shade val="94000"/>
-                <a:satMod val="135000"/>
-              </a:schemeClr>
-            </a:gs>
-          </a:gsLst>
-          <a:lin ang="16200000" scaled="0"/>
-        </a:gradFill>
-      </a:fillStyleLst>
-      <a:lnStyleLst>
-        <a:ln w="9525" cap="flat" cmpd="sng" algn="ctr">
-          <a:solidFill>
-            <a:schemeClr val="phClr">
-              <a:shade val="95000"/>
-              <a:satMod val="105000"/>
-            </a:schemeClr>
-          </a:solidFill>
-          <a:prstDash val="solid"/>
-        </a:ln>
-        <a:ln w="25400" cap="flat" cmpd="sng" algn="ctr">
-          <a:solidFill>
-            <a:schemeClr val="phClr"/>
-          </a:solidFill>
-          <a:prstDash val="solid"/>
-        </a:ln>
-        <a:ln w="38100" cap="flat" cmpd="sng" algn="ctr">
-          <a:solidFill>
-            <a:schemeClr val="phClr"/>
-          </a:solidFill>
-          <a:prstDash val="solid"/>
-        </a:ln>
-      </a:lnStyleLst>
-      <a:effectStyleLst>
-        <a:effectStyle>
-          <a:effectLst>
-            <a:outerShdw blurRad="40000" dist="20000" dir="5400000" rotWithShape="0">
-              <a:srgbClr val="000000">
-                <a:alpha val="38000"/>
-              </a:srgbClr>
-            </a:outerShdw>
-          </a:effectLst>
-        </a:effectStyle>
-        <a:effectStyle>
-          <a:effectLst>
-            <a:outerShdw blurRad="40000" dist="23000" dir="5400000" rotWithShape="0">
-              <a:srgbClr val="000000">
-                <a:alpha val="35000"/>
-              </a:srgbClr>
-            </a:outerShdw>
-          </a:effectLst>
-        </a:effectStyle>
-        <a:effectStyle>
-          <a:effectLst>
-            <a:outerShdw blurRad="40000" dist="23000" dir="5400000" rotWithShape="0">
-              <a:srgbClr val="000000">
-                <a:alpha val="35000"/>
-              </a:srgbClr>
-            </a:outerShdw>
-          </a:effectLst>
-          <a:scene3d>
-            <a:camera prst="orthographicFront">
-              <a:rot lat="0" lon="0" rev="0"/>
-            </a:camera>
-            <a:lightRig rig="threePt" dir="t">
-              <a:rot lat="0" lon="0" rev="1200000"/>
-            </a:lightRig>
-          </a:scene3d>
-          <a:sp3d>
-            <a:bevelT w="63500" h="25400"/>
-          </a:sp3d>
-        </a:effectStyle>
-      </a:effectStyleLst>
-      <a:bgFillStyleLst>
-        <a:solidFill>
-          <a:schemeClr val="phClr"/>
-        </a:solidFill>
-        <a:gradFill rotWithShape="1">
-          <a:gsLst>
-            <a:gs pos="0">
-              <a:schemeClr val="phClr">
-                <a:tint val="40000"/>
-                <a:satMod val="350000"/>
-              </a:schemeClr>
-            </a:gs>
-            <a:gs pos="40000">
-              <a:schemeClr val="phClr">
-                <a:tint val="45000"/>
-                <a:shade val="99000"/>
-                <a:satMod val="350000"/>
-              </a:schemeClr>
-            </a:gs>
-            <a:gs pos="100000">
-              <a:schemeClr val="phClr">
-                <a:shade val="20000"/>
-                <a:satMod val="255000"/>
-              </a:schemeClr>
-            </a:gs>
-          </a:gsLst>
-          <a:path path="circle">
-            <a:fillToRect l="50000" t="-80000" r="50000" b="180000"/>
-          </a:path>
-        </a:gradFill>
-        <a:gradFill rotWithShape="1">
-          <a:gsLst>
-            <a:gs pos="0">
-              <a:schemeClr val="phClr">
-                <a:tint val="80000"/>
-                <a:satMod val="300000"/>
-              </a:schemeClr>
-            </a:gs>
-            <a:gs pos="100000">
-              <a:schemeClr val="phClr">
-                <a:shade val="30000"/>
-                <a:satMod val="200000"/>
-              </a:schemeClr>
-            </a:gs>
-          </a:gsLst>
-          <a:path path="circle">
-            <a:fillToRect l="50000" t="50000" r="50000" b="50000"/>
-          </a:path>
-        </a:gradFill>
-      </a:bgFillStyleLst>
-    </a:fmtScheme>
-  </a:themeElements>
-</a:theme>
 </file>